--- a/ReviewThrift.pptx
+++ b/ReviewThrift.pptx
@@ -2,7 +2,7 @@
 <file path=ppt/presentation.xml><?xml version="1.0" encoding="utf-8"?>
 <p:presentation xmlns:a="http://schemas.openxmlformats.org/drawingml/2006/main" xmlns:r="http://schemas.openxmlformats.org/officeDocument/2006/relationships" xmlns:p="http://schemas.openxmlformats.org/presentationml/2006/main" saveSubsetFonts="1">
   <p:sldMasterIdLst>
-    <p:sldMasterId id="2147483714" r:id="rId1"/>
+    <p:sldMasterId id="2147483732" r:id="rId1"/>
   </p:sldMasterIdLst>
   <p:sldIdLst>
     <p:sldId id="256" r:id="rId2"/>
@@ -489,7 +489,7 @@
           </a:lstStyle>
           <a:p>
             <a:r>
-              <a:rPr lang="en-US" dirty="0"/>
+              <a:rPr lang="en-US"/>
               <a:t>Click to edit Master title style</a:t>
             </a:r>
           </a:p>
@@ -607,7 +607,7 @@
           </a:lstStyle>
           <a:p>
             <a:r>
-              <a:rPr lang="en-US" dirty="0"/>
+              <a:rPr lang="en-US"/>
               <a:t>Click to edit Master subtitle style</a:t>
             </a:r>
           </a:p>
@@ -630,7 +630,7 @@
           <a:p>
             <a:fld id="{846CE7D5-CF57-46EF-B807-FDD0502418D4}" type="datetimeFigureOut">
               <a:rPr lang="en-US" smtClean="0"/>
-              <a:t>6/12/2018</a:t>
+              <a:t>6/13/2018</a:t>
             </a:fld>
             <a:endParaRPr lang="en-US"/>
           </a:p>
@@ -693,6 +693,18 @@
   <p:clrMapOvr>
     <a:masterClrMapping/>
   </p:clrMapOvr>
+  <mc:AlternateContent xmlns:mc="http://schemas.openxmlformats.org/markup-compatibility/2006" xmlns:p14="http://schemas.microsoft.com/office/powerpoint/2010/main">
+    <mc:Choice Requires="p14">
+      <p:transition spd="med" p14:dur="700">
+        <p:fade/>
+      </p:transition>
+    </mc:Choice>
+    <mc:Fallback xmlns="">
+      <p:transition spd="med">
+        <p:fade/>
+      </p:transition>
+    </mc:Fallback>
+  </mc:AlternateContent>
 </p:sldLayout>
 </file>
 
@@ -740,7 +752,7 @@
           </a:lstStyle>
           <a:p>
             <a:r>
-              <a:rPr lang="en-US" dirty="0"/>
+              <a:rPr lang="en-US"/>
               <a:t>Click to edit Master title style</a:t>
             </a:r>
           </a:p>
@@ -834,7 +846,7 @@
           </a:lstStyle>
           <a:p>
             <a:r>
-              <a:rPr lang="en-US" dirty="0"/>
+              <a:rPr lang="en-US"/>
               <a:t>Click icon to add picture</a:t>
             </a:r>
           </a:p>
@@ -901,7 +913,7 @@
           <a:p>
             <a:pPr lvl="0"/>
             <a:r>
-              <a:rPr lang="en-US" dirty="0"/>
+              <a:rPr lang="en-US"/>
               <a:t>Edit Master text styles</a:t>
             </a:r>
           </a:p>
@@ -924,7 +936,7 @@
           <a:p>
             <a:fld id="{846CE7D5-CF57-46EF-B807-FDD0502418D4}" type="datetimeFigureOut">
               <a:rPr lang="en-US" smtClean="0"/>
-              <a:t>6/12/2018</a:t>
+              <a:t>6/13/2018</a:t>
             </a:fld>
             <a:endParaRPr lang="en-US"/>
           </a:p>
@@ -982,6 +994,18 @@
   <p:clrMapOvr>
     <a:masterClrMapping/>
   </p:clrMapOvr>
+  <mc:AlternateContent xmlns:mc="http://schemas.openxmlformats.org/markup-compatibility/2006" xmlns:p14="http://schemas.microsoft.com/office/powerpoint/2010/main">
+    <mc:Choice Requires="p14">
+      <p:transition spd="med" p14:dur="700">
+        <p:fade/>
+      </p:transition>
+    </mc:Choice>
+    <mc:Fallback xmlns="">
+      <p:transition spd="med">
+        <p:fade/>
+      </p:transition>
+    </mc:Fallback>
+  </mc:AlternateContent>
 </p:sldLayout>
 </file>
 
@@ -1029,7 +1053,7 @@
           </a:lstStyle>
           <a:p>
             <a:r>
-              <a:rPr lang="en-US" dirty="0"/>
+              <a:rPr lang="en-US"/>
               <a:t>Click to edit Master title style</a:t>
             </a:r>
           </a:p>
@@ -1148,7 +1172,7 @@
           <a:p>
             <a:pPr lvl="0"/>
             <a:r>
-              <a:rPr lang="en-US" dirty="0"/>
+              <a:rPr lang="en-US"/>
               <a:t>Edit Master text styles</a:t>
             </a:r>
           </a:p>
@@ -1171,7 +1195,7 @@
           <a:p>
             <a:fld id="{846CE7D5-CF57-46EF-B807-FDD0502418D4}" type="datetimeFigureOut">
               <a:rPr lang="en-US" smtClean="0"/>
-              <a:t>6/12/2018</a:t>
+              <a:t>6/13/2018</a:t>
             </a:fld>
             <a:endParaRPr lang="en-US"/>
           </a:p>
@@ -1229,6 +1253,18 @@
   <p:clrMapOvr>
     <a:masterClrMapping/>
   </p:clrMapOvr>
+  <mc:AlternateContent xmlns:mc="http://schemas.openxmlformats.org/markup-compatibility/2006" xmlns:p14="http://schemas.microsoft.com/office/powerpoint/2010/main">
+    <mc:Choice Requires="p14">
+      <p:transition spd="med" p14:dur="700">
+        <p:fade/>
+      </p:transition>
+    </mc:Choice>
+    <mc:Fallback xmlns="">
+      <p:transition spd="med">
+        <p:fade/>
+      </p:transition>
+    </mc:Fallback>
+  </mc:AlternateContent>
 </p:sldLayout>
 </file>
 
@@ -1354,7 +1390,7 @@
           <a:p>
             <a:pPr lvl="0"/>
             <a:r>
-              <a:rPr lang="en-US" sz="8000" dirty="0">
+              <a:rPr lang="en-US" sz="8000">
                 <a:solidFill>
                   <a:schemeClr val="tx1"/>
                 </a:solidFill>
@@ -1470,7 +1506,7 @@
           <a:p>
             <a:pPr lvl="0" algn="r"/>
             <a:r>
-              <a:rPr lang="en-US" sz="8000" dirty="0">
+              <a:rPr lang="en-US" sz="8000">
                 <a:solidFill>
                   <a:schemeClr val="tx1"/>
                 </a:solidFill>
@@ -1512,7 +1548,7 @@
           </a:lstStyle>
           <a:p>
             <a:r>
-              <a:rPr lang="en-US" dirty="0"/>
+              <a:rPr lang="en-US"/>
               <a:t>Click to edit Master title style</a:t>
             </a:r>
           </a:p>
@@ -1568,7 +1604,7 @@
           <a:p>
             <a:pPr lvl="0"/>
             <a:r>
-              <a:rPr lang="en-US" dirty="0"/>
+              <a:rPr lang="en-US"/>
               <a:t>Edit Master text styles</a:t>
             </a:r>
           </a:p>
@@ -1687,7 +1723,7 @@
           <a:p>
             <a:pPr lvl="0"/>
             <a:r>
-              <a:rPr lang="en-US" dirty="0"/>
+              <a:rPr lang="en-US"/>
               <a:t>Edit Master text styles</a:t>
             </a:r>
           </a:p>
@@ -1710,7 +1746,7 @@
           <a:p>
             <a:fld id="{846CE7D5-CF57-46EF-B807-FDD0502418D4}" type="datetimeFigureOut">
               <a:rPr lang="en-US" smtClean="0"/>
-              <a:t>6/12/2018</a:t>
+              <a:t>6/13/2018</a:t>
             </a:fld>
             <a:endParaRPr lang="en-US"/>
           </a:p>
@@ -1768,6 +1804,18 @@
   <p:clrMapOvr>
     <a:masterClrMapping/>
   </p:clrMapOvr>
+  <mc:AlternateContent xmlns:mc="http://schemas.openxmlformats.org/markup-compatibility/2006" xmlns:p14="http://schemas.microsoft.com/office/powerpoint/2010/main">
+    <mc:Choice Requires="p14">
+      <p:transition spd="med" p14:dur="700">
+        <p:fade/>
+      </p:transition>
+    </mc:Choice>
+    <mc:Fallback xmlns="">
+      <p:transition spd="med">
+        <p:fade/>
+      </p:transition>
+    </mc:Fallback>
+  </mc:AlternateContent>
 </p:sldLayout>
 </file>
 
@@ -1815,7 +1863,7 @@
           </a:lstStyle>
           <a:p>
             <a:r>
-              <a:rPr lang="en-US" dirty="0"/>
+              <a:rPr lang="en-US"/>
               <a:t>Click to edit Master title style</a:t>
             </a:r>
           </a:p>
@@ -1934,7 +1982,7 @@
           <a:p>
             <a:pPr lvl="0"/>
             <a:r>
-              <a:rPr lang="en-US" dirty="0"/>
+              <a:rPr lang="en-US"/>
               <a:t>Edit Master text styles</a:t>
             </a:r>
           </a:p>
@@ -1957,7 +2005,7 @@
           <a:p>
             <a:fld id="{846CE7D5-CF57-46EF-B807-FDD0502418D4}" type="datetimeFigureOut">
               <a:rPr lang="en-US" smtClean="0"/>
-              <a:t>6/12/2018</a:t>
+              <a:t>6/13/2018</a:t>
             </a:fld>
             <a:endParaRPr lang="en-US"/>
           </a:p>
@@ -2015,6 +2063,18 @@
   <p:clrMapOvr>
     <a:masterClrMapping/>
   </p:clrMapOvr>
+  <mc:AlternateContent xmlns:mc="http://schemas.openxmlformats.org/markup-compatibility/2006" xmlns:p14="http://schemas.microsoft.com/office/powerpoint/2010/main">
+    <mc:Choice Requires="p14">
+      <p:transition spd="med" p14:dur="700">
+        <p:fade/>
+      </p:transition>
+    </mc:Choice>
+    <mc:Fallback xmlns="">
+      <p:transition spd="med">
+        <p:fade/>
+      </p:transition>
+    </mc:Fallback>
+  </mc:AlternateContent>
 </p:sldLayout>
 </file>
 
@@ -2140,7 +2200,7 @@
           <a:p>
             <a:pPr lvl="0"/>
             <a:r>
-              <a:rPr lang="en-US" sz="8000" dirty="0">
+              <a:rPr lang="en-US" sz="8000">
                 <a:solidFill>
                   <a:schemeClr val="tx1"/>
                 </a:solidFill>
@@ -2256,7 +2316,7 @@
           <a:p>
             <a:pPr lvl="0" algn="r"/>
             <a:r>
-              <a:rPr lang="en-US" sz="8000" dirty="0">
+              <a:rPr lang="en-US" sz="8000">
                 <a:solidFill>
                   <a:schemeClr val="tx1"/>
                 </a:solidFill>
@@ -2298,7 +2358,7 @@
           </a:lstStyle>
           <a:p>
             <a:r>
-              <a:rPr lang="en-US" dirty="0"/>
+              <a:rPr lang="en-US"/>
               <a:t>Click to edit Master title style</a:t>
             </a:r>
           </a:p>
@@ -2346,7 +2406,7 @@
               <a:buNone/>
             </a:pPr>
             <a:r>
-              <a:rPr lang="en-US" dirty="0"/>
+              <a:rPr lang="en-US"/>
               <a:t>Edit Master text styles</a:t>
             </a:r>
           </a:p>
@@ -2465,7 +2525,7 @@
           <a:p>
             <a:pPr lvl="0"/>
             <a:r>
-              <a:rPr lang="en-US" dirty="0"/>
+              <a:rPr lang="en-US"/>
               <a:t>Edit Master text styles</a:t>
             </a:r>
           </a:p>
@@ -2488,7 +2548,7 @@
           <a:p>
             <a:fld id="{846CE7D5-CF57-46EF-B807-FDD0502418D4}" type="datetimeFigureOut">
               <a:rPr lang="en-US" smtClean="0"/>
-              <a:t>6/12/2018</a:t>
+              <a:t>6/13/2018</a:t>
             </a:fld>
             <a:endParaRPr lang="en-US"/>
           </a:p>
@@ -2546,6 +2606,18 @@
   <p:clrMapOvr>
     <a:masterClrMapping/>
   </p:clrMapOvr>
+  <mc:AlternateContent xmlns:mc="http://schemas.openxmlformats.org/markup-compatibility/2006" xmlns:p14="http://schemas.microsoft.com/office/powerpoint/2010/main">
+    <mc:Choice Requires="p14">
+      <p:transition spd="med" p14:dur="700">
+        <p:fade/>
+      </p:transition>
+    </mc:Choice>
+    <mc:Fallback xmlns="">
+      <p:transition spd="med">
+        <p:fade/>
+      </p:transition>
+    </mc:Fallback>
+  </mc:AlternateContent>
 </p:sldLayout>
 </file>
 
@@ -2594,7 +2666,7 @@
           <a:p>
             <a:pPr marL="0" lvl="0"/>
             <a:r>
-              <a:rPr lang="en-US" dirty="0"/>
+              <a:rPr lang="en-US"/>
               <a:t>Click to edit Master title style</a:t>
             </a:r>
           </a:p>
@@ -2642,7 +2714,7 @@
               <a:buNone/>
             </a:pPr>
             <a:r>
-              <a:rPr lang="en-US" dirty="0"/>
+              <a:rPr lang="en-US"/>
               <a:t>Edit Master text styles</a:t>
             </a:r>
           </a:p>
@@ -2761,7 +2833,7 @@
           <a:p>
             <a:pPr lvl="0"/>
             <a:r>
-              <a:rPr lang="en-US" dirty="0"/>
+              <a:rPr lang="en-US"/>
               <a:t>Edit Master text styles</a:t>
             </a:r>
           </a:p>
@@ -2784,7 +2856,7 @@
           <a:p>
             <a:fld id="{846CE7D5-CF57-46EF-B807-FDD0502418D4}" type="datetimeFigureOut">
               <a:rPr lang="en-US" smtClean="0"/>
-              <a:t>6/12/2018</a:t>
+              <a:t>6/13/2018</a:t>
             </a:fld>
             <a:endParaRPr lang="en-US"/>
           </a:p>
@@ -2842,6 +2914,18 @@
   <p:clrMapOvr>
     <a:masterClrMapping/>
   </p:clrMapOvr>
+  <mc:AlternateContent xmlns:mc="http://schemas.openxmlformats.org/markup-compatibility/2006" xmlns:p14="http://schemas.microsoft.com/office/powerpoint/2010/main">
+    <mc:Choice Requires="p14">
+      <p:transition spd="med" p14:dur="700">
+        <p:fade/>
+      </p:transition>
+    </mc:Choice>
+    <mc:Fallback xmlns="">
+      <p:transition spd="med">
+        <p:fade/>
+      </p:transition>
+    </mc:Fallback>
+  </mc:AlternateContent>
 </p:sldLayout>
 </file>
 
@@ -2882,7 +2966,7 @@
           </a:lstStyle>
           <a:p>
             <a:r>
-              <a:rPr lang="en-US" dirty="0"/>
+              <a:rPr lang="en-US"/>
               <a:t>Click to edit Master title style</a:t>
             </a:r>
           </a:p>
@@ -2905,35 +2989,35 @@
           <a:p>
             <a:pPr lvl="0"/>
             <a:r>
-              <a:rPr lang="en-US" dirty="0"/>
+              <a:rPr lang="en-US"/>
               <a:t>Edit Master text styles</a:t>
             </a:r>
           </a:p>
           <a:p>
             <a:pPr lvl="1"/>
             <a:r>
-              <a:rPr lang="en-US" dirty="0"/>
+              <a:rPr lang="en-US"/>
               <a:t>Second level</a:t>
             </a:r>
           </a:p>
           <a:p>
             <a:pPr lvl="2"/>
             <a:r>
-              <a:rPr lang="en-US" dirty="0"/>
+              <a:rPr lang="en-US"/>
               <a:t>Third level</a:t>
             </a:r>
           </a:p>
           <a:p>
             <a:pPr lvl="3"/>
             <a:r>
-              <a:rPr lang="en-US" dirty="0"/>
+              <a:rPr lang="en-US"/>
               <a:t>Fourth level</a:t>
             </a:r>
           </a:p>
           <a:p>
             <a:pPr lvl="4"/>
             <a:r>
-              <a:rPr lang="en-US" dirty="0"/>
+              <a:rPr lang="en-US"/>
               <a:t>Fifth level</a:t>
             </a:r>
           </a:p>
@@ -2956,7 +3040,7 @@
           <a:p>
             <a:fld id="{846CE7D5-CF57-46EF-B807-FDD0502418D4}" type="datetimeFigureOut">
               <a:rPr lang="en-US" smtClean="0"/>
-              <a:t>6/12/2018</a:t>
+              <a:t>6/13/2018</a:t>
             </a:fld>
             <a:endParaRPr lang="en-US"/>
           </a:p>
@@ -3014,6 +3098,18 @@
   <p:clrMapOvr>
     <a:masterClrMapping/>
   </p:clrMapOvr>
+  <mc:AlternateContent xmlns:mc="http://schemas.openxmlformats.org/markup-compatibility/2006" xmlns:p14="http://schemas.microsoft.com/office/powerpoint/2010/main">
+    <mc:Choice Requires="p14">
+      <p:transition spd="med" p14:dur="700">
+        <p:fade/>
+      </p:transition>
+    </mc:Choice>
+    <mc:Fallback xmlns="">
+      <p:transition spd="med">
+        <p:fade/>
+      </p:transition>
+    </mc:Fallback>
+  </mc:AlternateContent>
 </p:sldLayout>
 </file>
 
@@ -3055,7 +3151,7 @@
           <a:lstStyle/>
           <a:p>
             <a:r>
-              <a:rPr lang="en-US" dirty="0"/>
+              <a:rPr lang="en-US"/>
               <a:t>Click to edit Master title style</a:t>
             </a:r>
           </a:p>
@@ -3083,35 +3179,35 @@
           <a:p>
             <a:pPr lvl="0"/>
             <a:r>
-              <a:rPr lang="en-US" dirty="0"/>
+              <a:rPr lang="en-US"/>
               <a:t>Edit Master text styles</a:t>
             </a:r>
           </a:p>
           <a:p>
             <a:pPr lvl="1"/>
             <a:r>
-              <a:rPr lang="en-US" dirty="0"/>
+              <a:rPr lang="en-US"/>
               <a:t>Second level</a:t>
             </a:r>
           </a:p>
           <a:p>
             <a:pPr lvl="2"/>
             <a:r>
-              <a:rPr lang="en-US" dirty="0"/>
+              <a:rPr lang="en-US"/>
               <a:t>Third level</a:t>
             </a:r>
           </a:p>
           <a:p>
             <a:pPr lvl="3"/>
             <a:r>
-              <a:rPr lang="en-US" dirty="0"/>
+              <a:rPr lang="en-US"/>
               <a:t>Fourth level</a:t>
             </a:r>
           </a:p>
           <a:p>
             <a:pPr lvl="4"/>
             <a:r>
-              <a:rPr lang="en-US" dirty="0"/>
+              <a:rPr lang="en-US"/>
               <a:t>Fifth level</a:t>
             </a:r>
           </a:p>
@@ -3134,7 +3230,7 @@
           <a:p>
             <a:fld id="{846CE7D5-CF57-46EF-B807-FDD0502418D4}" type="datetimeFigureOut">
               <a:rPr lang="en-US" smtClean="0"/>
-              <a:t>6/12/2018</a:t>
+              <a:t>6/13/2018</a:t>
             </a:fld>
             <a:endParaRPr lang="en-US"/>
           </a:p>
@@ -3192,6 +3288,18 @@
   <p:clrMapOvr>
     <a:masterClrMapping/>
   </p:clrMapOvr>
+  <mc:AlternateContent xmlns:mc="http://schemas.openxmlformats.org/markup-compatibility/2006" xmlns:p14="http://schemas.microsoft.com/office/powerpoint/2010/main">
+    <mc:Choice Requires="p14">
+      <p:transition spd="med" p14:dur="700">
+        <p:fade/>
+      </p:transition>
+    </mc:Choice>
+    <mc:Fallback xmlns="">
+      <p:transition spd="med">
+        <p:fade/>
+      </p:transition>
+    </mc:Fallback>
+  </mc:AlternateContent>
 </p:sldLayout>
 </file>
 
@@ -3228,7 +3336,7 @@
           <a:lstStyle/>
           <a:p>
             <a:r>
-              <a:rPr lang="en-US" dirty="0"/>
+              <a:rPr lang="en-US"/>
               <a:t>Click to edit Master title style</a:t>
             </a:r>
           </a:p>
@@ -3251,35 +3359,35 @@
           <a:p>
             <a:pPr lvl="0"/>
             <a:r>
-              <a:rPr lang="en-US" dirty="0"/>
+              <a:rPr lang="en-US"/>
               <a:t>Edit Master text styles</a:t>
             </a:r>
           </a:p>
           <a:p>
             <a:pPr lvl="1"/>
             <a:r>
-              <a:rPr lang="en-US" dirty="0"/>
+              <a:rPr lang="en-US"/>
               <a:t>Second level</a:t>
             </a:r>
           </a:p>
           <a:p>
             <a:pPr lvl="2"/>
             <a:r>
-              <a:rPr lang="en-US" dirty="0"/>
+              <a:rPr lang="en-US"/>
               <a:t>Third level</a:t>
             </a:r>
           </a:p>
           <a:p>
             <a:pPr lvl="3"/>
             <a:r>
-              <a:rPr lang="en-US" dirty="0"/>
+              <a:rPr lang="en-US"/>
               <a:t>Fourth level</a:t>
             </a:r>
           </a:p>
           <a:p>
             <a:pPr lvl="4"/>
             <a:r>
-              <a:rPr lang="en-US" dirty="0"/>
+              <a:rPr lang="en-US"/>
               <a:t>Fifth level</a:t>
             </a:r>
           </a:p>
@@ -3302,7 +3410,7 @@
           <a:p>
             <a:fld id="{846CE7D5-CF57-46EF-B807-FDD0502418D4}" type="datetimeFigureOut">
               <a:rPr lang="en-US" smtClean="0"/>
-              <a:t>6/12/2018</a:t>
+              <a:t>6/13/2018</a:t>
             </a:fld>
             <a:endParaRPr lang="en-US"/>
           </a:p>
@@ -3365,6 +3473,18 @@
   <p:clrMapOvr>
     <a:masterClrMapping/>
   </p:clrMapOvr>
+  <mc:AlternateContent xmlns:mc="http://schemas.openxmlformats.org/markup-compatibility/2006" xmlns:p14="http://schemas.microsoft.com/office/powerpoint/2010/main">
+    <mc:Choice Requires="p14">
+      <p:transition spd="med" p14:dur="700">
+        <p:fade/>
+      </p:transition>
+    </mc:Choice>
+    <mc:Fallback xmlns="">
+      <p:transition spd="med">
+        <p:fade/>
+      </p:transition>
+    </mc:Fallback>
+  </mc:AlternateContent>
 </p:sldLayout>
 </file>
 
@@ -3410,7 +3530,7 @@
           </a:lstStyle>
           <a:p>
             <a:r>
-              <a:rPr lang="en-US" dirty="0"/>
+              <a:rPr lang="en-US"/>
               <a:t>Click to edit Master title style</a:t>
             </a:r>
           </a:p>
@@ -3529,7 +3649,7 @@
           <a:p>
             <a:pPr lvl="0"/>
             <a:r>
-              <a:rPr lang="en-US" dirty="0"/>
+              <a:rPr lang="en-US"/>
               <a:t>Edit Master text styles</a:t>
             </a:r>
           </a:p>
@@ -3552,7 +3672,7 @@
           <a:p>
             <a:fld id="{846CE7D5-CF57-46EF-B807-FDD0502418D4}" type="datetimeFigureOut">
               <a:rPr lang="en-US" smtClean="0"/>
-              <a:t>6/12/2018</a:t>
+              <a:t>6/13/2018</a:t>
             </a:fld>
             <a:endParaRPr lang="en-US"/>
           </a:p>
@@ -3610,6 +3730,18 @@
   <p:clrMapOvr>
     <a:masterClrMapping/>
   </p:clrMapOvr>
+  <mc:AlternateContent xmlns:mc="http://schemas.openxmlformats.org/markup-compatibility/2006" xmlns:p14="http://schemas.microsoft.com/office/powerpoint/2010/main">
+    <mc:Choice Requires="p14">
+      <p:transition spd="med" p14:dur="700">
+        <p:fade/>
+      </p:transition>
+    </mc:Choice>
+    <mc:Fallback xmlns="">
+      <p:transition spd="med">
+        <p:fade/>
+      </p:transition>
+    </mc:Fallback>
+  </mc:AlternateContent>
 </p:sldLayout>
 </file>
 
@@ -3651,7 +3783,7 @@
           <a:lstStyle/>
           <a:p>
             <a:r>
-              <a:rPr lang="en-US" dirty="0"/>
+              <a:rPr lang="en-US"/>
               <a:t>Click to edit Master title style</a:t>
             </a:r>
           </a:p>
@@ -3709,35 +3841,35 @@
           <a:p>
             <a:pPr lvl="0"/>
             <a:r>
-              <a:rPr lang="en-US" dirty="0"/>
+              <a:rPr lang="en-US"/>
               <a:t>Edit Master text styles</a:t>
             </a:r>
           </a:p>
           <a:p>
             <a:pPr lvl="1"/>
             <a:r>
-              <a:rPr lang="en-US" dirty="0"/>
+              <a:rPr lang="en-US"/>
               <a:t>Second level</a:t>
             </a:r>
           </a:p>
           <a:p>
             <a:pPr lvl="2"/>
             <a:r>
-              <a:rPr lang="en-US" dirty="0"/>
+              <a:rPr lang="en-US"/>
               <a:t>Third level</a:t>
             </a:r>
           </a:p>
           <a:p>
             <a:pPr lvl="3"/>
             <a:r>
-              <a:rPr lang="en-US" dirty="0"/>
+              <a:rPr lang="en-US"/>
               <a:t>Fourth level</a:t>
             </a:r>
           </a:p>
           <a:p>
             <a:pPr lvl="4"/>
             <a:r>
-              <a:rPr lang="en-US" dirty="0"/>
+              <a:rPr lang="en-US"/>
               <a:t>Fifth level</a:t>
             </a:r>
           </a:p>
@@ -3795,35 +3927,35 @@
           <a:p>
             <a:pPr lvl="0"/>
             <a:r>
-              <a:rPr lang="en-US" dirty="0"/>
+              <a:rPr lang="en-US"/>
               <a:t>Edit Master text styles</a:t>
             </a:r>
           </a:p>
           <a:p>
             <a:pPr lvl="1"/>
             <a:r>
-              <a:rPr lang="en-US" dirty="0"/>
+              <a:rPr lang="en-US"/>
               <a:t>Second level</a:t>
             </a:r>
           </a:p>
           <a:p>
             <a:pPr lvl="2"/>
             <a:r>
-              <a:rPr lang="en-US" dirty="0"/>
+              <a:rPr lang="en-US"/>
               <a:t>Third level</a:t>
             </a:r>
           </a:p>
           <a:p>
             <a:pPr lvl="3"/>
             <a:r>
-              <a:rPr lang="en-US" dirty="0"/>
+              <a:rPr lang="en-US"/>
               <a:t>Fourth level</a:t>
             </a:r>
           </a:p>
           <a:p>
             <a:pPr lvl="4"/>
             <a:r>
-              <a:rPr lang="en-US" dirty="0"/>
+              <a:rPr lang="en-US"/>
               <a:t>Fifth level</a:t>
             </a:r>
           </a:p>
@@ -3846,7 +3978,7 @@
           <a:p>
             <a:fld id="{846CE7D5-CF57-46EF-B807-FDD0502418D4}" type="datetimeFigureOut">
               <a:rPr lang="en-US" smtClean="0"/>
-              <a:t>6/12/2018</a:t>
+              <a:t>6/13/2018</a:t>
             </a:fld>
             <a:endParaRPr lang="en-US"/>
           </a:p>
@@ -3904,6 +4036,18 @@
   <p:clrMapOvr>
     <a:masterClrMapping/>
   </p:clrMapOvr>
+  <mc:AlternateContent xmlns:mc="http://schemas.openxmlformats.org/markup-compatibility/2006" xmlns:p14="http://schemas.microsoft.com/office/powerpoint/2010/main">
+    <mc:Choice Requires="p14">
+      <p:transition spd="med" p14:dur="700">
+        <p:fade/>
+      </p:transition>
+    </mc:Choice>
+    <mc:Fallback xmlns="">
+      <p:transition spd="med">
+        <p:fade/>
+      </p:transition>
+    </mc:Fallback>
+  </mc:AlternateContent>
 </p:sldLayout>
 </file>
 
@@ -3944,7 +4088,7 @@
           </a:lstStyle>
           <a:p>
             <a:r>
-              <a:rPr lang="en-US" dirty="0"/>
+              <a:rPr lang="en-US"/>
               <a:t>Click to edit Master title style</a:t>
             </a:r>
           </a:p>
@@ -4017,7 +4161,7 @@
           <a:p>
             <a:pPr lvl="0"/>
             <a:r>
-              <a:rPr lang="en-US" dirty="0"/>
+              <a:rPr lang="en-US"/>
               <a:t>Edit Master text styles</a:t>
             </a:r>
           </a:p>
@@ -4075,35 +4219,35 @@
           <a:p>
             <a:pPr lvl="0"/>
             <a:r>
-              <a:rPr lang="en-US" dirty="0"/>
+              <a:rPr lang="en-US"/>
               <a:t>Edit Master text styles</a:t>
             </a:r>
           </a:p>
           <a:p>
             <a:pPr lvl="1"/>
             <a:r>
-              <a:rPr lang="en-US" dirty="0"/>
+              <a:rPr lang="en-US"/>
               <a:t>Second level</a:t>
             </a:r>
           </a:p>
           <a:p>
             <a:pPr lvl="2"/>
             <a:r>
-              <a:rPr lang="en-US" dirty="0"/>
+              <a:rPr lang="en-US"/>
               <a:t>Third level</a:t>
             </a:r>
           </a:p>
           <a:p>
             <a:pPr lvl="3"/>
             <a:r>
-              <a:rPr lang="en-US" dirty="0"/>
+              <a:rPr lang="en-US"/>
               <a:t>Fourth level</a:t>
             </a:r>
           </a:p>
           <a:p>
             <a:pPr lvl="4"/>
             <a:r>
-              <a:rPr lang="en-US" dirty="0"/>
+              <a:rPr lang="en-US"/>
               <a:t>Fifth level</a:t>
             </a:r>
           </a:p>
@@ -4176,7 +4320,7 @@
           <a:p>
             <a:pPr lvl="0"/>
             <a:r>
-              <a:rPr lang="en-US" dirty="0"/>
+              <a:rPr lang="en-US"/>
               <a:t>Edit Master text styles</a:t>
             </a:r>
           </a:p>
@@ -4234,35 +4378,35 @@
           <a:p>
             <a:pPr lvl="0"/>
             <a:r>
-              <a:rPr lang="en-US" dirty="0"/>
+              <a:rPr lang="en-US"/>
               <a:t>Edit Master text styles</a:t>
             </a:r>
           </a:p>
           <a:p>
             <a:pPr lvl="1"/>
             <a:r>
-              <a:rPr lang="en-US" dirty="0"/>
+              <a:rPr lang="en-US"/>
               <a:t>Second level</a:t>
             </a:r>
           </a:p>
           <a:p>
             <a:pPr lvl="2"/>
             <a:r>
-              <a:rPr lang="en-US" dirty="0"/>
+              <a:rPr lang="en-US"/>
               <a:t>Third level</a:t>
             </a:r>
           </a:p>
           <a:p>
             <a:pPr lvl="3"/>
             <a:r>
-              <a:rPr lang="en-US" dirty="0"/>
+              <a:rPr lang="en-US"/>
               <a:t>Fourth level</a:t>
             </a:r>
           </a:p>
           <a:p>
             <a:pPr lvl="4"/>
             <a:r>
-              <a:rPr lang="en-US" dirty="0"/>
+              <a:rPr lang="en-US"/>
               <a:t>Fifth level</a:t>
             </a:r>
           </a:p>
@@ -4285,7 +4429,7 @@
           <a:p>
             <a:fld id="{846CE7D5-CF57-46EF-B807-FDD0502418D4}" type="datetimeFigureOut">
               <a:rPr lang="en-US" smtClean="0"/>
-              <a:t>6/12/2018</a:t>
+              <a:t>6/13/2018</a:t>
             </a:fld>
             <a:endParaRPr lang="en-US"/>
           </a:p>
@@ -4343,6 +4487,18 @@
   <p:clrMapOvr>
     <a:masterClrMapping/>
   </p:clrMapOvr>
+  <mc:AlternateContent xmlns:mc="http://schemas.openxmlformats.org/markup-compatibility/2006" xmlns:p14="http://schemas.microsoft.com/office/powerpoint/2010/main">
+    <mc:Choice Requires="p14">
+      <p:transition spd="med" p14:dur="700">
+        <p:fade/>
+      </p:transition>
+    </mc:Choice>
+    <mc:Fallback xmlns="">
+      <p:transition spd="med">
+        <p:fade/>
+      </p:transition>
+    </mc:Fallback>
+  </mc:AlternateContent>
 </p:sldLayout>
 </file>
 
@@ -4379,7 +4535,7 @@
           <a:lstStyle/>
           <a:p>
             <a:r>
-              <a:rPr lang="en-US" dirty="0"/>
+              <a:rPr lang="en-US"/>
               <a:t>Click to edit Master title style</a:t>
             </a:r>
           </a:p>
@@ -4402,7 +4558,7 @@
           <a:p>
             <a:fld id="{846CE7D5-CF57-46EF-B807-FDD0502418D4}" type="datetimeFigureOut">
               <a:rPr lang="en-US" smtClean="0"/>
-              <a:t>6/12/2018</a:t>
+              <a:t>6/13/2018</a:t>
             </a:fld>
             <a:endParaRPr lang="en-US"/>
           </a:p>
@@ -4460,6 +4616,18 @@
   <p:clrMapOvr>
     <a:masterClrMapping/>
   </p:clrMapOvr>
+  <mc:AlternateContent xmlns:mc="http://schemas.openxmlformats.org/markup-compatibility/2006" xmlns:p14="http://schemas.microsoft.com/office/powerpoint/2010/main">
+    <mc:Choice Requires="p14">
+      <p:transition spd="med" p14:dur="700">
+        <p:fade/>
+      </p:transition>
+    </mc:Choice>
+    <mc:Fallback xmlns="">
+      <p:transition spd="med">
+        <p:fade/>
+      </p:transition>
+    </mc:Fallback>
+  </mc:AlternateContent>
 </p:sldLayout>
 </file>
 
@@ -4497,7 +4665,7 @@
           <a:p>
             <a:fld id="{846CE7D5-CF57-46EF-B807-FDD0502418D4}" type="datetimeFigureOut">
               <a:rPr lang="en-US" smtClean="0"/>
-              <a:t>6/12/2018</a:t>
+              <a:t>6/13/2018</a:t>
             </a:fld>
             <a:endParaRPr lang="en-US"/>
           </a:p>
@@ -4555,6 +4723,18 @@
   <p:clrMapOvr>
     <a:masterClrMapping/>
   </p:clrMapOvr>
+  <mc:AlternateContent xmlns:mc="http://schemas.openxmlformats.org/markup-compatibility/2006" xmlns:p14="http://schemas.microsoft.com/office/powerpoint/2010/main">
+    <mc:Choice Requires="p14">
+      <p:transition spd="med" p14:dur="700">
+        <p:fade/>
+      </p:transition>
+    </mc:Choice>
+    <mc:Fallback xmlns="">
+      <p:transition spd="med">
+        <p:fade/>
+      </p:transition>
+    </mc:Fallback>
+  </mc:AlternateContent>
 </p:sldLayout>
 </file>
 
@@ -4602,7 +4782,7 @@
           </a:lstStyle>
           <a:p>
             <a:r>
-              <a:rPr lang="en-US" dirty="0"/>
+              <a:rPr lang="en-US"/>
               <a:t>Click to edit Master title style</a:t>
             </a:r>
           </a:p>
@@ -4660,35 +4840,35 @@
           <a:p>
             <a:pPr lvl="0"/>
             <a:r>
-              <a:rPr lang="en-US" dirty="0"/>
+              <a:rPr lang="en-US"/>
               <a:t>Edit Master text styles</a:t>
             </a:r>
           </a:p>
           <a:p>
             <a:pPr lvl="1"/>
             <a:r>
-              <a:rPr lang="en-US" dirty="0"/>
+              <a:rPr lang="en-US"/>
               <a:t>Second level</a:t>
             </a:r>
           </a:p>
           <a:p>
             <a:pPr lvl="2"/>
             <a:r>
-              <a:rPr lang="en-US" dirty="0"/>
+              <a:rPr lang="en-US"/>
               <a:t>Third level</a:t>
             </a:r>
           </a:p>
           <a:p>
             <a:pPr lvl="3"/>
             <a:r>
-              <a:rPr lang="en-US" dirty="0"/>
+              <a:rPr lang="en-US"/>
               <a:t>Fourth level</a:t>
             </a:r>
           </a:p>
           <a:p>
             <a:pPr lvl="4"/>
             <a:r>
-              <a:rPr lang="en-US" dirty="0"/>
+              <a:rPr lang="en-US"/>
               <a:t>Fifth level</a:t>
             </a:r>
           </a:p>
@@ -4755,7 +4935,7 @@
           <a:p>
             <a:pPr lvl="0"/>
             <a:r>
-              <a:rPr lang="en-US" dirty="0"/>
+              <a:rPr lang="en-US"/>
               <a:t>Edit Master text styles</a:t>
             </a:r>
           </a:p>
@@ -4778,7 +4958,7 @@
           <a:p>
             <a:fld id="{846CE7D5-CF57-46EF-B807-FDD0502418D4}" type="datetimeFigureOut">
               <a:rPr lang="en-US" smtClean="0"/>
-              <a:t>6/12/2018</a:t>
+              <a:t>6/13/2018</a:t>
             </a:fld>
             <a:endParaRPr lang="en-US"/>
           </a:p>
@@ -4836,6 +5016,18 @@
   <p:clrMapOvr>
     <a:masterClrMapping/>
   </p:clrMapOvr>
+  <mc:AlternateContent xmlns:mc="http://schemas.openxmlformats.org/markup-compatibility/2006" xmlns:p14="http://schemas.microsoft.com/office/powerpoint/2010/main">
+    <mc:Choice Requires="p14">
+      <p:transition spd="med" p14:dur="700">
+        <p:fade/>
+      </p:transition>
+    </mc:Choice>
+    <mc:Fallback xmlns="">
+      <p:transition spd="med">
+        <p:fade/>
+      </p:transition>
+    </mc:Fallback>
+  </mc:AlternateContent>
 </p:sldLayout>
 </file>
 
@@ -4883,7 +5075,7 @@
           </a:lstStyle>
           <a:p>
             <a:r>
-              <a:rPr lang="en-US" dirty="0"/>
+              <a:rPr lang="en-US"/>
               <a:t>Click to edit Master title style</a:t>
             </a:r>
           </a:p>
@@ -4977,7 +5169,7 @@
           </a:lstStyle>
           <a:p>
             <a:r>
-              <a:rPr lang="en-US" dirty="0"/>
+              <a:rPr lang="en-US"/>
               <a:t>Click icon to add picture</a:t>
             </a:r>
           </a:p>
@@ -5044,7 +5236,7 @@
           <a:p>
             <a:pPr lvl="0"/>
             <a:r>
-              <a:rPr lang="en-US" dirty="0"/>
+              <a:rPr lang="en-US"/>
               <a:t>Edit Master text styles</a:t>
             </a:r>
           </a:p>
@@ -5067,7 +5259,7 @@
           <a:p>
             <a:fld id="{846CE7D5-CF57-46EF-B807-FDD0502418D4}" type="datetimeFigureOut">
               <a:rPr lang="en-US" smtClean="0"/>
-              <a:t>6/12/2018</a:t>
+              <a:t>6/13/2018</a:t>
             </a:fld>
             <a:endParaRPr lang="en-US"/>
           </a:p>
@@ -5125,6 +5317,18 @@
   <p:clrMapOvr>
     <a:masterClrMapping/>
   </p:clrMapOvr>
+  <mc:AlternateContent xmlns:mc="http://schemas.openxmlformats.org/markup-compatibility/2006" xmlns:p14="http://schemas.microsoft.com/office/powerpoint/2010/main">
+    <mc:Choice Requires="p14">
+      <p:transition spd="med" p14:dur="700">
+        <p:fade/>
+      </p:transition>
+    </mc:Choice>
+    <mc:Fallback xmlns="">
+      <p:transition spd="med">
+        <p:fade/>
+      </p:transition>
+    </mc:Fallback>
+  </mc:AlternateContent>
 </p:sldLayout>
 </file>
 
@@ -5493,7 +5697,7 @@
           <a:lstStyle/>
           <a:p>
             <a:r>
-              <a:rPr lang="en-US" dirty="0"/>
+              <a:rPr lang="en-US"/>
               <a:t>Click to edit Master title style</a:t>
             </a:r>
           </a:p>
@@ -5526,35 +5730,35 @@
           <a:p>
             <a:pPr lvl="0"/>
             <a:r>
-              <a:rPr lang="en-US" dirty="0"/>
+              <a:rPr lang="en-US"/>
               <a:t>Edit Master text styles</a:t>
             </a:r>
           </a:p>
           <a:p>
             <a:pPr lvl="1"/>
             <a:r>
-              <a:rPr lang="en-US" dirty="0"/>
+              <a:rPr lang="en-US"/>
               <a:t>Second level</a:t>
             </a:r>
           </a:p>
           <a:p>
             <a:pPr lvl="2"/>
             <a:r>
-              <a:rPr lang="en-US" dirty="0"/>
+              <a:rPr lang="en-US"/>
               <a:t>Third level</a:t>
             </a:r>
           </a:p>
           <a:p>
             <a:pPr lvl="3"/>
             <a:r>
-              <a:rPr lang="en-US" dirty="0"/>
+              <a:rPr lang="en-US"/>
               <a:t>Fourth level</a:t>
             </a:r>
           </a:p>
           <a:p>
             <a:pPr lvl="4"/>
             <a:r>
-              <a:rPr lang="en-US" dirty="0"/>
+              <a:rPr lang="en-US"/>
               <a:t>Fifth level</a:t>
             </a:r>
           </a:p>
@@ -5595,7 +5799,7 @@
           <a:p>
             <a:fld id="{846CE7D5-CF57-46EF-B807-FDD0502418D4}" type="datetimeFigureOut">
               <a:rPr lang="en-US" smtClean="0"/>
-              <a:t>6/12/2018</a:t>
+              <a:t>6/13/2018</a:t>
             </a:fld>
             <a:endParaRPr lang="en-US"/>
           </a:p>
@@ -5688,24 +5892,36 @@
   </p:cSld>
   <p:clrMap bg1="lt1" tx1="dk1" bg2="lt2" tx2="dk2" accent1="accent1" accent2="accent2" accent3="accent3" accent4="accent4" accent5="accent5" accent6="accent6" hlink="hlink" folHlink="folHlink"/>
   <p:sldLayoutIdLst>
-    <p:sldLayoutId id="2147483715" r:id="rId1"/>
-    <p:sldLayoutId id="2147483716" r:id="rId2"/>
-    <p:sldLayoutId id="2147483717" r:id="rId3"/>
-    <p:sldLayoutId id="2147483718" r:id="rId4"/>
-    <p:sldLayoutId id="2147483719" r:id="rId5"/>
-    <p:sldLayoutId id="2147483720" r:id="rId6"/>
-    <p:sldLayoutId id="2147483721" r:id="rId7"/>
-    <p:sldLayoutId id="2147483722" r:id="rId8"/>
-    <p:sldLayoutId id="2147483723" r:id="rId9"/>
-    <p:sldLayoutId id="2147483724" r:id="rId10"/>
-    <p:sldLayoutId id="2147483725" r:id="rId11"/>
-    <p:sldLayoutId id="2147483726" r:id="rId12"/>
-    <p:sldLayoutId id="2147483727" r:id="rId13"/>
-    <p:sldLayoutId id="2147483728" r:id="rId14"/>
-    <p:sldLayoutId id="2147483729" r:id="rId15"/>
-    <p:sldLayoutId id="2147483730" r:id="rId16"/>
-    <p:sldLayoutId id="2147483731" r:id="rId17"/>
+    <p:sldLayoutId id="2147483733" r:id="rId1"/>
+    <p:sldLayoutId id="2147483734" r:id="rId2"/>
+    <p:sldLayoutId id="2147483735" r:id="rId3"/>
+    <p:sldLayoutId id="2147483736" r:id="rId4"/>
+    <p:sldLayoutId id="2147483737" r:id="rId5"/>
+    <p:sldLayoutId id="2147483738" r:id="rId6"/>
+    <p:sldLayoutId id="2147483739" r:id="rId7"/>
+    <p:sldLayoutId id="2147483740" r:id="rId8"/>
+    <p:sldLayoutId id="2147483741" r:id="rId9"/>
+    <p:sldLayoutId id="2147483742" r:id="rId10"/>
+    <p:sldLayoutId id="2147483743" r:id="rId11"/>
+    <p:sldLayoutId id="2147483744" r:id="rId12"/>
+    <p:sldLayoutId id="2147483745" r:id="rId13"/>
+    <p:sldLayoutId id="2147483746" r:id="rId14"/>
+    <p:sldLayoutId id="2147483747" r:id="rId15"/>
+    <p:sldLayoutId id="2147483748" r:id="rId16"/>
+    <p:sldLayoutId id="2147483749" r:id="rId17"/>
   </p:sldLayoutIdLst>
+  <mc:AlternateContent xmlns:mc="http://schemas.openxmlformats.org/markup-compatibility/2006" xmlns:p14="http://schemas.microsoft.com/office/powerpoint/2010/main">
+    <mc:Choice Requires="p14">
+      <p:transition spd="med" p14:dur="700">
+        <p:fade/>
+      </p:transition>
+    </mc:Choice>
+    <mc:Fallback xmlns="">
+      <p:transition spd="med">
+        <p:fade/>
+      </p:transition>
+    </mc:Fallback>
+  </mc:AlternateContent>
   <p:txStyles>
     <p:titleStyle>
       <a:lvl1pPr algn="ctr" defTabSz="457200" rtl="0" eaLnBrk="1" latinLnBrk="0" hangingPunct="1">
@@ -6150,7 +6366,7 @@
           <a:p>
             <a:pPr algn="ctr"/>
             <a:r>
-              <a:rPr lang="en-US" sz="7200" dirty="0">
+              <a:rPr lang="en-US" sz="7200">
                 <a:latin typeface="Times New Roman"/>
                 <a:cs typeface="Times New Roman"/>
               </a:rPr>
@@ -6169,6 +6385,18 @@
   <p:clrMapOvr>
     <a:masterClrMapping/>
   </p:clrMapOvr>
+  <mc:AlternateContent xmlns:mc="http://schemas.openxmlformats.org/markup-compatibility/2006" xmlns:p14="http://schemas.microsoft.com/office/powerpoint/2010/main">
+    <mc:Choice Requires="p14">
+      <p:transition spd="med" p14:dur="700">
+        <p:fade/>
+      </p:transition>
+    </mc:Choice>
+    <mc:Fallback xmlns="">
+      <p:transition spd="med">
+        <p:fade/>
+      </p:transition>
+    </mc:Fallback>
+  </mc:AlternateContent>
 </p:sld>
 </file>
 
@@ -6216,13 +6444,13 @@
           <a:lstStyle/>
           <a:p>
             <a:r>
-              <a:rPr lang="en-US" dirty="0">
+              <a:rPr lang="en-US">
                 <a:latin typeface="Times New Roman"/>
                 <a:cs typeface="Times New Roman"/>
               </a:rPr>
               <a:t>Thrift - HTTP</a:t>
             </a:r>
-            <a:endParaRPr lang="en-US" dirty="0"/>
+            <a:endParaRPr lang="en-US"/>
           </a:p>
         </p:txBody>
       </p:sp>
@@ -6258,947 +6486,947 @@
               <a:buNone/>
             </a:pPr>
             <a:r>
-              <a:rPr lang="en-US" dirty="0" err="1">
+              <a:rPr lang="en-US" err="1">
                 <a:latin typeface="Times New Roman"/>
                 <a:cs typeface="Times New Roman"/>
               </a:rPr>
               <a:t>Khác</a:t>
             </a:r>
             <a:r>
-              <a:rPr lang="en-US" dirty="0">
-                <a:latin typeface="Times New Roman"/>
-                <a:cs typeface="Times New Roman"/>
-              </a:rPr>
-              <a:t> </a:t>
-            </a:r>
-            <a:r>
-              <a:rPr lang="en-US" dirty="0" err="1">
+              <a:rPr lang="en-US">
+                <a:latin typeface="Times New Roman"/>
+                <a:cs typeface="Times New Roman"/>
+              </a:rPr>
+              <a:t> </a:t>
+            </a:r>
+            <a:r>
+              <a:rPr lang="en-US" err="1">
                 <a:latin typeface="Times New Roman"/>
                 <a:cs typeface="Times New Roman"/>
               </a:rPr>
               <a:t>nhau</a:t>
             </a:r>
             <a:r>
-              <a:rPr lang="en-US" dirty="0">
+              <a:rPr lang="en-US">
                 <a:latin typeface="Times New Roman"/>
                 <a:cs typeface="Times New Roman"/>
               </a:rPr>
               <a:t>:</a:t>
             </a:r>
-            <a:endParaRPr lang="en-US" dirty="0"/>
+            <a:endParaRPr lang="en-US"/>
           </a:p>
           <a:p>
             <a:pPr>
               <a:buNone/>
             </a:pPr>
             <a:r>
-              <a:rPr lang="en-US" dirty="0">
+              <a:rPr lang="en-US">
                 <a:latin typeface="Times New Roman"/>
                 <a:cs typeface="Times New Roman"/>
               </a:rPr>
               <a:t>Thrift </a:t>
             </a:r>
             <a:r>
-              <a:rPr lang="en-US" dirty="0" err="1">
+              <a:rPr lang="en-US" err="1">
                 <a:latin typeface="Times New Roman"/>
                 <a:cs typeface="Times New Roman"/>
               </a:rPr>
               <a:t>được</a:t>
             </a:r>
             <a:r>
-              <a:rPr lang="en-US" dirty="0">
-                <a:latin typeface="Times New Roman"/>
-                <a:cs typeface="Times New Roman"/>
-              </a:rPr>
-              <a:t> </a:t>
-            </a:r>
-            <a:r>
-              <a:rPr lang="en-US" dirty="0" err="1">
+              <a:rPr lang="en-US">
+                <a:latin typeface="Times New Roman"/>
+                <a:cs typeface="Times New Roman"/>
+              </a:rPr>
+              <a:t> </a:t>
+            </a:r>
+            <a:r>
+              <a:rPr lang="en-US" err="1">
                 <a:latin typeface="Times New Roman"/>
                 <a:cs typeface="Times New Roman"/>
               </a:rPr>
               <a:t>hỗ</a:t>
             </a:r>
             <a:r>
-              <a:rPr lang="en-US" dirty="0">
-                <a:latin typeface="Times New Roman"/>
-                <a:cs typeface="Times New Roman"/>
-              </a:rPr>
-              <a:t> </a:t>
-            </a:r>
-            <a:r>
-              <a:rPr lang="en-US" dirty="0" err="1">
+              <a:rPr lang="en-US">
+                <a:latin typeface="Times New Roman"/>
+                <a:cs typeface="Times New Roman"/>
+              </a:rPr>
+              <a:t> </a:t>
+            </a:r>
+            <a:r>
+              <a:rPr lang="en-US" err="1">
                 <a:latin typeface="Times New Roman"/>
                 <a:cs typeface="Times New Roman"/>
               </a:rPr>
               <a:t>trợ</a:t>
             </a:r>
             <a:r>
-              <a:rPr lang="en-US" dirty="0">
+              <a:rPr lang="en-US">
                 <a:latin typeface="Times New Roman"/>
                 <a:cs typeface="Times New Roman"/>
               </a:rPr>
               <a:t> code client </a:t>
             </a:r>
             <a:r>
-              <a:rPr lang="en-US" dirty="0" err="1">
+              <a:rPr lang="en-US" err="1">
                 <a:latin typeface="Times New Roman"/>
                 <a:cs typeface="Times New Roman"/>
               </a:rPr>
               <a:t>và</a:t>
             </a:r>
             <a:r>
-              <a:rPr lang="en-US" dirty="0">
+              <a:rPr lang="en-US">
                 <a:latin typeface="Times New Roman"/>
                 <a:cs typeface="Times New Roman"/>
               </a:rPr>
               <a:t> server </a:t>
             </a:r>
             <a:r>
-              <a:rPr lang="en-US" dirty="0" err="1">
+              <a:rPr lang="en-US" err="1">
                 <a:latin typeface="Times New Roman"/>
                 <a:cs typeface="Times New Roman"/>
               </a:rPr>
               <a:t>từ</a:t>
             </a:r>
             <a:r>
-              <a:rPr lang="en-US" dirty="0">
+              <a:rPr lang="en-US">
                 <a:latin typeface="Times New Roman"/>
                 <a:cs typeface="Times New Roman"/>
               </a:rPr>
               <a:t> code </a:t>
             </a:r>
             <a:r>
-              <a:rPr lang="en-US" dirty="0" err="1">
+              <a:rPr lang="en-US" err="1">
                 <a:latin typeface="Times New Roman"/>
                 <a:cs typeface="Times New Roman"/>
               </a:rPr>
               <a:t>trung</a:t>
             </a:r>
             <a:r>
-              <a:rPr lang="en-US" dirty="0">
-                <a:latin typeface="Times New Roman"/>
-                <a:cs typeface="Times New Roman"/>
-              </a:rPr>
-              <a:t> </a:t>
-            </a:r>
-            <a:r>
-              <a:rPr lang="en-US" dirty="0" err="1">
+              <a:rPr lang="en-US">
+                <a:latin typeface="Times New Roman"/>
+                <a:cs typeface="Times New Roman"/>
+              </a:rPr>
+              <a:t> </a:t>
+            </a:r>
+            <a:r>
+              <a:rPr lang="en-US" err="1">
                 <a:latin typeface="Times New Roman"/>
                 <a:cs typeface="Times New Roman"/>
               </a:rPr>
               <a:t>gian</a:t>
             </a:r>
             <a:r>
-              <a:rPr lang="en-US" dirty="0">
+              <a:rPr lang="en-US">
                 <a:latin typeface="Times New Roman"/>
                 <a:cs typeface="Times New Roman"/>
               </a:rPr>
               <a:t> ( file .thrift) </a:t>
             </a:r>
             <a:r>
-              <a:rPr lang="en-US" dirty="0" err="1">
+              <a:rPr lang="en-US" err="1">
                 <a:latin typeface="Times New Roman"/>
                 <a:cs typeface="Times New Roman"/>
               </a:rPr>
               <a:t>tự</a:t>
             </a:r>
             <a:r>
-              <a:rPr lang="en-US" dirty="0">
-                <a:latin typeface="Times New Roman"/>
-                <a:cs typeface="Times New Roman"/>
-              </a:rPr>
-              <a:t> </a:t>
-            </a:r>
-            <a:r>
-              <a:rPr lang="en-US" dirty="0" err="1">
+              <a:rPr lang="en-US">
+                <a:latin typeface="Times New Roman"/>
+                <a:cs typeface="Times New Roman"/>
+              </a:rPr>
+              <a:t> </a:t>
+            </a:r>
+            <a:r>
+              <a:rPr lang="en-US" err="1">
                 <a:latin typeface="Times New Roman"/>
                 <a:cs typeface="Times New Roman"/>
               </a:rPr>
               <a:t>động</a:t>
             </a:r>
             <a:r>
-              <a:rPr lang="en-US" dirty="0">
-                <a:latin typeface="Times New Roman"/>
-                <a:cs typeface="Times New Roman"/>
-              </a:rPr>
-              <a:t> </a:t>
-            </a:r>
-            <a:r>
-              <a:rPr lang="en-US" dirty="0" err="1">
+              <a:rPr lang="en-US">
+                <a:latin typeface="Times New Roman"/>
+                <a:cs typeface="Times New Roman"/>
+              </a:rPr>
+              <a:t> </a:t>
+            </a:r>
+            <a:r>
+              <a:rPr lang="en-US" err="1">
                 <a:latin typeface="Times New Roman"/>
                 <a:cs typeface="Times New Roman"/>
               </a:rPr>
               <a:t>nên</a:t>
             </a:r>
             <a:r>
-              <a:rPr lang="en-US" dirty="0">
+              <a:rPr lang="en-US">
                 <a:latin typeface="Times New Roman"/>
                 <a:cs typeface="Times New Roman"/>
               </a:rPr>
               <a:t> ta </a:t>
             </a:r>
             <a:r>
-              <a:rPr lang="en-US" dirty="0" err="1">
+              <a:rPr lang="en-US" err="1">
                 <a:latin typeface="Times New Roman"/>
                 <a:cs typeface="Times New Roman"/>
               </a:rPr>
               <a:t>chỉ</a:t>
             </a:r>
             <a:r>
-              <a:rPr lang="en-US" dirty="0">
-                <a:latin typeface="Times New Roman"/>
-                <a:cs typeface="Times New Roman"/>
-              </a:rPr>
-              <a:t> </a:t>
-            </a:r>
-            <a:r>
-              <a:rPr lang="en-US" dirty="0" err="1">
+              <a:rPr lang="en-US">
+                <a:latin typeface="Times New Roman"/>
+                <a:cs typeface="Times New Roman"/>
+              </a:rPr>
+              <a:t> </a:t>
+            </a:r>
+            <a:r>
+              <a:rPr lang="en-US" err="1">
                 <a:latin typeface="Times New Roman"/>
                 <a:cs typeface="Times New Roman"/>
               </a:rPr>
               <a:t>cần</a:t>
             </a:r>
             <a:r>
-              <a:rPr lang="en-US" dirty="0">
-                <a:latin typeface="Times New Roman"/>
-                <a:cs typeface="Times New Roman"/>
-              </a:rPr>
-              <a:t> </a:t>
-            </a:r>
-            <a:r>
-              <a:rPr lang="en-US" dirty="0" err="1">
+              <a:rPr lang="en-US">
+                <a:latin typeface="Times New Roman"/>
+                <a:cs typeface="Times New Roman"/>
+              </a:rPr>
+              <a:t> </a:t>
+            </a:r>
+            <a:r>
+              <a:rPr lang="en-US" err="1">
                 <a:latin typeface="Times New Roman"/>
                 <a:cs typeface="Times New Roman"/>
               </a:rPr>
               <a:t>dựa</a:t>
             </a:r>
             <a:r>
-              <a:rPr lang="en-US" dirty="0">
-                <a:latin typeface="Times New Roman"/>
-                <a:cs typeface="Times New Roman"/>
-              </a:rPr>
-              <a:t> </a:t>
-            </a:r>
-            <a:r>
-              <a:rPr lang="en-US" dirty="0" err="1">
+              <a:rPr lang="en-US">
+                <a:latin typeface="Times New Roman"/>
+                <a:cs typeface="Times New Roman"/>
+              </a:rPr>
+              <a:t> </a:t>
+            </a:r>
+            <a:r>
+              <a:rPr lang="en-US" err="1">
                 <a:latin typeface="Times New Roman"/>
                 <a:cs typeface="Times New Roman"/>
               </a:rPr>
               <a:t>vào</a:t>
             </a:r>
             <a:r>
-              <a:rPr lang="en-US" dirty="0">
-                <a:latin typeface="Times New Roman"/>
-                <a:cs typeface="Times New Roman"/>
-              </a:rPr>
-              <a:t> </a:t>
-            </a:r>
-            <a:r>
-              <a:rPr lang="en-US" dirty="0" err="1">
+              <a:rPr lang="en-US">
+                <a:latin typeface="Times New Roman"/>
+                <a:cs typeface="Times New Roman"/>
+              </a:rPr>
+              <a:t> </a:t>
+            </a:r>
+            <a:r>
+              <a:rPr lang="en-US" err="1">
                 <a:latin typeface="Times New Roman"/>
                 <a:cs typeface="Times New Roman"/>
               </a:rPr>
               <a:t>chúng</a:t>
             </a:r>
             <a:r>
-              <a:rPr lang="en-US" dirty="0">
-                <a:latin typeface="Times New Roman"/>
-                <a:cs typeface="Times New Roman"/>
-              </a:rPr>
-              <a:t> </a:t>
-            </a:r>
-            <a:r>
-              <a:rPr lang="en-US" dirty="0" err="1">
+              <a:rPr lang="en-US">
+                <a:latin typeface="Times New Roman"/>
+                <a:cs typeface="Times New Roman"/>
+              </a:rPr>
+              <a:t> </a:t>
+            </a:r>
+            <a:r>
+              <a:rPr lang="en-US" err="1">
                 <a:latin typeface="Times New Roman"/>
                 <a:cs typeface="Times New Roman"/>
               </a:rPr>
               <a:t>mà</a:t>
             </a:r>
             <a:r>
-              <a:rPr lang="en-US" dirty="0">
-                <a:latin typeface="Times New Roman"/>
-                <a:cs typeface="Times New Roman"/>
-              </a:rPr>
-              <a:t> </a:t>
-            </a:r>
-            <a:r>
-              <a:rPr lang="en-US" dirty="0" err="1">
+              <a:rPr lang="en-US">
+                <a:latin typeface="Times New Roman"/>
+                <a:cs typeface="Times New Roman"/>
+              </a:rPr>
+              <a:t> </a:t>
+            </a:r>
+            <a:r>
+              <a:rPr lang="en-US" err="1">
                 <a:latin typeface="Times New Roman"/>
                 <a:cs typeface="Times New Roman"/>
               </a:rPr>
               <a:t>xây</a:t>
             </a:r>
             <a:r>
-              <a:rPr lang="en-US" dirty="0">
-                <a:latin typeface="Times New Roman"/>
-                <a:cs typeface="Times New Roman"/>
-              </a:rPr>
-              <a:t> </a:t>
-            </a:r>
-            <a:r>
-              <a:rPr lang="en-US" dirty="0" err="1">
+              <a:rPr lang="en-US">
+                <a:latin typeface="Times New Roman"/>
+                <a:cs typeface="Times New Roman"/>
+              </a:rPr>
+              <a:t> </a:t>
+            </a:r>
+            <a:r>
+              <a:rPr lang="en-US" err="1">
                 <a:latin typeface="Times New Roman"/>
                 <a:cs typeface="Times New Roman"/>
               </a:rPr>
               <a:t>dựng</a:t>
             </a:r>
             <a:r>
-              <a:rPr lang="en-US" dirty="0">
-                <a:latin typeface="Times New Roman"/>
-                <a:cs typeface="Times New Roman"/>
-              </a:rPr>
-              <a:t> </a:t>
-            </a:r>
-            <a:r>
-              <a:rPr lang="en-US" dirty="0" err="1">
+              <a:rPr lang="en-US">
+                <a:latin typeface="Times New Roman"/>
+                <a:cs typeface="Times New Roman"/>
+              </a:rPr>
+              <a:t> </a:t>
+            </a:r>
+            <a:r>
+              <a:rPr lang="en-US" err="1">
                 <a:latin typeface="Times New Roman"/>
                 <a:cs typeface="Times New Roman"/>
               </a:rPr>
               <a:t>nên</a:t>
             </a:r>
             <a:r>
-              <a:rPr lang="en-US" dirty="0">
+              <a:rPr lang="en-US">
                 <a:latin typeface="Times New Roman"/>
                 <a:cs typeface="Times New Roman"/>
               </a:rPr>
               <a:t> client </a:t>
             </a:r>
             <a:r>
-              <a:rPr lang="en-US" dirty="0" err="1">
+              <a:rPr lang="en-US" err="1">
                 <a:latin typeface="Times New Roman"/>
                 <a:cs typeface="Times New Roman"/>
               </a:rPr>
               <a:t>và</a:t>
             </a:r>
             <a:r>
-              <a:rPr lang="en-US" dirty="0">
+              <a:rPr lang="en-US">
                 <a:latin typeface="Times New Roman"/>
                 <a:cs typeface="Times New Roman"/>
               </a:rPr>
               <a:t> server </a:t>
             </a:r>
             <a:r>
-              <a:rPr lang="en-US" dirty="0" err="1">
+              <a:rPr lang="en-US" err="1">
                 <a:latin typeface="Times New Roman"/>
                 <a:cs typeface="Times New Roman"/>
               </a:rPr>
               <a:t>thích</a:t>
             </a:r>
             <a:r>
-              <a:rPr lang="en-US" dirty="0">
-                <a:latin typeface="Times New Roman"/>
-                <a:cs typeface="Times New Roman"/>
-              </a:rPr>
-              <a:t> </a:t>
-            </a:r>
-            <a:r>
-              <a:rPr lang="en-US" dirty="0" err="1">
+              <a:rPr lang="en-US">
+                <a:latin typeface="Times New Roman"/>
+                <a:cs typeface="Times New Roman"/>
+              </a:rPr>
+              <a:t> </a:t>
+            </a:r>
+            <a:r>
+              <a:rPr lang="en-US" err="1">
                 <a:latin typeface="Times New Roman"/>
                 <a:cs typeface="Times New Roman"/>
               </a:rPr>
               <a:t>hợp</a:t>
             </a:r>
             <a:r>
-              <a:rPr lang="en-US" dirty="0">
+              <a:rPr lang="en-US">
                 <a:latin typeface="Times New Roman"/>
                 <a:cs typeface="Times New Roman"/>
               </a:rPr>
               <a:t>, </a:t>
             </a:r>
             <a:r>
-              <a:rPr lang="en-US" dirty="0" err="1">
+              <a:rPr lang="en-US" err="1">
                 <a:latin typeface="Times New Roman"/>
                 <a:cs typeface="Times New Roman"/>
               </a:rPr>
               <a:t>còn</a:t>
             </a:r>
             <a:r>
-              <a:rPr lang="en-US" dirty="0">
+              <a:rPr lang="en-US">
                 <a:latin typeface="Times New Roman"/>
                 <a:cs typeface="Times New Roman"/>
               </a:rPr>
               <a:t> HTTP </a:t>
             </a:r>
             <a:r>
-              <a:rPr lang="en-US" dirty="0" err="1">
+              <a:rPr lang="en-US" err="1">
                 <a:latin typeface="Times New Roman"/>
                 <a:cs typeface="Times New Roman"/>
               </a:rPr>
               <a:t>thì</a:t>
             </a:r>
             <a:r>
-              <a:rPr lang="en-US" dirty="0">
-                <a:latin typeface="Times New Roman"/>
-                <a:cs typeface="Times New Roman"/>
-              </a:rPr>
-              <a:t> </a:t>
-            </a:r>
-            <a:r>
-              <a:rPr lang="en-US" dirty="0" err="1">
+              <a:rPr lang="en-US">
+                <a:latin typeface="Times New Roman"/>
+                <a:cs typeface="Times New Roman"/>
+              </a:rPr>
+              <a:t> </a:t>
+            </a:r>
+            <a:r>
+              <a:rPr lang="en-US" err="1">
                 <a:latin typeface="Times New Roman"/>
                 <a:cs typeface="Times New Roman"/>
               </a:rPr>
               <a:t>không</a:t>
             </a:r>
             <a:r>
-              <a:rPr lang="en-US" dirty="0">
-                <a:latin typeface="Times New Roman"/>
-                <a:cs typeface="Times New Roman"/>
-              </a:rPr>
-              <a:t> </a:t>
-            </a:r>
-            <a:r>
-              <a:rPr lang="en-US" dirty="0" err="1">
+              <a:rPr lang="en-US">
+                <a:latin typeface="Times New Roman"/>
+                <a:cs typeface="Times New Roman"/>
+              </a:rPr>
+              <a:t> </a:t>
+            </a:r>
+            <a:r>
+              <a:rPr lang="en-US" err="1">
                 <a:latin typeface="Times New Roman"/>
                 <a:cs typeface="Times New Roman"/>
               </a:rPr>
               <a:t>có</a:t>
             </a:r>
             <a:r>
-              <a:rPr lang="en-US" dirty="0">
+              <a:rPr lang="en-US">
                 <a:latin typeface="Times New Roman"/>
                 <a:cs typeface="Times New Roman"/>
               </a:rPr>
               <a:t>.</a:t>
             </a:r>
-            <a:endParaRPr lang="en-US" dirty="0"/>
+            <a:endParaRPr lang="en-US"/>
           </a:p>
           <a:p>
             <a:pPr>
               <a:buNone/>
             </a:pPr>
             <a:r>
-              <a:rPr lang="en-US" dirty="0">
+              <a:rPr lang="en-US">
                 <a:latin typeface="Times New Roman"/>
                 <a:cs typeface="Times New Roman"/>
               </a:rPr>
               <a:t>Thrift </a:t>
             </a:r>
             <a:r>
-              <a:rPr lang="en-US" dirty="0" err="1">
+              <a:rPr lang="en-US" err="1">
                 <a:latin typeface="Times New Roman"/>
                 <a:cs typeface="Times New Roman"/>
               </a:rPr>
               <a:t>hỗ</a:t>
             </a:r>
             <a:r>
-              <a:rPr lang="en-US" dirty="0">
-                <a:latin typeface="Times New Roman"/>
-                <a:cs typeface="Times New Roman"/>
-              </a:rPr>
-              <a:t> </a:t>
-            </a:r>
-            <a:r>
-              <a:rPr lang="en-US" dirty="0" err="1">
+              <a:rPr lang="en-US">
+                <a:latin typeface="Times New Roman"/>
+                <a:cs typeface="Times New Roman"/>
+              </a:rPr>
+              <a:t> </a:t>
+            </a:r>
+            <a:r>
+              <a:rPr lang="en-US" err="1">
                 <a:latin typeface="Times New Roman"/>
                 <a:cs typeface="Times New Roman"/>
               </a:rPr>
               <a:t>trợ</a:t>
             </a:r>
             <a:r>
-              <a:rPr lang="en-US" dirty="0">
-                <a:latin typeface="Times New Roman"/>
-                <a:cs typeface="Times New Roman"/>
-              </a:rPr>
-              <a:t> </a:t>
-            </a:r>
-            <a:r>
-              <a:rPr lang="en-US" dirty="0" err="1">
+              <a:rPr lang="en-US">
+                <a:latin typeface="Times New Roman"/>
+                <a:cs typeface="Times New Roman"/>
+              </a:rPr>
+              <a:t> </a:t>
+            </a:r>
+            <a:r>
+              <a:rPr lang="en-US" err="1">
                 <a:latin typeface="Times New Roman"/>
                 <a:cs typeface="Times New Roman"/>
               </a:rPr>
               <a:t>các</a:t>
             </a:r>
             <a:r>
-              <a:rPr lang="en-US" dirty="0">
-                <a:latin typeface="Times New Roman"/>
-                <a:cs typeface="Times New Roman"/>
-              </a:rPr>
-              <a:t> </a:t>
-            </a:r>
-            <a:r>
-              <a:rPr lang="en-US" dirty="0" err="1">
+              <a:rPr lang="en-US">
+                <a:latin typeface="Times New Roman"/>
+                <a:cs typeface="Times New Roman"/>
+              </a:rPr>
+              <a:t> </a:t>
+            </a:r>
+            <a:r>
+              <a:rPr lang="en-US" err="1">
                 <a:latin typeface="Times New Roman"/>
                 <a:cs typeface="Times New Roman"/>
               </a:rPr>
               <a:t>phần</a:t>
             </a:r>
             <a:r>
-              <a:rPr lang="en-US" dirty="0">
-                <a:latin typeface="Times New Roman"/>
-                <a:cs typeface="Times New Roman"/>
-              </a:rPr>
-              <a:t> </a:t>
-            </a:r>
-            <a:r>
-              <a:rPr lang="en-US" dirty="0" err="1">
+              <a:rPr lang="en-US">
+                <a:latin typeface="Times New Roman"/>
+                <a:cs typeface="Times New Roman"/>
+              </a:rPr>
+              <a:t> </a:t>
+            </a:r>
+            <a:r>
+              <a:rPr lang="en-US" err="1">
                 <a:latin typeface="Times New Roman"/>
                 <a:cs typeface="Times New Roman"/>
               </a:rPr>
               <a:t>quản</a:t>
             </a:r>
             <a:r>
-              <a:rPr lang="en-US" dirty="0">
-                <a:latin typeface="Times New Roman"/>
-                <a:cs typeface="Times New Roman"/>
-              </a:rPr>
-              <a:t> </a:t>
-            </a:r>
-            <a:r>
-              <a:rPr lang="en-US" dirty="0" err="1">
+              <a:rPr lang="en-US">
+                <a:latin typeface="Times New Roman"/>
+                <a:cs typeface="Times New Roman"/>
+              </a:rPr>
+              <a:t> </a:t>
+            </a:r>
+            <a:r>
+              <a:rPr lang="en-US" err="1">
                 <a:latin typeface="Times New Roman"/>
                 <a:cs typeface="Times New Roman"/>
               </a:rPr>
               <a:t>lý</a:t>
             </a:r>
             <a:r>
-              <a:rPr lang="en-US" dirty="0">
-                <a:latin typeface="Times New Roman"/>
-                <a:cs typeface="Times New Roman"/>
-              </a:rPr>
-              <a:t> </a:t>
-            </a:r>
-            <a:r>
-              <a:rPr lang="en-US" dirty="0" err="1">
+              <a:rPr lang="en-US">
+                <a:latin typeface="Times New Roman"/>
+                <a:cs typeface="Times New Roman"/>
+              </a:rPr>
+              <a:t> </a:t>
+            </a:r>
+            <a:r>
+              <a:rPr lang="en-US" err="1">
                 <a:latin typeface="Times New Roman"/>
                 <a:cs typeface="Times New Roman"/>
               </a:rPr>
               <a:t>một</a:t>
             </a:r>
             <a:r>
-              <a:rPr lang="en-US" dirty="0">
-                <a:latin typeface="Times New Roman"/>
-                <a:cs typeface="Times New Roman"/>
-              </a:rPr>
-              <a:t> </a:t>
-            </a:r>
-            <a:r>
-              <a:rPr lang="en-US" dirty="0" err="1">
+              <a:rPr lang="en-US">
+                <a:latin typeface="Times New Roman"/>
+                <a:cs typeface="Times New Roman"/>
+              </a:rPr>
+              <a:t> </a:t>
+            </a:r>
+            <a:r>
+              <a:rPr lang="en-US" err="1">
                 <a:latin typeface="Times New Roman"/>
                 <a:cs typeface="Times New Roman"/>
               </a:rPr>
               <a:t>cách</a:t>
             </a:r>
             <a:r>
-              <a:rPr lang="en-US" dirty="0">
-                <a:latin typeface="Times New Roman"/>
-                <a:cs typeface="Times New Roman"/>
-              </a:rPr>
-              <a:t> </a:t>
-            </a:r>
-            <a:r>
-              <a:rPr lang="en-US" dirty="0" err="1">
+              <a:rPr lang="en-US">
+                <a:latin typeface="Times New Roman"/>
+                <a:cs typeface="Times New Roman"/>
+              </a:rPr>
+              <a:t> </a:t>
+            </a:r>
+            <a:r>
+              <a:rPr lang="en-US" err="1">
                 <a:latin typeface="Times New Roman"/>
                 <a:cs typeface="Times New Roman"/>
               </a:rPr>
               <a:t>đa</a:t>
             </a:r>
             <a:r>
-              <a:rPr lang="en-US" dirty="0">
-                <a:latin typeface="Times New Roman"/>
-                <a:cs typeface="Times New Roman"/>
-              </a:rPr>
-              <a:t> </a:t>
-            </a:r>
-            <a:r>
-              <a:rPr lang="en-US" dirty="0" err="1">
+              <a:rPr lang="en-US">
+                <a:latin typeface="Times New Roman"/>
+                <a:cs typeface="Times New Roman"/>
+              </a:rPr>
+              <a:t> </a:t>
+            </a:r>
+            <a:r>
+              <a:rPr lang="en-US" err="1">
                 <a:latin typeface="Times New Roman"/>
                 <a:cs typeface="Times New Roman"/>
               </a:rPr>
               <a:t>dạng</a:t>
             </a:r>
             <a:r>
-              <a:rPr lang="en-US" dirty="0">
+              <a:rPr lang="en-US">
                 <a:latin typeface="Times New Roman"/>
                 <a:cs typeface="Times New Roman"/>
               </a:rPr>
               <a:t> ( nonblocking IO, connection pool, …) </a:t>
             </a:r>
             <a:r>
-              <a:rPr lang="en-US" dirty="0" err="1">
+              <a:rPr lang="en-US" err="1">
                 <a:latin typeface="Times New Roman"/>
                 <a:cs typeface="Times New Roman"/>
               </a:rPr>
               <a:t>còn</a:t>
             </a:r>
             <a:r>
-              <a:rPr lang="en-US" dirty="0">
+              <a:rPr lang="en-US">
                 <a:latin typeface="Times New Roman"/>
                 <a:cs typeface="Times New Roman"/>
               </a:rPr>
               <a:t> HTTP </a:t>
             </a:r>
             <a:r>
-              <a:rPr lang="en-US" dirty="0" err="1">
+              <a:rPr lang="en-US" err="1">
                 <a:latin typeface="Times New Roman"/>
                 <a:cs typeface="Times New Roman"/>
               </a:rPr>
               <a:t>thì</a:t>
             </a:r>
             <a:r>
-              <a:rPr lang="en-US" dirty="0">
-                <a:latin typeface="Times New Roman"/>
-                <a:cs typeface="Times New Roman"/>
-              </a:rPr>
-              <a:t> </a:t>
-            </a:r>
-            <a:r>
-              <a:rPr lang="en-US" dirty="0" err="1">
+              <a:rPr lang="en-US">
+                <a:latin typeface="Times New Roman"/>
+                <a:cs typeface="Times New Roman"/>
+              </a:rPr>
+              <a:t> </a:t>
+            </a:r>
+            <a:r>
+              <a:rPr lang="en-US" err="1">
                 <a:latin typeface="Times New Roman"/>
                 <a:cs typeface="Times New Roman"/>
               </a:rPr>
               <a:t>phải</a:t>
             </a:r>
             <a:r>
-              <a:rPr lang="en-US" dirty="0">
-                <a:latin typeface="Times New Roman"/>
-                <a:cs typeface="Times New Roman"/>
-              </a:rPr>
-              <a:t> </a:t>
-            </a:r>
-            <a:r>
-              <a:rPr lang="en-US" dirty="0" err="1">
+              <a:rPr lang="en-US">
+                <a:latin typeface="Times New Roman"/>
+                <a:cs typeface="Times New Roman"/>
+              </a:rPr>
+              <a:t> </a:t>
+            </a:r>
+            <a:r>
+              <a:rPr lang="en-US" err="1">
                 <a:latin typeface="Times New Roman"/>
                 <a:cs typeface="Times New Roman"/>
               </a:rPr>
               <a:t>tự</a:t>
             </a:r>
             <a:r>
-              <a:rPr lang="en-US" dirty="0">
-                <a:latin typeface="Times New Roman"/>
-                <a:cs typeface="Times New Roman"/>
-              </a:rPr>
-              <a:t> </a:t>
-            </a:r>
-            <a:r>
-              <a:rPr lang="en-US" dirty="0" err="1">
+              <a:rPr lang="en-US">
+                <a:latin typeface="Times New Roman"/>
+                <a:cs typeface="Times New Roman"/>
+              </a:rPr>
+              <a:t> </a:t>
+            </a:r>
+            <a:r>
+              <a:rPr lang="en-US" err="1">
                 <a:latin typeface="Times New Roman"/>
                 <a:cs typeface="Times New Roman"/>
               </a:rPr>
               <a:t>cài</a:t>
             </a:r>
             <a:r>
-              <a:rPr lang="en-US" dirty="0">
-                <a:latin typeface="Times New Roman"/>
-                <a:cs typeface="Times New Roman"/>
-              </a:rPr>
-              <a:t> </a:t>
-            </a:r>
-            <a:r>
-              <a:rPr lang="en-US" dirty="0" err="1">
+              <a:rPr lang="en-US">
+                <a:latin typeface="Times New Roman"/>
+                <a:cs typeface="Times New Roman"/>
+              </a:rPr>
+              <a:t> </a:t>
+            </a:r>
+            <a:r>
+              <a:rPr lang="en-US" err="1">
                 <a:latin typeface="Times New Roman"/>
                 <a:cs typeface="Times New Roman"/>
               </a:rPr>
               <a:t>đặt</a:t>
             </a:r>
             <a:r>
-              <a:rPr lang="en-US" dirty="0">
+              <a:rPr lang="en-US">
                 <a:latin typeface="Times New Roman"/>
                 <a:cs typeface="Times New Roman"/>
               </a:rPr>
               <a:t>.</a:t>
             </a:r>
-            <a:endParaRPr lang="en-US" dirty="0"/>
+            <a:endParaRPr lang="en-US"/>
           </a:p>
           <a:p>
             <a:pPr>
               <a:buNone/>
             </a:pPr>
             <a:r>
-              <a:rPr lang="en-US" dirty="0">
+              <a:rPr lang="en-US">
                 <a:latin typeface="Times New Roman"/>
                 <a:cs typeface="Times New Roman"/>
               </a:rPr>
               <a:t>Thrift </a:t>
             </a:r>
             <a:r>
-              <a:rPr lang="en-US" dirty="0" err="1">
+              <a:rPr lang="en-US" err="1">
                 <a:latin typeface="Times New Roman"/>
                 <a:cs typeface="Times New Roman"/>
               </a:rPr>
               <a:t>có</a:t>
             </a:r>
             <a:r>
-              <a:rPr lang="en-US" dirty="0">
-                <a:latin typeface="Times New Roman"/>
-                <a:cs typeface="Times New Roman"/>
-              </a:rPr>
-              <a:t> </a:t>
-            </a:r>
-            <a:r>
-              <a:rPr lang="en-US" dirty="0" err="1">
+              <a:rPr lang="en-US">
+                <a:latin typeface="Times New Roman"/>
+                <a:cs typeface="Times New Roman"/>
+              </a:rPr>
+              <a:t> </a:t>
+            </a:r>
+            <a:r>
+              <a:rPr lang="en-US" err="1">
                 <a:latin typeface="Times New Roman"/>
                 <a:cs typeface="Times New Roman"/>
               </a:rPr>
               <a:t>thể</a:t>
             </a:r>
             <a:r>
-              <a:rPr lang="en-US" dirty="0">
-                <a:latin typeface="Times New Roman"/>
-                <a:cs typeface="Times New Roman"/>
-              </a:rPr>
-              <a:t> </a:t>
-            </a:r>
-            <a:r>
-              <a:rPr lang="en-US" dirty="0" err="1">
+              <a:rPr lang="en-US">
+                <a:latin typeface="Times New Roman"/>
+                <a:cs typeface="Times New Roman"/>
+              </a:rPr>
+              <a:t> </a:t>
+            </a:r>
+            <a:r>
+              <a:rPr lang="en-US" err="1">
                 <a:latin typeface="Times New Roman"/>
                 <a:cs typeface="Times New Roman"/>
               </a:rPr>
               <a:t>lựa</a:t>
             </a:r>
             <a:r>
-              <a:rPr lang="en-US" dirty="0">
-                <a:latin typeface="Times New Roman"/>
-                <a:cs typeface="Times New Roman"/>
-              </a:rPr>
-              <a:t> </a:t>
-            </a:r>
-            <a:r>
-              <a:rPr lang="en-US" dirty="0" err="1">
+              <a:rPr lang="en-US">
+                <a:latin typeface="Times New Roman"/>
+                <a:cs typeface="Times New Roman"/>
+              </a:rPr>
+              <a:t> </a:t>
+            </a:r>
+            <a:r>
+              <a:rPr lang="en-US" err="1">
                 <a:latin typeface="Times New Roman"/>
                 <a:cs typeface="Times New Roman"/>
               </a:rPr>
               <a:t>chọn</a:t>
             </a:r>
             <a:r>
-              <a:rPr lang="en-US" dirty="0">
+              <a:rPr lang="en-US">
                 <a:latin typeface="Times New Roman"/>
                 <a:cs typeface="Times New Roman"/>
               </a:rPr>
               <a:t> protocol </a:t>
             </a:r>
             <a:r>
-              <a:rPr lang="en-US" dirty="0" err="1">
+              <a:rPr lang="en-US" err="1">
                 <a:latin typeface="Times New Roman"/>
                 <a:cs typeface="Times New Roman"/>
               </a:rPr>
               <a:t>phù</a:t>
             </a:r>
             <a:r>
-              <a:rPr lang="en-US" dirty="0">
-                <a:latin typeface="Times New Roman"/>
-                <a:cs typeface="Times New Roman"/>
-              </a:rPr>
-              <a:t> </a:t>
-            </a:r>
-            <a:r>
-              <a:rPr lang="en-US" dirty="0" err="1">
+              <a:rPr lang="en-US">
+                <a:latin typeface="Times New Roman"/>
+                <a:cs typeface="Times New Roman"/>
+              </a:rPr>
+              <a:t> </a:t>
+            </a:r>
+            <a:r>
+              <a:rPr lang="en-US" err="1">
                 <a:latin typeface="Times New Roman"/>
                 <a:cs typeface="Times New Roman"/>
               </a:rPr>
               <a:t>hợp</a:t>
             </a:r>
             <a:r>
-              <a:rPr lang="en-US" dirty="0">
-                <a:latin typeface="Times New Roman"/>
-                <a:cs typeface="Times New Roman"/>
-              </a:rPr>
-              <a:t> </a:t>
-            </a:r>
-            <a:r>
-              <a:rPr lang="en-US" dirty="0" err="1">
+              <a:rPr lang="en-US">
+                <a:latin typeface="Times New Roman"/>
+                <a:cs typeface="Times New Roman"/>
+              </a:rPr>
+              <a:t> </a:t>
+            </a:r>
+            <a:r>
+              <a:rPr lang="en-US" err="1">
                 <a:latin typeface="Times New Roman"/>
                 <a:cs typeface="Times New Roman"/>
               </a:rPr>
               <a:t>với</a:t>
             </a:r>
             <a:r>
-              <a:rPr lang="en-US" dirty="0">
-                <a:latin typeface="Times New Roman"/>
-                <a:cs typeface="Times New Roman"/>
-              </a:rPr>
-              <a:t> </a:t>
-            </a:r>
-            <a:r>
-              <a:rPr lang="en-US" dirty="0" err="1">
+              <a:rPr lang="en-US">
+                <a:latin typeface="Times New Roman"/>
+                <a:cs typeface="Times New Roman"/>
+              </a:rPr>
+              <a:t> </a:t>
+            </a:r>
+            <a:r>
+              <a:rPr lang="en-US" err="1">
                 <a:latin typeface="Times New Roman"/>
                 <a:cs typeface="Times New Roman"/>
               </a:rPr>
               <a:t>mục</a:t>
             </a:r>
             <a:r>
-              <a:rPr lang="en-US" dirty="0">
-                <a:latin typeface="Times New Roman"/>
-                <a:cs typeface="Times New Roman"/>
-              </a:rPr>
-              <a:t> </a:t>
-            </a:r>
-            <a:r>
-              <a:rPr lang="en-US" dirty="0" err="1">
+              <a:rPr lang="en-US">
+                <a:latin typeface="Times New Roman"/>
+                <a:cs typeface="Times New Roman"/>
+              </a:rPr>
+              <a:t> </a:t>
+            </a:r>
+            <a:r>
+              <a:rPr lang="en-US" err="1">
                 <a:latin typeface="Times New Roman"/>
                 <a:cs typeface="Times New Roman"/>
               </a:rPr>
               <a:t>đích</a:t>
             </a:r>
             <a:r>
-              <a:rPr lang="en-US" dirty="0">
-                <a:latin typeface="Times New Roman"/>
-                <a:cs typeface="Times New Roman"/>
-              </a:rPr>
-              <a:t> </a:t>
-            </a:r>
-            <a:r>
-              <a:rPr lang="en-US" dirty="0" err="1">
+              <a:rPr lang="en-US">
+                <a:latin typeface="Times New Roman"/>
+                <a:cs typeface="Times New Roman"/>
+              </a:rPr>
+              <a:t> </a:t>
+            </a:r>
+            <a:r>
+              <a:rPr lang="en-US" err="1">
                 <a:latin typeface="Times New Roman"/>
                 <a:cs typeface="Times New Roman"/>
               </a:rPr>
               <a:t>và</a:t>
             </a:r>
             <a:r>
-              <a:rPr lang="en-US" dirty="0">
-                <a:latin typeface="Times New Roman"/>
-                <a:cs typeface="Times New Roman"/>
-              </a:rPr>
-              <a:t> </a:t>
-            </a:r>
-            <a:r>
-              <a:rPr lang="en-US" dirty="0" err="1">
+              <a:rPr lang="en-US">
+                <a:latin typeface="Times New Roman"/>
+                <a:cs typeface="Times New Roman"/>
+              </a:rPr>
+              <a:t> </a:t>
+            </a:r>
+            <a:r>
+              <a:rPr lang="en-US" err="1">
                 <a:latin typeface="Times New Roman"/>
                 <a:cs typeface="Times New Roman"/>
               </a:rPr>
               <a:t>cấu</a:t>
             </a:r>
             <a:r>
-              <a:rPr lang="en-US" dirty="0">
-                <a:latin typeface="Times New Roman"/>
-                <a:cs typeface="Times New Roman"/>
-              </a:rPr>
-              <a:t> </a:t>
-            </a:r>
-            <a:r>
-              <a:rPr lang="en-US" dirty="0" err="1">
+              <a:rPr lang="en-US">
+                <a:latin typeface="Times New Roman"/>
+                <a:cs typeface="Times New Roman"/>
+              </a:rPr>
+              <a:t> </a:t>
+            </a:r>
+            <a:r>
+              <a:rPr lang="en-US" err="1">
                 <a:latin typeface="Times New Roman"/>
                 <a:cs typeface="Times New Roman"/>
               </a:rPr>
               <a:t>hình</a:t>
             </a:r>
             <a:r>
-              <a:rPr lang="en-US" dirty="0">
+              <a:rPr lang="en-US">
                 <a:latin typeface="Times New Roman"/>
                 <a:cs typeface="Times New Roman"/>
               </a:rPr>
               <a:t> (</a:t>
             </a:r>
             <a:r>
-              <a:rPr lang="en-US" dirty="0" err="1">
+              <a:rPr lang="en-US" err="1">
                 <a:latin typeface="Times New Roman"/>
                 <a:cs typeface="Times New Roman"/>
               </a:rPr>
               <a:t>thậm</a:t>
             </a:r>
             <a:r>
-              <a:rPr lang="en-US" dirty="0">
-                <a:latin typeface="Times New Roman"/>
-                <a:cs typeface="Times New Roman"/>
-              </a:rPr>
-              <a:t> </a:t>
-            </a:r>
-            <a:r>
-              <a:rPr lang="en-US" dirty="0" err="1">
+              <a:rPr lang="en-US">
+                <a:latin typeface="Times New Roman"/>
+                <a:cs typeface="Times New Roman"/>
+              </a:rPr>
+              <a:t> </a:t>
+            </a:r>
+            <a:r>
+              <a:rPr lang="en-US" err="1">
                 <a:latin typeface="Times New Roman"/>
                 <a:cs typeface="Times New Roman"/>
               </a:rPr>
               <a:t>chí</a:t>
             </a:r>
             <a:r>
-              <a:rPr lang="en-US" dirty="0">
-                <a:latin typeface="Times New Roman"/>
-                <a:cs typeface="Times New Roman"/>
-              </a:rPr>
-              <a:t> </a:t>
-            </a:r>
-            <a:r>
-              <a:rPr lang="en-US" dirty="0" err="1">
+              <a:rPr lang="en-US">
+                <a:latin typeface="Times New Roman"/>
+                <a:cs typeface="Times New Roman"/>
+              </a:rPr>
+              <a:t> </a:t>
+            </a:r>
+            <a:r>
+              <a:rPr lang="en-US" err="1">
                 <a:latin typeface="Times New Roman"/>
                 <a:cs typeface="Times New Roman"/>
               </a:rPr>
               <a:t>là</a:t>
             </a:r>
             <a:r>
-              <a:rPr lang="en-US" dirty="0">
+              <a:rPr lang="en-US">
                 <a:latin typeface="Times New Roman"/>
                 <a:cs typeface="Times New Roman"/>
               </a:rPr>
               <a:t> HTTP </a:t>
             </a:r>
             <a:r>
-              <a:rPr lang="en-US" dirty="0" err="1">
+              <a:rPr lang="en-US" err="1">
                 <a:latin typeface="Times New Roman"/>
                 <a:cs typeface="Times New Roman"/>
               </a:rPr>
               <a:t>nếu</a:t>
             </a:r>
             <a:r>
-              <a:rPr lang="en-US" dirty="0">
-                <a:latin typeface="Times New Roman"/>
-                <a:cs typeface="Times New Roman"/>
-              </a:rPr>
-              <a:t> </a:t>
-            </a:r>
-            <a:r>
-              <a:rPr lang="en-US" dirty="0" err="1">
+              <a:rPr lang="en-US">
+                <a:latin typeface="Times New Roman"/>
+                <a:cs typeface="Times New Roman"/>
+              </a:rPr>
+              <a:t> </a:t>
+            </a:r>
+            <a:r>
+              <a:rPr lang="en-US" err="1">
                 <a:latin typeface="Times New Roman"/>
                 <a:cs typeface="Times New Roman"/>
               </a:rPr>
               <a:t>người</a:t>
             </a:r>
             <a:r>
-              <a:rPr lang="en-US" dirty="0">
-                <a:latin typeface="Times New Roman"/>
-                <a:cs typeface="Times New Roman"/>
-              </a:rPr>
-              <a:t> </a:t>
-            </a:r>
-            <a:r>
-              <a:rPr lang="en-US" dirty="0" err="1">
+              <a:rPr lang="en-US">
+                <a:latin typeface="Times New Roman"/>
+                <a:cs typeface="Times New Roman"/>
+              </a:rPr>
+              <a:t> </a:t>
+            </a:r>
+            <a:r>
+              <a:rPr lang="en-US" err="1">
                 <a:latin typeface="Times New Roman"/>
                 <a:cs typeface="Times New Roman"/>
               </a:rPr>
               <a:t>phát</a:t>
             </a:r>
             <a:r>
-              <a:rPr lang="en-US" dirty="0">
-                <a:latin typeface="Times New Roman"/>
-                <a:cs typeface="Times New Roman"/>
-              </a:rPr>
-              <a:t> </a:t>
-            </a:r>
-            <a:r>
-              <a:rPr lang="en-US" dirty="0" err="1">
+              <a:rPr lang="en-US">
+                <a:latin typeface="Times New Roman"/>
+                <a:cs typeface="Times New Roman"/>
+              </a:rPr>
+              <a:t> </a:t>
+            </a:r>
+            <a:r>
+              <a:rPr lang="en-US" err="1">
                 <a:latin typeface="Times New Roman"/>
                 <a:cs typeface="Times New Roman"/>
               </a:rPr>
               <a:t>triển</a:t>
             </a:r>
             <a:r>
-              <a:rPr lang="en-US" dirty="0">
-                <a:latin typeface="Times New Roman"/>
-                <a:cs typeface="Times New Roman"/>
-              </a:rPr>
-              <a:t> </a:t>
-            </a:r>
-            <a:r>
-              <a:rPr lang="en-US" dirty="0" err="1">
+              <a:rPr lang="en-US">
+                <a:latin typeface="Times New Roman"/>
+                <a:cs typeface="Times New Roman"/>
+              </a:rPr>
+              <a:t> </a:t>
+            </a:r>
+            <a:r>
+              <a:rPr lang="en-US" err="1">
                 <a:latin typeface="Times New Roman"/>
                 <a:cs typeface="Times New Roman"/>
               </a:rPr>
               <a:t>muốn</a:t>
             </a:r>
             <a:r>
-              <a:rPr lang="en-US" dirty="0">
+              <a:rPr lang="en-US">
                 <a:latin typeface="Times New Roman"/>
                 <a:cs typeface="Times New Roman"/>
               </a:rPr>
               <a:t>)</a:t>
             </a:r>
-            <a:endParaRPr lang="en-US" dirty="0"/>
+            <a:endParaRPr lang="en-US"/>
           </a:p>
           <a:p>
             <a:pPr>
               <a:buNone/>
             </a:pPr>
-            <a:endParaRPr lang="en-US" dirty="0">
+            <a:endParaRPr lang="en-US">
               <a:latin typeface="Times New Roman"/>
               <a:cs typeface="Times New Roman"/>
             </a:endParaRPr>
@@ -7215,6 +7443,18 @@
   <p:clrMapOvr>
     <a:masterClrMapping/>
   </p:clrMapOvr>
+  <mc:AlternateContent xmlns:mc="http://schemas.openxmlformats.org/markup-compatibility/2006" xmlns:p14="http://schemas.microsoft.com/office/powerpoint/2010/main">
+    <mc:Choice Requires="p14">
+      <p:transition spd="med" p14:dur="700">
+        <p:fade/>
+      </p:transition>
+    </mc:Choice>
+    <mc:Fallback xmlns="">
+      <p:transition spd="med">
+        <p:fade/>
+      </p:transition>
+    </mc:Fallback>
+  </mc:AlternateContent>
 </p:sld>
 </file>
 
@@ -7262,7 +7502,7 @@
           <a:lstStyle/>
           <a:p>
             <a:r>
-              <a:rPr lang="en-US" dirty="0">
+              <a:rPr lang="en-US">
                 <a:latin typeface="Times New Roman"/>
                 <a:cs typeface="Times New Roman"/>
               </a:rPr>
@@ -7303,601 +7543,601 @@
               <a:buNone/>
             </a:pPr>
             <a:r>
-              <a:rPr lang="en-US" dirty="0" err="1">
+              <a:rPr lang="en-US" err="1">
                 <a:latin typeface="Times New Roman"/>
                 <a:cs typeface="Times New Roman"/>
               </a:rPr>
               <a:t>Một</a:t>
             </a:r>
             <a:r>
-              <a:rPr lang="en-US" dirty="0">
-                <a:latin typeface="Times New Roman"/>
-                <a:cs typeface="Times New Roman"/>
-              </a:rPr>
-              <a:t> </a:t>
-            </a:r>
-            <a:r>
-              <a:rPr lang="en-US" dirty="0" err="1">
+              <a:rPr lang="en-US">
+                <a:latin typeface="Times New Roman"/>
+                <a:cs typeface="Times New Roman"/>
+              </a:rPr>
+              <a:t> </a:t>
+            </a:r>
+            <a:r>
+              <a:rPr lang="en-US" err="1">
                 <a:latin typeface="Times New Roman"/>
                 <a:cs typeface="Times New Roman"/>
               </a:rPr>
               <a:t>hệ</a:t>
             </a:r>
             <a:r>
-              <a:rPr lang="en-US" dirty="0">
-                <a:latin typeface="Times New Roman"/>
-                <a:cs typeface="Times New Roman"/>
-              </a:rPr>
-              <a:t> </a:t>
-            </a:r>
-            <a:r>
-              <a:rPr lang="en-US" dirty="0" err="1">
+              <a:rPr lang="en-US">
+                <a:latin typeface="Times New Roman"/>
+                <a:cs typeface="Times New Roman"/>
+              </a:rPr>
+              <a:t> </a:t>
+            </a:r>
+            <a:r>
+              <a:rPr lang="en-US" err="1">
                 <a:latin typeface="Times New Roman"/>
                 <a:cs typeface="Times New Roman"/>
               </a:rPr>
               <a:t>thống</a:t>
             </a:r>
             <a:r>
-              <a:rPr lang="en-US" dirty="0">
-                <a:latin typeface="Times New Roman"/>
-                <a:cs typeface="Times New Roman"/>
-              </a:rPr>
-              <a:t> </a:t>
-            </a:r>
-            <a:r>
-              <a:rPr lang="en-US" dirty="0" err="1">
+              <a:rPr lang="en-US">
+                <a:latin typeface="Times New Roman"/>
+                <a:cs typeface="Times New Roman"/>
+              </a:rPr>
+              <a:t> </a:t>
+            </a:r>
+            <a:r>
+              <a:rPr lang="en-US" err="1">
                 <a:latin typeface="Times New Roman"/>
                 <a:cs typeface="Times New Roman"/>
               </a:rPr>
               <a:t>lớn</a:t>
             </a:r>
             <a:r>
-              <a:rPr lang="en-US" dirty="0">
-                <a:latin typeface="Times New Roman"/>
-                <a:cs typeface="Times New Roman"/>
-              </a:rPr>
-              <a:t> </a:t>
-            </a:r>
-            <a:r>
-              <a:rPr lang="en-US" dirty="0" err="1">
+              <a:rPr lang="en-US">
+                <a:latin typeface="Times New Roman"/>
+                <a:cs typeface="Times New Roman"/>
+              </a:rPr>
+              <a:t> </a:t>
+            </a:r>
+            <a:r>
+              <a:rPr lang="en-US" err="1">
                 <a:latin typeface="Times New Roman"/>
                 <a:cs typeface="Times New Roman"/>
               </a:rPr>
               <a:t>luôn</a:t>
             </a:r>
             <a:r>
-              <a:rPr lang="en-US" dirty="0">
-                <a:latin typeface="Times New Roman"/>
-                <a:cs typeface="Times New Roman"/>
-              </a:rPr>
-              <a:t> </a:t>
-            </a:r>
-            <a:r>
-              <a:rPr lang="en-US" dirty="0" err="1">
+              <a:rPr lang="en-US">
+                <a:latin typeface="Times New Roman"/>
+                <a:cs typeface="Times New Roman"/>
+              </a:rPr>
+              <a:t> </a:t>
+            </a:r>
+            <a:r>
+              <a:rPr lang="en-US" err="1">
                 <a:latin typeface="Times New Roman"/>
                 <a:cs typeface="Times New Roman"/>
               </a:rPr>
               <a:t>cần</a:t>
             </a:r>
             <a:r>
-              <a:rPr lang="en-US" dirty="0">
-                <a:latin typeface="Times New Roman"/>
-                <a:cs typeface="Times New Roman"/>
-              </a:rPr>
-              <a:t> </a:t>
-            </a:r>
-            <a:r>
-              <a:rPr lang="en-US" dirty="0" err="1">
+              <a:rPr lang="en-US">
+                <a:latin typeface="Times New Roman"/>
+                <a:cs typeface="Times New Roman"/>
+              </a:rPr>
+              <a:t> </a:t>
+            </a:r>
+            <a:r>
+              <a:rPr lang="en-US" err="1">
                 <a:latin typeface="Times New Roman"/>
                 <a:cs typeface="Times New Roman"/>
               </a:rPr>
               <a:t>tối</a:t>
             </a:r>
             <a:r>
-              <a:rPr lang="en-US" dirty="0">
-                <a:latin typeface="Times New Roman"/>
-                <a:cs typeface="Times New Roman"/>
-              </a:rPr>
-              <a:t> </a:t>
-            </a:r>
-            <a:r>
-              <a:rPr lang="en-US" dirty="0" err="1">
+              <a:rPr lang="en-US">
+                <a:latin typeface="Times New Roman"/>
+                <a:cs typeface="Times New Roman"/>
+              </a:rPr>
+              <a:t> </a:t>
+            </a:r>
+            <a:r>
+              <a:rPr lang="en-US" err="1">
                 <a:latin typeface="Times New Roman"/>
                 <a:cs typeface="Times New Roman"/>
               </a:rPr>
               <a:t>đa</a:t>
             </a:r>
             <a:r>
-              <a:rPr lang="en-US" dirty="0">
-                <a:latin typeface="Times New Roman"/>
-                <a:cs typeface="Times New Roman"/>
-              </a:rPr>
-              <a:t> </a:t>
-            </a:r>
-            <a:r>
-              <a:rPr lang="en-US" dirty="0" err="1">
+              <a:rPr lang="en-US">
+                <a:latin typeface="Times New Roman"/>
+                <a:cs typeface="Times New Roman"/>
+              </a:rPr>
+              <a:t> </a:t>
+            </a:r>
+            <a:r>
+              <a:rPr lang="en-US" err="1">
                 <a:latin typeface="Times New Roman"/>
                 <a:cs typeface="Times New Roman"/>
               </a:rPr>
               <a:t>hiệu</a:t>
             </a:r>
             <a:r>
-              <a:rPr lang="en-US" dirty="0">
-                <a:latin typeface="Times New Roman"/>
-                <a:cs typeface="Times New Roman"/>
-              </a:rPr>
-              <a:t> </a:t>
-            </a:r>
-            <a:r>
-              <a:rPr lang="en-US" dirty="0" err="1">
+              <a:rPr lang="en-US">
+                <a:latin typeface="Times New Roman"/>
+                <a:cs typeface="Times New Roman"/>
+              </a:rPr>
+              <a:t> </a:t>
+            </a:r>
+            <a:r>
+              <a:rPr lang="en-US" err="1">
                 <a:latin typeface="Times New Roman"/>
                 <a:cs typeface="Times New Roman"/>
               </a:rPr>
               <a:t>năng</a:t>
             </a:r>
             <a:r>
-              <a:rPr lang="en-US" dirty="0">
-                <a:latin typeface="Times New Roman"/>
-                <a:cs typeface="Times New Roman"/>
-              </a:rPr>
-              <a:t> </a:t>
-            </a:r>
-            <a:r>
-              <a:rPr lang="en-US" dirty="0" err="1">
+              <a:rPr lang="en-US">
+                <a:latin typeface="Times New Roman"/>
+                <a:cs typeface="Times New Roman"/>
+              </a:rPr>
+              <a:t> </a:t>
+            </a:r>
+            <a:r>
+              <a:rPr lang="en-US" err="1">
                 <a:latin typeface="Times New Roman"/>
                 <a:cs typeface="Times New Roman"/>
               </a:rPr>
               <a:t>bằng</a:t>
             </a:r>
             <a:r>
-              <a:rPr lang="en-US" dirty="0">
-                <a:latin typeface="Times New Roman"/>
-                <a:cs typeface="Times New Roman"/>
-              </a:rPr>
-              <a:t> </a:t>
-            </a:r>
-            <a:r>
-              <a:rPr lang="en-US" dirty="0" err="1">
+              <a:rPr lang="en-US">
+                <a:latin typeface="Times New Roman"/>
+                <a:cs typeface="Times New Roman"/>
+              </a:rPr>
+              <a:t> </a:t>
+            </a:r>
+            <a:r>
+              <a:rPr lang="en-US" err="1">
                 <a:latin typeface="Times New Roman"/>
                 <a:cs typeface="Times New Roman"/>
               </a:rPr>
               <a:t>việc</a:t>
             </a:r>
             <a:r>
-              <a:rPr lang="en-US" dirty="0">
-                <a:latin typeface="Times New Roman"/>
-                <a:cs typeface="Times New Roman"/>
-              </a:rPr>
-              <a:t> </a:t>
-            </a:r>
-            <a:r>
-              <a:rPr lang="en-US" dirty="0" err="1">
+              <a:rPr lang="en-US">
+                <a:latin typeface="Times New Roman"/>
+                <a:cs typeface="Times New Roman"/>
+              </a:rPr>
+              <a:t> </a:t>
+            </a:r>
+            <a:r>
+              <a:rPr lang="en-US" err="1">
                 <a:latin typeface="Times New Roman"/>
                 <a:cs typeface="Times New Roman"/>
               </a:rPr>
               <a:t>dùng</a:t>
             </a:r>
             <a:r>
-              <a:rPr lang="en-US" dirty="0">
-                <a:latin typeface="Times New Roman"/>
-                <a:cs typeface="Times New Roman"/>
-              </a:rPr>
-              <a:t> </a:t>
-            </a:r>
-            <a:r>
-              <a:rPr lang="en-US" dirty="0" err="1">
+              <a:rPr lang="en-US">
+                <a:latin typeface="Times New Roman"/>
+                <a:cs typeface="Times New Roman"/>
+              </a:rPr>
+              <a:t> </a:t>
+            </a:r>
+            <a:r>
+              <a:rPr lang="en-US" err="1">
                 <a:latin typeface="Times New Roman"/>
                 <a:cs typeface="Times New Roman"/>
               </a:rPr>
               <a:t>nhiều</a:t>
             </a:r>
             <a:r>
-              <a:rPr lang="en-US" dirty="0">
-                <a:latin typeface="Times New Roman"/>
-                <a:cs typeface="Times New Roman"/>
-              </a:rPr>
-              <a:t> </a:t>
-            </a:r>
-            <a:r>
-              <a:rPr lang="en-US" dirty="0" err="1">
+              <a:rPr lang="en-US">
+                <a:latin typeface="Times New Roman"/>
+                <a:cs typeface="Times New Roman"/>
+              </a:rPr>
+              <a:t> </a:t>
+            </a:r>
+            <a:r>
+              <a:rPr lang="en-US" err="1">
                 <a:latin typeface="Times New Roman"/>
                 <a:cs typeface="Times New Roman"/>
               </a:rPr>
               <a:t>ngôn</a:t>
             </a:r>
             <a:r>
-              <a:rPr lang="en-US" dirty="0">
-                <a:latin typeface="Times New Roman"/>
-                <a:cs typeface="Times New Roman"/>
-              </a:rPr>
-              <a:t> </a:t>
-            </a:r>
-            <a:r>
-              <a:rPr lang="en-US" dirty="0" err="1">
+              <a:rPr lang="en-US">
+                <a:latin typeface="Times New Roman"/>
+                <a:cs typeface="Times New Roman"/>
+              </a:rPr>
+              <a:t> </a:t>
+            </a:r>
+            <a:r>
+              <a:rPr lang="en-US" err="1">
                 <a:latin typeface="Times New Roman"/>
                 <a:cs typeface="Times New Roman"/>
               </a:rPr>
               <a:t>ngữ</a:t>
             </a:r>
             <a:r>
-              <a:rPr lang="en-US" dirty="0">
-                <a:latin typeface="Times New Roman"/>
-                <a:cs typeface="Times New Roman"/>
-              </a:rPr>
-              <a:t> </a:t>
-            </a:r>
-            <a:r>
-              <a:rPr lang="en-US" dirty="0" err="1">
+              <a:rPr lang="en-US">
+                <a:latin typeface="Times New Roman"/>
+                <a:cs typeface="Times New Roman"/>
+              </a:rPr>
+              <a:t> </a:t>
+            </a:r>
+            <a:r>
+              <a:rPr lang="en-US" err="1">
                 <a:latin typeface="Times New Roman"/>
                 <a:cs typeface="Times New Roman"/>
               </a:rPr>
               <a:t>và</a:t>
             </a:r>
             <a:r>
-              <a:rPr lang="en-US" dirty="0">
-                <a:latin typeface="Times New Roman"/>
-                <a:cs typeface="Times New Roman"/>
-              </a:rPr>
-              <a:t> </a:t>
-            </a:r>
-            <a:r>
-              <a:rPr lang="en-US" dirty="0" err="1">
+              <a:rPr lang="en-US">
+                <a:latin typeface="Times New Roman"/>
+                <a:cs typeface="Times New Roman"/>
+              </a:rPr>
+              <a:t> </a:t>
+            </a:r>
+            <a:r>
+              <a:rPr lang="en-US" err="1">
                 <a:latin typeface="Times New Roman"/>
                 <a:cs typeface="Times New Roman"/>
               </a:rPr>
               <a:t>famework</a:t>
             </a:r>
             <a:r>
-              <a:rPr lang="en-US" dirty="0">
-                <a:latin typeface="Times New Roman"/>
-                <a:cs typeface="Times New Roman"/>
-              </a:rPr>
-              <a:t> </a:t>
-            </a:r>
-            <a:r>
-              <a:rPr lang="en-US" dirty="0" err="1">
+              <a:rPr lang="en-US">
+                <a:latin typeface="Times New Roman"/>
+                <a:cs typeface="Times New Roman"/>
+              </a:rPr>
+              <a:t> </a:t>
+            </a:r>
+            <a:r>
+              <a:rPr lang="en-US" err="1">
                 <a:latin typeface="Times New Roman"/>
                 <a:cs typeface="Times New Roman"/>
               </a:rPr>
               <a:t>khác</a:t>
             </a:r>
             <a:r>
-              <a:rPr lang="en-US" dirty="0">
-                <a:latin typeface="Times New Roman"/>
-                <a:cs typeface="Times New Roman"/>
-              </a:rPr>
-              <a:t> </a:t>
-            </a:r>
-            <a:r>
-              <a:rPr lang="en-US" dirty="0" err="1">
+              <a:rPr lang="en-US">
+                <a:latin typeface="Times New Roman"/>
+                <a:cs typeface="Times New Roman"/>
+              </a:rPr>
+              <a:t> </a:t>
+            </a:r>
+            <a:r>
+              <a:rPr lang="en-US" err="1">
                 <a:latin typeface="Times New Roman"/>
                 <a:cs typeface="Times New Roman"/>
               </a:rPr>
               <a:t>nhau</a:t>
             </a:r>
             <a:r>
-              <a:rPr lang="en-US" dirty="0">
+              <a:rPr lang="en-US">
                 <a:latin typeface="Times New Roman"/>
                 <a:cs typeface="Times New Roman"/>
               </a:rPr>
               <a:t>.</a:t>
             </a:r>
-            <a:endParaRPr lang="en-US" dirty="0"/>
+            <a:endParaRPr lang="en-US"/>
           </a:p>
           <a:p>
             <a:pPr marL="0" indent="0">
               <a:buNone/>
             </a:pPr>
             <a:r>
-              <a:rPr lang="en-US" dirty="0">
+              <a:rPr lang="en-US">
                 <a:latin typeface="Times New Roman"/>
                 <a:cs typeface="Times New Roman"/>
               </a:rPr>
               <a:t>==&gt; Thrift </a:t>
             </a:r>
             <a:r>
-              <a:rPr lang="en-US" dirty="0" err="1">
+              <a:rPr lang="en-US" err="1">
                 <a:latin typeface="Times New Roman"/>
                 <a:cs typeface="Times New Roman"/>
               </a:rPr>
               <a:t>ra</a:t>
             </a:r>
             <a:r>
-              <a:rPr lang="en-US" dirty="0">
-                <a:latin typeface="Times New Roman"/>
-                <a:cs typeface="Times New Roman"/>
-              </a:rPr>
-              <a:t> </a:t>
-            </a:r>
-            <a:r>
-              <a:rPr lang="en-US" dirty="0" err="1">
+              <a:rPr lang="en-US">
+                <a:latin typeface="Times New Roman"/>
+                <a:cs typeface="Times New Roman"/>
+              </a:rPr>
+              <a:t> </a:t>
+            </a:r>
+            <a:r>
+              <a:rPr lang="en-US" err="1">
                 <a:latin typeface="Times New Roman"/>
                 <a:cs typeface="Times New Roman"/>
               </a:rPr>
               <a:t>đời</a:t>
             </a:r>
             <a:r>
-              <a:rPr lang="en-US" dirty="0">
-                <a:latin typeface="Times New Roman"/>
-                <a:cs typeface="Times New Roman"/>
-              </a:rPr>
-              <a:t> </a:t>
-            </a:r>
-            <a:r>
-              <a:rPr lang="en-US" dirty="0" err="1">
+              <a:rPr lang="en-US">
+                <a:latin typeface="Times New Roman"/>
+                <a:cs typeface="Times New Roman"/>
+              </a:rPr>
+              <a:t> </a:t>
+            </a:r>
+            <a:r>
+              <a:rPr lang="en-US" err="1">
                 <a:latin typeface="Times New Roman"/>
                 <a:cs typeface="Times New Roman"/>
               </a:rPr>
               <a:t>phục</a:t>
             </a:r>
             <a:r>
-              <a:rPr lang="en-US" dirty="0">
-                <a:latin typeface="Times New Roman"/>
-                <a:cs typeface="Times New Roman"/>
-              </a:rPr>
-              <a:t> </a:t>
-            </a:r>
-            <a:r>
-              <a:rPr lang="en-US" dirty="0" err="1">
+              <a:rPr lang="en-US">
+                <a:latin typeface="Times New Roman"/>
+                <a:cs typeface="Times New Roman"/>
+              </a:rPr>
+              <a:t> </a:t>
+            </a:r>
+            <a:r>
+              <a:rPr lang="en-US" err="1">
                 <a:latin typeface="Times New Roman"/>
                 <a:cs typeface="Times New Roman"/>
               </a:rPr>
               <a:t>vụ</a:t>
             </a:r>
             <a:r>
-              <a:rPr lang="en-US" dirty="0">
-                <a:latin typeface="Times New Roman"/>
-                <a:cs typeface="Times New Roman"/>
-              </a:rPr>
-              <a:t> </a:t>
-            </a:r>
-            <a:r>
-              <a:rPr lang="en-US" dirty="0" err="1">
+              <a:rPr lang="en-US">
+                <a:latin typeface="Times New Roman"/>
+                <a:cs typeface="Times New Roman"/>
+              </a:rPr>
+              <a:t> </a:t>
+            </a:r>
+            <a:r>
+              <a:rPr lang="en-US" err="1">
                 <a:latin typeface="Times New Roman"/>
                 <a:cs typeface="Times New Roman"/>
               </a:rPr>
               <a:t>cho</a:t>
             </a:r>
             <a:r>
-              <a:rPr lang="en-US" dirty="0">
-                <a:latin typeface="Times New Roman"/>
-                <a:cs typeface="Times New Roman"/>
-              </a:rPr>
-              <a:t> </a:t>
-            </a:r>
-            <a:r>
-              <a:rPr lang="en-US" dirty="0" err="1">
+              <a:rPr lang="en-US">
+                <a:latin typeface="Times New Roman"/>
+                <a:cs typeface="Times New Roman"/>
+              </a:rPr>
+              <a:t> </a:t>
+            </a:r>
+            <a:r>
+              <a:rPr lang="en-US" err="1">
                 <a:latin typeface="Times New Roman"/>
                 <a:cs typeface="Times New Roman"/>
               </a:rPr>
               <a:t>mục</a:t>
             </a:r>
             <a:r>
-              <a:rPr lang="en-US" dirty="0">
-                <a:latin typeface="Times New Roman"/>
-                <a:cs typeface="Times New Roman"/>
-              </a:rPr>
-              <a:t> </a:t>
-            </a:r>
-            <a:r>
-              <a:rPr lang="en-US" dirty="0" err="1">
+              <a:rPr lang="en-US">
+                <a:latin typeface="Times New Roman"/>
+                <a:cs typeface="Times New Roman"/>
+              </a:rPr>
+              <a:t> </a:t>
+            </a:r>
+            <a:r>
+              <a:rPr lang="en-US" err="1">
                 <a:latin typeface="Times New Roman"/>
                 <a:cs typeface="Times New Roman"/>
               </a:rPr>
               <a:t>đích</a:t>
             </a:r>
             <a:r>
-              <a:rPr lang="en-US" dirty="0">
-                <a:latin typeface="Times New Roman"/>
-                <a:cs typeface="Times New Roman"/>
-              </a:rPr>
-              <a:t> </a:t>
-            </a:r>
-            <a:r>
-              <a:rPr lang="en-US" dirty="0" err="1">
+              <a:rPr lang="en-US">
+                <a:latin typeface="Times New Roman"/>
+                <a:cs typeface="Times New Roman"/>
+              </a:rPr>
+              <a:t> </a:t>
+            </a:r>
+            <a:r>
+              <a:rPr lang="en-US" err="1">
                 <a:latin typeface="Times New Roman"/>
                 <a:cs typeface="Times New Roman"/>
               </a:rPr>
               <a:t>hỗ</a:t>
             </a:r>
             <a:r>
-              <a:rPr lang="en-US" dirty="0">
-                <a:latin typeface="Times New Roman"/>
-                <a:cs typeface="Times New Roman"/>
-              </a:rPr>
-              <a:t> </a:t>
-            </a:r>
-            <a:r>
-              <a:rPr lang="en-US" dirty="0" err="1">
+              <a:rPr lang="en-US">
+                <a:latin typeface="Times New Roman"/>
+                <a:cs typeface="Times New Roman"/>
+              </a:rPr>
+              <a:t> </a:t>
+            </a:r>
+            <a:r>
+              <a:rPr lang="en-US" err="1">
                 <a:latin typeface="Times New Roman"/>
                 <a:cs typeface="Times New Roman"/>
               </a:rPr>
               <a:t>trợ</a:t>
             </a:r>
             <a:r>
-              <a:rPr lang="en-US" dirty="0">
-                <a:latin typeface="Times New Roman"/>
-                <a:cs typeface="Times New Roman"/>
-              </a:rPr>
-              <a:t> </a:t>
-            </a:r>
-            <a:r>
-              <a:rPr lang="en-US" dirty="0" err="1">
+              <a:rPr lang="en-US">
+                <a:latin typeface="Times New Roman"/>
+                <a:cs typeface="Times New Roman"/>
+              </a:rPr>
+              <a:t> </a:t>
+            </a:r>
+            <a:r>
+              <a:rPr lang="en-US" err="1">
                 <a:latin typeface="Times New Roman"/>
                 <a:cs typeface="Times New Roman"/>
               </a:rPr>
               <a:t>kết</a:t>
             </a:r>
             <a:r>
-              <a:rPr lang="en-US" dirty="0">
-                <a:latin typeface="Times New Roman"/>
-                <a:cs typeface="Times New Roman"/>
-              </a:rPr>
-              <a:t> </a:t>
-            </a:r>
-            <a:r>
-              <a:rPr lang="en-US" dirty="0" err="1">
+              <a:rPr lang="en-US">
+                <a:latin typeface="Times New Roman"/>
+                <a:cs typeface="Times New Roman"/>
+              </a:rPr>
+              <a:t> </a:t>
+            </a:r>
+            <a:r>
+              <a:rPr lang="en-US" err="1">
                 <a:latin typeface="Times New Roman"/>
                 <a:cs typeface="Times New Roman"/>
               </a:rPr>
               <a:t>nối</a:t>
             </a:r>
             <a:r>
-              <a:rPr lang="en-US" dirty="0">
-                <a:latin typeface="Times New Roman"/>
-                <a:cs typeface="Times New Roman"/>
-              </a:rPr>
-              <a:t> </a:t>
-            </a:r>
-            <a:r>
-              <a:rPr lang="en-US" dirty="0" err="1">
+              <a:rPr lang="en-US">
+                <a:latin typeface="Times New Roman"/>
+                <a:cs typeface="Times New Roman"/>
+              </a:rPr>
+              <a:t> </a:t>
+            </a:r>
+            <a:r>
+              <a:rPr lang="en-US" err="1">
                 <a:latin typeface="Times New Roman"/>
                 <a:cs typeface="Times New Roman"/>
               </a:rPr>
               <a:t>giữa</a:t>
             </a:r>
             <a:r>
-              <a:rPr lang="en-US" dirty="0">
+              <a:rPr lang="en-US">
                 <a:latin typeface="Times New Roman"/>
                 <a:cs typeface="Times New Roman"/>
               </a:rPr>
               <a:t> Client </a:t>
             </a:r>
             <a:r>
-              <a:rPr lang="en-US" dirty="0" err="1">
+              <a:rPr lang="en-US" err="1">
                 <a:latin typeface="Times New Roman"/>
                 <a:cs typeface="Times New Roman"/>
               </a:rPr>
               <a:t>và</a:t>
             </a:r>
             <a:r>
-              <a:rPr lang="en-US" dirty="0">
+              <a:rPr lang="en-US">
                 <a:latin typeface="Times New Roman"/>
                 <a:cs typeface="Times New Roman"/>
               </a:rPr>
               <a:t> Server (</a:t>
             </a:r>
             <a:r>
-              <a:rPr lang="en-US" dirty="0" err="1">
+              <a:rPr lang="en-US" err="1">
                 <a:latin typeface="Times New Roman"/>
                 <a:cs typeface="Times New Roman"/>
               </a:rPr>
               <a:t>có</a:t>
             </a:r>
             <a:r>
-              <a:rPr lang="en-US" dirty="0">
-                <a:latin typeface="Times New Roman"/>
-                <a:cs typeface="Times New Roman"/>
-              </a:rPr>
-              <a:t> </a:t>
-            </a:r>
-            <a:r>
-              <a:rPr lang="en-US" dirty="0" err="1">
+              <a:rPr lang="en-US">
+                <a:latin typeface="Times New Roman"/>
+                <a:cs typeface="Times New Roman"/>
+              </a:rPr>
+              <a:t> </a:t>
+            </a:r>
+            <a:r>
+              <a:rPr lang="en-US" err="1">
                 <a:latin typeface="Times New Roman"/>
                 <a:cs typeface="Times New Roman"/>
               </a:rPr>
               <a:t>thể</a:t>
             </a:r>
             <a:r>
-              <a:rPr lang="en-US" dirty="0">
-                <a:latin typeface="Times New Roman"/>
-                <a:cs typeface="Times New Roman"/>
-              </a:rPr>
-              <a:t> </a:t>
-            </a:r>
-            <a:r>
-              <a:rPr lang="en-US" dirty="0" err="1">
+              <a:rPr lang="en-US">
+                <a:latin typeface="Times New Roman"/>
+                <a:cs typeface="Times New Roman"/>
+              </a:rPr>
+              <a:t> </a:t>
+            </a:r>
+            <a:r>
+              <a:rPr lang="en-US" err="1">
                 <a:latin typeface="Times New Roman"/>
                 <a:cs typeface="Times New Roman"/>
               </a:rPr>
               <a:t>xây</a:t>
             </a:r>
             <a:r>
-              <a:rPr lang="en-US" dirty="0">
-                <a:latin typeface="Times New Roman"/>
-                <a:cs typeface="Times New Roman"/>
-              </a:rPr>
-              <a:t> </a:t>
-            </a:r>
-            <a:r>
-              <a:rPr lang="en-US" dirty="0" err="1">
+              <a:rPr lang="en-US">
+                <a:latin typeface="Times New Roman"/>
+                <a:cs typeface="Times New Roman"/>
+              </a:rPr>
+              <a:t> </a:t>
+            </a:r>
+            <a:r>
+              <a:rPr lang="en-US" err="1">
                 <a:latin typeface="Times New Roman"/>
                 <a:cs typeface="Times New Roman"/>
               </a:rPr>
               <a:t>dựng</a:t>
             </a:r>
             <a:r>
-              <a:rPr lang="en-US" dirty="0">
-                <a:latin typeface="Times New Roman"/>
-                <a:cs typeface="Times New Roman"/>
-              </a:rPr>
-              <a:t> </a:t>
-            </a:r>
-            <a:r>
-              <a:rPr lang="en-US" dirty="0" err="1">
+              <a:rPr lang="en-US">
+                <a:latin typeface="Times New Roman"/>
+                <a:cs typeface="Times New Roman"/>
+              </a:rPr>
+              <a:t> </a:t>
+            </a:r>
+            <a:r>
+              <a:rPr lang="en-US" err="1">
                 <a:latin typeface="Times New Roman"/>
                 <a:cs typeface="Times New Roman"/>
               </a:rPr>
               <a:t>từ</a:t>
             </a:r>
             <a:r>
-              <a:rPr lang="en-US" dirty="0">
+              <a:rPr lang="en-US">
                 <a:latin typeface="Times New Roman"/>
                 <a:cs typeface="Times New Roman"/>
               </a:rPr>
               <a:t> 2 </a:t>
             </a:r>
             <a:r>
-              <a:rPr lang="en-US" dirty="0" err="1">
+              <a:rPr lang="en-US" err="1">
                 <a:latin typeface="Times New Roman"/>
                 <a:cs typeface="Times New Roman"/>
               </a:rPr>
               <a:t>ngôn</a:t>
             </a:r>
             <a:r>
-              <a:rPr lang="en-US" dirty="0">
-                <a:latin typeface="Times New Roman"/>
-                <a:cs typeface="Times New Roman"/>
-              </a:rPr>
-              <a:t> </a:t>
-            </a:r>
-            <a:r>
-              <a:rPr lang="en-US" dirty="0" err="1">
+              <a:rPr lang="en-US">
+                <a:latin typeface="Times New Roman"/>
+                <a:cs typeface="Times New Roman"/>
+              </a:rPr>
+              <a:t> </a:t>
+            </a:r>
+            <a:r>
+              <a:rPr lang="en-US" err="1">
                 <a:latin typeface="Times New Roman"/>
                 <a:cs typeface="Times New Roman"/>
               </a:rPr>
               <a:t>ngữ</a:t>
             </a:r>
             <a:r>
-              <a:rPr lang="en-US" dirty="0">
-                <a:latin typeface="Times New Roman"/>
-                <a:cs typeface="Times New Roman"/>
-              </a:rPr>
-              <a:t> </a:t>
-            </a:r>
-            <a:r>
-              <a:rPr lang="en-US" dirty="0" err="1">
+              <a:rPr lang="en-US">
+                <a:latin typeface="Times New Roman"/>
+                <a:cs typeface="Times New Roman"/>
+              </a:rPr>
+              <a:t> </a:t>
+            </a:r>
+            <a:r>
+              <a:rPr lang="en-US" err="1">
                 <a:latin typeface="Times New Roman"/>
                 <a:cs typeface="Times New Roman"/>
               </a:rPr>
               <a:t>khác</a:t>
             </a:r>
             <a:r>
-              <a:rPr lang="en-US" dirty="0">
-                <a:latin typeface="Times New Roman"/>
-                <a:cs typeface="Times New Roman"/>
-              </a:rPr>
-              <a:t> </a:t>
-            </a:r>
-            <a:r>
-              <a:rPr lang="en-US" dirty="0" err="1">
+              <a:rPr lang="en-US">
+                <a:latin typeface="Times New Roman"/>
+                <a:cs typeface="Times New Roman"/>
+              </a:rPr>
+              <a:t> </a:t>
+            </a:r>
+            <a:r>
+              <a:rPr lang="en-US" err="1">
                 <a:latin typeface="Times New Roman"/>
                 <a:cs typeface="Times New Roman"/>
               </a:rPr>
               <a:t>nhau</a:t>
             </a:r>
             <a:r>
-              <a:rPr lang="en-US" dirty="0">
+              <a:rPr lang="en-US">
                 <a:latin typeface="Times New Roman"/>
                 <a:cs typeface="Times New Roman"/>
               </a:rPr>
@@ -7909,63 +8149,63 @@
               <a:buNone/>
             </a:pPr>
             <a:r>
-              <a:rPr lang="en-US" dirty="0">
+              <a:rPr lang="en-US">
                 <a:latin typeface="Times New Roman"/>
                 <a:cs typeface="Times New Roman"/>
               </a:rPr>
               <a:t>Thrift </a:t>
             </a:r>
             <a:r>
-              <a:rPr lang="en-US" dirty="0" err="1">
+              <a:rPr lang="en-US" err="1">
                 <a:latin typeface="Times New Roman"/>
                 <a:cs typeface="Times New Roman"/>
               </a:rPr>
               <a:t>là</a:t>
             </a:r>
             <a:r>
-              <a:rPr lang="en-US" dirty="0">
-                <a:latin typeface="Times New Roman"/>
-                <a:cs typeface="Times New Roman"/>
-              </a:rPr>
-              <a:t> </a:t>
-            </a:r>
-            <a:r>
-              <a:rPr lang="en-US" dirty="0" err="1">
+              <a:rPr lang="en-US">
+                <a:latin typeface="Times New Roman"/>
+                <a:cs typeface="Times New Roman"/>
+              </a:rPr>
+              <a:t> </a:t>
+            </a:r>
+            <a:r>
+              <a:rPr lang="en-US" err="1">
                 <a:latin typeface="Times New Roman"/>
                 <a:cs typeface="Times New Roman"/>
               </a:rPr>
               <a:t>một</a:t>
             </a:r>
             <a:r>
-              <a:rPr lang="en-US" dirty="0">
+              <a:rPr lang="en-US">
                 <a:latin typeface="Times New Roman"/>
                 <a:cs typeface="Times New Roman"/>
               </a:rPr>
               <a:t> IDL (Interface Definition Language) </a:t>
             </a:r>
             <a:r>
-              <a:rPr lang="en-US" dirty="0" err="1">
+              <a:rPr lang="en-US" err="1">
                 <a:latin typeface="Times New Roman"/>
                 <a:cs typeface="Times New Roman"/>
               </a:rPr>
               <a:t>và</a:t>
             </a:r>
             <a:r>
-              <a:rPr lang="en-US" dirty="0">
-                <a:latin typeface="Times New Roman"/>
-                <a:cs typeface="Times New Roman"/>
-              </a:rPr>
-              <a:t> </a:t>
-            </a:r>
-            <a:r>
-              <a:rPr lang="en-US" dirty="0" err="1">
+              <a:rPr lang="en-US">
+                <a:latin typeface="Times New Roman"/>
+                <a:cs typeface="Times New Roman"/>
+              </a:rPr>
+              <a:t> </a:t>
+            </a:r>
+            <a:r>
+              <a:rPr lang="en-US" err="1">
                 <a:latin typeface="Times New Roman"/>
                 <a:cs typeface="Times New Roman"/>
               </a:rPr>
               <a:t>là</a:t>
             </a:r>
             <a:r>
-              <a:rPr lang="en-US" dirty="0">
+              <a:rPr lang="en-US">
                 <a:latin typeface="Times New Roman"/>
                 <a:cs typeface="Times New Roman"/>
               </a:rPr>
@@ -7977,161 +8217,161 @@
               <a:buNone/>
             </a:pPr>
             <a:r>
-              <a:rPr lang="en-US" dirty="0">
+              <a:rPr lang="en-US">
                 <a:latin typeface="Times New Roman"/>
                 <a:cs typeface="Times New Roman"/>
               </a:rPr>
               <a:t>Thrift </a:t>
             </a:r>
             <a:r>
-              <a:rPr lang="en-US" dirty="0" err="1">
+              <a:rPr lang="en-US" err="1">
                 <a:latin typeface="Times New Roman"/>
                 <a:cs typeface="Times New Roman"/>
               </a:rPr>
               <a:t>cung</a:t>
             </a:r>
             <a:r>
-              <a:rPr lang="en-US" dirty="0">
-                <a:latin typeface="Times New Roman"/>
-                <a:cs typeface="Times New Roman"/>
-              </a:rPr>
-              <a:t> </a:t>
-            </a:r>
-            <a:r>
-              <a:rPr lang="en-US" dirty="0" err="1">
+              <a:rPr lang="en-US">
+                <a:latin typeface="Times New Roman"/>
+                <a:cs typeface="Times New Roman"/>
+              </a:rPr>
+              <a:t> </a:t>
+            </a:r>
+            <a:r>
+              <a:rPr lang="en-US" err="1">
                 <a:latin typeface="Times New Roman"/>
                 <a:cs typeface="Times New Roman"/>
               </a:rPr>
               <a:t>cấp</a:t>
             </a:r>
             <a:r>
-              <a:rPr lang="en-US" dirty="0">
-                <a:latin typeface="Times New Roman"/>
-                <a:cs typeface="Times New Roman"/>
-              </a:rPr>
-              <a:t> </a:t>
-            </a:r>
-            <a:r>
-              <a:rPr lang="en-US" dirty="0" err="1">
+              <a:rPr lang="en-US">
+                <a:latin typeface="Times New Roman"/>
+                <a:cs typeface="Times New Roman"/>
+              </a:rPr>
+              <a:t> </a:t>
+            </a:r>
+            <a:r>
+              <a:rPr lang="en-US" err="1">
                 <a:latin typeface="Times New Roman"/>
                 <a:cs typeface="Times New Roman"/>
               </a:rPr>
               <a:t>chuẩn</a:t>
             </a:r>
             <a:r>
-              <a:rPr lang="en-US" dirty="0">
+              <a:rPr lang="en-US">
                 <a:latin typeface="Times New Roman"/>
                 <a:cs typeface="Times New Roman"/>
               </a:rPr>
               <a:t> RPC (Remote </a:t>
             </a:r>
             <a:r>
-              <a:rPr lang="en-US" dirty="0" err="1">
+              <a:rPr lang="en-US" err="1">
                 <a:latin typeface="Times New Roman"/>
                 <a:cs typeface="Times New Roman"/>
               </a:rPr>
               <a:t>proceduce</a:t>
             </a:r>
             <a:r>
-              <a:rPr lang="en-US" dirty="0">
+              <a:rPr lang="en-US">
                 <a:latin typeface="Times New Roman"/>
                 <a:cs typeface="Times New Roman"/>
               </a:rPr>
               <a:t> call) </a:t>
             </a:r>
             <a:r>
-              <a:rPr lang="en-US" dirty="0" err="1">
+              <a:rPr lang="en-US" err="1">
                 <a:latin typeface="Times New Roman"/>
                 <a:cs typeface="Times New Roman"/>
               </a:rPr>
               <a:t>dùng</a:t>
             </a:r>
             <a:r>
-              <a:rPr lang="en-US" dirty="0">
-                <a:latin typeface="Times New Roman"/>
-                <a:cs typeface="Times New Roman"/>
-              </a:rPr>
-              <a:t> </a:t>
-            </a:r>
-            <a:r>
-              <a:rPr lang="en-US" dirty="0" err="1">
+              <a:rPr lang="en-US">
+                <a:latin typeface="Times New Roman"/>
+                <a:cs typeface="Times New Roman"/>
+              </a:rPr>
+              <a:t> </a:t>
+            </a:r>
+            <a:r>
+              <a:rPr lang="en-US" err="1">
                 <a:latin typeface="Times New Roman"/>
                 <a:cs typeface="Times New Roman"/>
               </a:rPr>
               <a:t>để</a:t>
             </a:r>
             <a:r>
-              <a:rPr lang="en-US" dirty="0">
-                <a:latin typeface="Times New Roman"/>
-                <a:cs typeface="Times New Roman"/>
-              </a:rPr>
-              <a:t> </a:t>
-            </a:r>
-            <a:r>
-              <a:rPr lang="en-US" dirty="0" err="1">
+              <a:rPr lang="en-US">
+                <a:latin typeface="Times New Roman"/>
+                <a:cs typeface="Times New Roman"/>
+              </a:rPr>
+              <a:t> </a:t>
+            </a:r>
+            <a:r>
+              <a:rPr lang="en-US" err="1">
                 <a:latin typeface="Times New Roman"/>
                 <a:cs typeface="Times New Roman"/>
               </a:rPr>
               <a:t>giao</a:t>
             </a:r>
             <a:r>
-              <a:rPr lang="en-US" dirty="0">
-                <a:latin typeface="Times New Roman"/>
-                <a:cs typeface="Times New Roman"/>
-              </a:rPr>
-              <a:t> </a:t>
-            </a:r>
-            <a:r>
-              <a:rPr lang="en-US" dirty="0" err="1">
+              <a:rPr lang="en-US">
+                <a:latin typeface="Times New Roman"/>
+                <a:cs typeface="Times New Roman"/>
+              </a:rPr>
+              <a:t> </a:t>
+            </a:r>
+            <a:r>
+              <a:rPr lang="en-US" err="1">
                 <a:latin typeface="Times New Roman"/>
                 <a:cs typeface="Times New Roman"/>
               </a:rPr>
               <a:t>tiếp</a:t>
             </a:r>
             <a:r>
-              <a:rPr lang="en-US" dirty="0">
-                <a:latin typeface="Times New Roman"/>
-                <a:cs typeface="Times New Roman"/>
-              </a:rPr>
-              <a:t> </a:t>
-            </a:r>
-            <a:r>
-              <a:rPr lang="en-US" dirty="0" err="1">
+              <a:rPr lang="en-US">
+                <a:latin typeface="Times New Roman"/>
+                <a:cs typeface="Times New Roman"/>
+              </a:rPr>
+              <a:t> </a:t>
+            </a:r>
+            <a:r>
+              <a:rPr lang="en-US" err="1">
                 <a:latin typeface="Times New Roman"/>
                 <a:cs typeface="Times New Roman"/>
               </a:rPr>
               <a:t>cho</a:t>
             </a:r>
             <a:r>
-              <a:rPr lang="en-US" dirty="0">
-                <a:latin typeface="Times New Roman"/>
-                <a:cs typeface="Times New Roman"/>
-              </a:rPr>
-              <a:t> </a:t>
-            </a:r>
-            <a:r>
-              <a:rPr lang="en-US" dirty="0" err="1">
+              <a:rPr lang="en-US">
+                <a:latin typeface="Times New Roman"/>
+                <a:cs typeface="Times New Roman"/>
+              </a:rPr>
+              <a:t> </a:t>
+            </a:r>
+            <a:r>
+              <a:rPr lang="en-US" err="1">
                 <a:latin typeface="Times New Roman"/>
                 <a:cs typeface="Times New Roman"/>
               </a:rPr>
               <a:t>các</a:t>
             </a:r>
             <a:r>
-              <a:rPr lang="en-US" dirty="0">
+              <a:rPr lang="en-US">
                 <a:latin typeface="Times New Roman"/>
                 <a:cs typeface="Times New Roman"/>
               </a:rPr>
               <a:t> service </a:t>
             </a:r>
             <a:r>
-              <a:rPr lang="en-US" dirty="0" err="1">
+              <a:rPr lang="en-US" err="1">
                 <a:latin typeface="Times New Roman"/>
                 <a:cs typeface="Times New Roman"/>
               </a:rPr>
               <a:t>thông</a:t>
             </a:r>
             <a:r>
-              <a:rPr lang="en-US" dirty="0">
+              <a:rPr lang="en-US">
                 <a:latin typeface="Times New Roman"/>
                 <a:cs typeface="Times New Roman"/>
               </a:rPr>
@@ -8143,175 +8383,175 @@
               <a:buNone/>
             </a:pPr>
             <a:r>
-              <a:rPr lang="en-US" dirty="0">
+              <a:rPr lang="en-US">
                 <a:latin typeface="Times New Roman"/>
                 <a:cs typeface="Times New Roman"/>
               </a:rPr>
               <a:t> Thrift </a:t>
             </a:r>
             <a:r>
-              <a:rPr lang="en-US" dirty="0" err="1">
+              <a:rPr lang="en-US" err="1">
                 <a:latin typeface="Times New Roman"/>
                 <a:cs typeface="Times New Roman"/>
               </a:rPr>
               <a:t>được</a:t>
             </a:r>
             <a:r>
-              <a:rPr lang="en-US" dirty="0">
-                <a:latin typeface="Times New Roman"/>
-                <a:cs typeface="Times New Roman"/>
-              </a:rPr>
-              <a:t> </a:t>
-            </a:r>
-            <a:r>
-              <a:rPr lang="en-US" dirty="0" err="1">
+              <a:rPr lang="en-US">
+                <a:latin typeface="Times New Roman"/>
+                <a:cs typeface="Times New Roman"/>
+              </a:rPr>
+              <a:t> </a:t>
+            </a:r>
+            <a:r>
+              <a:rPr lang="en-US" err="1">
                 <a:latin typeface="Times New Roman"/>
                 <a:cs typeface="Times New Roman"/>
               </a:rPr>
               <a:t>được</a:t>
             </a:r>
             <a:r>
-              <a:rPr lang="en-US" dirty="0">
-                <a:latin typeface="Times New Roman"/>
-                <a:cs typeface="Times New Roman"/>
-              </a:rPr>
-              <a:t> </a:t>
-            </a:r>
-            <a:r>
-              <a:rPr lang="en-US" dirty="0" err="1">
+              <a:rPr lang="en-US">
+                <a:latin typeface="Times New Roman"/>
+                <a:cs typeface="Times New Roman"/>
+              </a:rPr>
+              <a:t> </a:t>
+            </a:r>
+            <a:r>
+              <a:rPr lang="en-US" err="1">
                 <a:latin typeface="Times New Roman"/>
                 <a:cs typeface="Times New Roman"/>
               </a:rPr>
               <a:t>phát</a:t>
             </a:r>
             <a:r>
-              <a:rPr lang="en-US" dirty="0">
-                <a:latin typeface="Times New Roman"/>
-                <a:cs typeface="Times New Roman"/>
-              </a:rPr>
-              <a:t> </a:t>
-            </a:r>
-            <a:r>
-              <a:rPr lang="en-US" dirty="0" err="1">
+              <a:rPr lang="en-US">
+                <a:latin typeface="Times New Roman"/>
+                <a:cs typeface="Times New Roman"/>
+              </a:rPr>
+              <a:t> </a:t>
+            </a:r>
+            <a:r>
+              <a:rPr lang="en-US" err="1">
                 <a:latin typeface="Times New Roman"/>
                 <a:cs typeface="Times New Roman"/>
               </a:rPr>
               <a:t>triển</a:t>
             </a:r>
             <a:r>
-              <a:rPr lang="en-US" dirty="0">
-                <a:latin typeface="Times New Roman"/>
-                <a:cs typeface="Times New Roman"/>
-              </a:rPr>
-              <a:t> </a:t>
-            </a:r>
-            <a:r>
-              <a:rPr lang="en-US" dirty="0" err="1">
+              <a:rPr lang="en-US">
+                <a:latin typeface="Times New Roman"/>
+                <a:cs typeface="Times New Roman"/>
+              </a:rPr>
+              <a:t> </a:t>
+            </a:r>
+            <a:r>
+              <a:rPr lang="en-US" err="1">
                 <a:latin typeface="Times New Roman"/>
                 <a:cs typeface="Times New Roman"/>
               </a:rPr>
               <a:t>bởi</a:t>
             </a:r>
             <a:r>
-              <a:rPr lang="en-US" dirty="0">
+              <a:rPr lang="en-US">
                 <a:latin typeface="Times New Roman"/>
                 <a:cs typeface="Times New Roman"/>
               </a:rPr>
               <a:t> Facebook </a:t>
             </a:r>
             <a:r>
-              <a:rPr lang="en-US" dirty="0" err="1">
+              <a:rPr lang="en-US" err="1">
                 <a:latin typeface="Times New Roman"/>
                 <a:cs typeface="Times New Roman"/>
               </a:rPr>
               <a:t>và</a:t>
             </a:r>
             <a:r>
-              <a:rPr lang="en-US" dirty="0">
-                <a:latin typeface="Times New Roman"/>
-                <a:cs typeface="Times New Roman"/>
-              </a:rPr>
-              <a:t> </a:t>
-            </a:r>
-            <a:r>
-              <a:rPr lang="en-US" dirty="0" err="1">
+              <a:rPr lang="en-US">
+                <a:latin typeface="Times New Roman"/>
+                <a:cs typeface="Times New Roman"/>
+              </a:rPr>
+              <a:t> </a:t>
+            </a:r>
+            <a:r>
+              <a:rPr lang="en-US" err="1">
                 <a:latin typeface="Times New Roman"/>
                 <a:cs typeface="Times New Roman"/>
               </a:rPr>
               <a:t>giờ</a:t>
             </a:r>
             <a:r>
-              <a:rPr lang="en-US" dirty="0">
-                <a:latin typeface="Times New Roman"/>
-                <a:cs typeface="Times New Roman"/>
-              </a:rPr>
-              <a:t> </a:t>
-            </a:r>
-            <a:r>
-              <a:rPr lang="en-US" dirty="0" err="1">
+              <a:rPr lang="en-US">
+                <a:latin typeface="Times New Roman"/>
+                <a:cs typeface="Times New Roman"/>
+              </a:rPr>
+              <a:t> </a:t>
+            </a:r>
+            <a:r>
+              <a:rPr lang="en-US" err="1">
                 <a:latin typeface="Times New Roman"/>
                 <a:cs typeface="Times New Roman"/>
               </a:rPr>
               <a:t>là</a:t>
             </a:r>
             <a:r>
-              <a:rPr lang="en-US" dirty="0">
-                <a:latin typeface="Times New Roman"/>
-                <a:cs typeface="Times New Roman"/>
-              </a:rPr>
-              <a:t> </a:t>
-            </a:r>
-            <a:r>
-              <a:rPr lang="en-US" dirty="0" err="1">
+              <a:rPr lang="en-US">
+                <a:latin typeface="Times New Roman"/>
+                <a:cs typeface="Times New Roman"/>
+              </a:rPr>
+              <a:t> </a:t>
+            </a:r>
+            <a:r>
+              <a:rPr lang="en-US" err="1">
                 <a:latin typeface="Times New Roman"/>
                 <a:cs typeface="Times New Roman"/>
               </a:rPr>
               <a:t>mã</a:t>
             </a:r>
             <a:r>
-              <a:rPr lang="en-US" dirty="0">
-                <a:latin typeface="Times New Roman"/>
-                <a:cs typeface="Times New Roman"/>
-              </a:rPr>
-              <a:t> </a:t>
-            </a:r>
-            <a:r>
-              <a:rPr lang="en-US" dirty="0" err="1">
+              <a:rPr lang="en-US">
+                <a:latin typeface="Times New Roman"/>
+                <a:cs typeface="Times New Roman"/>
+              </a:rPr>
+              <a:t> </a:t>
+            </a:r>
+            <a:r>
+              <a:rPr lang="en-US" err="1">
                 <a:latin typeface="Times New Roman"/>
                 <a:cs typeface="Times New Roman"/>
               </a:rPr>
               <a:t>nguồn</a:t>
             </a:r>
             <a:r>
-              <a:rPr lang="en-US" dirty="0">
-                <a:latin typeface="Times New Roman"/>
-                <a:cs typeface="Times New Roman"/>
-              </a:rPr>
-              <a:t> </a:t>
-            </a:r>
-            <a:r>
-              <a:rPr lang="en-US" dirty="0" err="1">
+              <a:rPr lang="en-US">
+                <a:latin typeface="Times New Roman"/>
+                <a:cs typeface="Times New Roman"/>
+              </a:rPr>
+              <a:t> </a:t>
+            </a:r>
+            <a:r>
+              <a:rPr lang="en-US" err="1">
                 <a:latin typeface="Times New Roman"/>
                 <a:cs typeface="Times New Roman"/>
               </a:rPr>
               <a:t>mở</a:t>
             </a:r>
             <a:r>
-              <a:rPr lang="en-US" dirty="0">
-                <a:latin typeface="Times New Roman"/>
-                <a:cs typeface="Times New Roman"/>
-              </a:rPr>
-              <a:t> </a:t>
-            </a:r>
-            <a:r>
-              <a:rPr lang="en-US" dirty="0" err="1">
+              <a:rPr lang="en-US">
+                <a:latin typeface="Times New Roman"/>
+                <a:cs typeface="Times New Roman"/>
+              </a:rPr>
+              <a:t> </a:t>
+            </a:r>
+            <a:r>
+              <a:rPr lang="en-US" err="1">
                 <a:latin typeface="Times New Roman"/>
                 <a:cs typeface="Times New Roman"/>
               </a:rPr>
               <a:t>của</a:t>
             </a:r>
             <a:r>
-              <a:rPr lang="en-US" dirty="0">
+              <a:rPr lang="en-US">
                 <a:latin typeface="Times New Roman"/>
                 <a:cs typeface="Times New Roman"/>
               </a:rPr>
@@ -8331,6 +8571,18 @@
   <p:clrMapOvr>
     <a:masterClrMapping/>
   </p:clrMapOvr>
+  <mc:AlternateContent xmlns:mc="http://schemas.openxmlformats.org/markup-compatibility/2006" xmlns:p14="http://schemas.microsoft.com/office/powerpoint/2010/main">
+    <mc:Choice Requires="p14">
+      <p:transition spd="med" p14:dur="700">
+        <p:fade/>
+      </p:transition>
+    </mc:Choice>
+    <mc:Fallback xmlns="">
+      <p:transition spd="med">
+        <p:fade/>
+      </p:transition>
+    </mc:Fallback>
+  </mc:AlternateContent>
 </p:sld>
 </file>
 
@@ -8378,55 +8630,55 @@
           <a:lstStyle/>
           <a:p>
             <a:r>
-              <a:rPr lang="en-US" dirty="0" err="1">
+              <a:rPr lang="en-US" err="1">
                 <a:latin typeface="Times New Roman"/>
                 <a:cs typeface="Times New Roman"/>
               </a:rPr>
               <a:t>Cách</a:t>
             </a:r>
             <a:r>
-              <a:rPr lang="en-US" dirty="0">
-                <a:latin typeface="Times New Roman"/>
-                <a:cs typeface="Times New Roman"/>
-              </a:rPr>
-              <a:t> </a:t>
-            </a:r>
-            <a:r>
-              <a:rPr lang="en-US" dirty="0" err="1">
+              <a:rPr lang="en-US">
+                <a:latin typeface="Times New Roman"/>
+                <a:cs typeface="Times New Roman"/>
+              </a:rPr>
+              <a:t> </a:t>
+            </a:r>
+            <a:r>
+              <a:rPr lang="en-US" err="1">
                 <a:latin typeface="Times New Roman"/>
                 <a:cs typeface="Times New Roman"/>
               </a:rPr>
               <a:t>thức</a:t>
             </a:r>
             <a:r>
-              <a:rPr lang="en-US" dirty="0">
-                <a:latin typeface="Times New Roman"/>
-                <a:cs typeface="Times New Roman"/>
-              </a:rPr>
-              <a:t> </a:t>
-            </a:r>
-            <a:r>
-              <a:rPr lang="en-US" dirty="0" err="1">
+              <a:rPr lang="en-US">
+                <a:latin typeface="Times New Roman"/>
+                <a:cs typeface="Times New Roman"/>
+              </a:rPr>
+              <a:t> </a:t>
+            </a:r>
+            <a:r>
+              <a:rPr lang="en-US" err="1">
                 <a:latin typeface="Times New Roman"/>
                 <a:cs typeface="Times New Roman"/>
               </a:rPr>
               <a:t>triển</a:t>
             </a:r>
             <a:r>
-              <a:rPr lang="en-US" dirty="0">
-                <a:latin typeface="Times New Roman"/>
-                <a:cs typeface="Times New Roman"/>
-              </a:rPr>
-              <a:t> </a:t>
-            </a:r>
-            <a:r>
-              <a:rPr lang="en-US" dirty="0" err="1">
+              <a:rPr lang="en-US">
+                <a:latin typeface="Times New Roman"/>
+                <a:cs typeface="Times New Roman"/>
+              </a:rPr>
+              <a:t> </a:t>
+            </a:r>
+            <a:r>
+              <a:rPr lang="en-US" err="1">
                 <a:latin typeface="Times New Roman"/>
                 <a:cs typeface="Times New Roman"/>
               </a:rPr>
               <a:t>khai</a:t>
             </a:r>
-            <a:endParaRPr lang="en-US" dirty="0" err="1"/>
+            <a:endParaRPr lang="en-US" err="1"/>
           </a:p>
         </p:txBody>
       </p:sp>
@@ -8462,278 +8714,278 @@
               <a:buNone/>
             </a:pPr>
             <a:r>
-              <a:rPr lang="en-US" dirty="0" err="1">
+              <a:rPr lang="en-US" err="1">
                 <a:latin typeface="Times New Roman"/>
                 <a:cs typeface="Times New Roman"/>
               </a:rPr>
               <a:t>Định</a:t>
             </a:r>
             <a:r>
-              <a:rPr lang="en-US" dirty="0">
-                <a:latin typeface="Times New Roman"/>
-                <a:cs typeface="Times New Roman"/>
-              </a:rPr>
-              <a:t> </a:t>
-            </a:r>
-            <a:r>
-              <a:rPr lang="en-US" dirty="0" err="1">
+              <a:rPr lang="en-US">
+                <a:latin typeface="Times New Roman"/>
+                <a:cs typeface="Times New Roman"/>
+              </a:rPr>
+              <a:t> </a:t>
+            </a:r>
+            <a:r>
+              <a:rPr lang="en-US" err="1">
                 <a:latin typeface="Times New Roman"/>
                 <a:cs typeface="Times New Roman"/>
               </a:rPr>
               <a:t>nghĩa</a:t>
             </a:r>
             <a:r>
-              <a:rPr lang="en-US" dirty="0">
-                <a:latin typeface="Times New Roman"/>
-                <a:cs typeface="Times New Roman"/>
-              </a:rPr>
-              <a:t> </a:t>
-            </a:r>
-            <a:r>
-              <a:rPr lang="en-US" dirty="0" err="1">
+              <a:rPr lang="en-US">
+                <a:latin typeface="Times New Roman"/>
+                <a:cs typeface="Times New Roman"/>
+              </a:rPr>
+              <a:t> </a:t>
+            </a:r>
+            <a:r>
+              <a:rPr lang="en-US" err="1">
                 <a:latin typeface="Times New Roman"/>
                 <a:cs typeface="Times New Roman"/>
               </a:rPr>
               <a:t>các</a:t>
             </a:r>
             <a:r>
-              <a:rPr lang="en-US" dirty="0">
+              <a:rPr lang="en-US">
                 <a:latin typeface="Times New Roman"/>
                 <a:cs typeface="Times New Roman"/>
               </a:rPr>
               <a:t> cấu trúc dữ liệu và interface của phương thức </a:t>
             </a:r>
             <a:r>
-              <a:rPr lang="en-US" dirty="0" err="1">
+              <a:rPr lang="en-US" err="1">
                 <a:latin typeface="Times New Roman"/>
                 <a:cs typeface="Times New Roman"/>
               </a:rPr>
               <a:t>theo</a:t>
             </a:r>
             <a:r>
-              <a:rPr lang="en-US" dirty="0">
-                <a:latin typeface="Times New Roman"/>
-                <a:cs typeface="Times New Roman"/>
-              </a:rPr>
-              <a:t> </a:t>
-            </a:r>
-            <a:r>
-              <a:rPr lang="en-US" dirty="0" err="1">
+              <a:rPr lang="en-US">
+                <a:latin typeface="Times New Roman"/>
+                <a:cs typeface="Times New Roman"/>
+              </a:rPr>
+              <a:t> </a:t>
+            </a:r>
+            <a:r>
+              <a:rPr lang="en-US" err="1">
                 <a:latin typeface="Times New Roman"/>
                 <a:cs typeface="Times New Roman"/>
               </a:rPr>
               <a:t>chuẩn</a:t>
             </a:r>
             <a:r>
-              <a:rPr lang="en-US" dirty="0">
-                <a:latin typeface="Times New Roman"/>
-                <a:cs typeface="Times New Roman"/>
-              </a:rPr>
-              <a:t> </a:t>
-            </a:r>
-            <a:r>
-              <a:rPr lang="en-US" dirty="0" err="1">
+              <a:rPr lang="en-US">
+                <a:latin typeface="Times New Roman"/>
+                <a:cs typeface="Times New Roman"/>
+              </a:rPr>
+              <a:t> </a:t>
+            </a:r>
+            <a:r>
+              <a:rPr lang="en-US" err="1">
                 <a:latin typeface="Times New Roman"/>
                 <a:cs typeface="Times New Roman"/>
               </a:rPr>
               <a:t>của</a:t>
             </a:r>
             <a:r>
-              <a:rPr lang="en-US" dirty="0">
+              <a:rPr lang="en-US">
                 <a:latin typeface="Times New Roman"/>
                 <a:cs typeface="Times New Roman"/>
               </a:rPr>
               <a:t> Thrift (IDL). </a:t>
             </a:r>
-            <a:endParaRPr lang="en-US" dirty="0"/>
+            <a:endParaRPr lang="en-US"/>
           </a:p>
           <a:p>
             <a:pPr>
               <a:buNone/>
             </a:pPr>
             <a:r>
-              <a:rPr lang="en-US" dirty="0" err="1">
+              <a:rPr lang="en-US" err="1">
                 <a:latin typeface="Times New Roman"/>
                 <a:cs typeface="Times New Roman"/>
               </a:rPr>
               <a:t>Từ</a:t>
             </a:r>
             <a:r>
-              <a:rPr lang="en-US" dirty="0">
-                <a:latin typeface="Times New Roman"/>
-                <a:cs typeface="Times New Roman"/>
-              </a:rPr>
-              <a:t> </a:t>
-            </a:r>
-            <a:r>
-              <a:rPr lang="en-US" dirty="0" err="1">
+              <a:rPr lang="en-US">
+                <a:latin typeface="Times New Roman"/>
+                <a:cs typeface="Times New Roman"/>
+              </a:rPr>
+              <a:t> </a:t>
+            </a:r>
+            <a:r>
+              <a:rPr lang="en-US" err="1">
                 <a:latin typeface="Times New Roman"/>
                 <a:cs typeface="Times New Roman"/>
               </a:rPr>
               <a:t>đó</a:t>
             </a:r>
             <a:r>
-              <a:rPr lang="en-US" dirty="0">
+              <a:rPr lang="en-US">
                 <a:latin typeface="Times New Roman"/>
                 <a:cs typeface="Times New Roman"/>
               </a:rPr>
               <a:t> Thrift </a:t>
             </a:r>
             <a:r>
-              <a:rPr lang="en-US" dirty="0" err="1">
+              <a:rPr lang="en-US" err="1">
                 <a:latin typeface="Times New Roman"/>
                 <a:cs typeface="Times New Roman"/>
               </a:rPr>
               <a:t>sẽ</a:t>
             </a:r>
             <a:r>
-              <a:rPr lang="en-US" dirty="0">
+              <a:rPr lang="en-US">
                 <a:latin typeface="Times New Roman"/>
                 <a:cs typeface="Times New Roman"/>
               </a:rPr>
               <a:t> build </a:t>
             </a:r>
             <a:r>
-              <a:rPr lang="en-US" dirty="0" err="1">
+              <a:rPr lang="en-US" err="1">
                 <a:latin typeface="Times New Roman"/>
                 <a:cs typeface="Times New Roman"/>
               </a:rPr>
               <a:t>ra</a:t>
             </a:r>
             <a:r>
-              <a:rPr lang="en-US" dirty="0">
+              <a:rPr lang="en-US">
                 <a:latin typeface="Times New Roman"/>
                 <a:cs typeface="Times New Roman"/>
               </a:rPr>
               <a:t> code </a:t>
             </a:r>
             <a:r>
-              <a:rPr lang="en-US" dirty="0" err="1">
+              <a:rPr lang="en-US" err="1">
                 <a:latin typeface="Times New Roman"/>
                 <a:cs typeface="Times New Roman"/>
               </a:rPr>
               <a:t>dùng</a:t>
             </a:r>
             <a:r>
-              <a:rPr lang="en-US" dirty="0">
-                <a:latin typeface="Times New Roman"/>
-                <a:cs typeface="Times New Roman"/>
-              </a:rPr>
-              <a:t> </a:t>
-            </a:r>
-            <a:r>
-              <a:rPr lang="en-US" dirty="0" err="1">
+              <a:rPr lang="en-US">
+                <a:latin typeface="Times New Roman"/>
+                <a:cs typeface="Times New Roman"/>
+              </a:rPr>
+              <a:t> </a:t>
+            </a:r>
+            <a:r>
+              <a:rPr lang="en-US" err="1">
                 <a:latin typeface="Times New Roman"/>
                 <a:cs typeface="Times New Roman"/>
               </a:rPr>
               <a:t>cho</a:t>
             </a:r>
             <a:r>
-              <a:rPr lang="en-US" dirty="0">
+              <a:rPr lang="en-US">
                 <a:latin typeface="Times New Roman"/>
                 <a:cs typeface="Times New Roman"/>
               </a:rPr>
               <a:t> client </a:t>
             </a:r>
             <a:r>
-              <a:rPr lang="en-US" dirty="0" err="1">
+              <a:rPr lang="en-US" err="1">
                 <a:latin typeface="Times New Roman"/>
                 <a:cs typeface="Times New Roman"/>
               </a:rPr>
               <a:t>và</a:t>
             </a:r>
             <a:r>
-              <a:rPr lang="en-US" dirty="0">
+              <a:rPr lang="en-US">
                 <a:latin typeface="Times New Roman"/>
                 <a:cs typeface="Times New Roman"/>
               </a:rPr>
               <a:t> server </a:t>
             </a:r>
             <a:r>
-              <a:rPr lang="en-US" dirty="0" err="1">
+              <a:rPr lang="en-US" err="1">
                 <a:latin typeface="Times New Roman"/>
                 <a:cs typeface="Times New Roman"/>
               </a:rPr>
               <a:t>theo</a:t>
             </a:r>
             <a:r>
-              <a:rPr lang="en-US" dirty="0">
-                <a:latin typeface="Times New Roman"/>
-                <a:cs typeface="Times New Roman"/>
-              </a:rPr>
-              <a:t> </a:t>
-            </a:r>
-            <a:r>
-              <a:rPr lang="en-US" dirty="0" err="1">
+              <a:rPr lang="en-US">
+                <a:latin typeface="Times New Roman"/>
+                <a:cs typeface="Times New Roman"/>
+              </a:rPr>
+              <a:t> </a:t>
+            </a:r>
+            <a:r>
+              <a:rPr lang="en-US" err="1">
                 <a:latin typeface="Times New Roman"/>
                 <a:cs typeface="Times New Roman"/>
               </a:rPr>
               <a:t>ngôn</a:t>
             </a:r>
             <a:r>
-              <a:rPr lang="en-US" dirty="0">
-                <a:latin typeface="Times New Roman"/>
-                <a:cs typeface="Times New Roman"/>
-              </a:rPr>
-              <a:t> </a:t>
-            </a:r>
-            <a:r>
-              <a:rPr lang="en-US" dirty="0" err="1">
+              <a:rPr lang="en-US">
+                <a:latin typeface="Times New Roman"/>
+                <a:cs typeface="Times New Roman"/>
+              </a:rPr>
+              <a:t> </a:t>
+            </a:r>
+            <a:r>
+              <a:rPr lang="en-US" err="1">
                 <a:latin typeface="Times New Roman"/>
                 <a:cs typeface="Times New Roman"/>
               </a:rPr>
               <a:t>ngữ</a:t>
             </a:r>
             <a:r>
-              <a:rPr lang="en-US" dirty="0">
-                <a:latin typeface="Times New Roman"/>
-                <a:cs typeface="Times New Roman"/>
-              </a:rPr>
-              <a:t> </a:t>
-            </a:r>
-            <a:r>
-              <a:rPr lang="en-US" dirty="0" err="1">
+              <a:rPr lang="en-US">
+                <a:latin typeface="Times New Roman"/>
+                <a:cs typeface="Times New Roman"/>
+              </a:rPr>
+              <a:t> </a:t>
+            </a:r>
+            <a:r>
+              <a:rPr lang="en-US" err="1">
                 <a:latin typeface="Times New Roman"/>
                 <a:cs typeface="Times New Roman"/>
               </a:rPr>
               <a:t>mà</a:t>
             </a:r>
             <a:r>
-              <a:rPr lang="en-US" dirty="0">
-                <a:latin typeface="Times New Roman"/>
-                <a:cs typeface="Times New Roman"/>
-              </a:rPr>
-              <a:t> </a:t>
-            </a:r>
-            <a:r>
-              <a:rPr lang="en-US" dirty="0" err="1">
+              <a:rPr lang="en-US">
+                <a:latin typeface="Times New Roman"/>
+                <a:cs typeface="Times New Roman"/>
+              </a:rPr>
+              <a:t> </a:t>
+            </a:r>
+            <a:r>
+              <a:rPr lang="en-US" err="1">
                 <a:latin typeface="Times New Roman"/>
                 <a:cs typeface="Times New Roman"/>
               </a:rPr>
               <a:t>chúng</a:t>
             </a:r>
             <a:r>
-              <a:rPr lang="en-US" dirty="0">
+              <a:rPr lang="en-US">
                 <a:latin typeface="Times New Roman"/>
                 <a:cs typeface="Times New Roman"/>
               </a:rPr>
               <a:t> ta </a:t>
             </a:r>
             <a:r>
-              <a:rPr lang="en-US" dirty="0" err="1">
+              <a:rPr lang="en-US" err="1">
                 <a:latin typeface="Times New Roman"/>
                 <a:cs typeface="Times New Roman"/>
               </a:rPr>
               <a:t>muốn</a:t>
             </a:r>
             <a:r>
-              <a:rPr lang="en-US" dirty="0">
+              <a:rPr lang="en-US">
                 <a:latin typeface="Times New Roman"/>
                 <a:cs typeface="Times New Roman"/>
               </a:rPr>
               <a:t>.</a:t>
             </a:r>
-            <a:endParaRPr lang="en-US" dirty="0">
+            <a:endParaRPr lang="en-US">
               <a:latin typeface="Corbel"/>
               <a:cs typeface="Times New Roman"/>
             </a:endParaRPr>
@@ -8743,83 +8995,83 @@
               <a:buNone/>
             </a:pPr>
             <a:r>
-              <a:rPr lang="en-US" dirty="0" err="1">
+              <a:rPr lang="en-US" err="1">
                 <a:latin typeface="Times New Roman"/>
                 <a:cs typeface="Times New Roman"/>
               </a:rPr>
               <a:t>Xây</a:t>
             </a:r>
             <a:r>
-              <a:rPr lang="en-US" dirty="0">
-                <a:latin typeface="Times New Roman"/>
-                <a:cs typeface="Times New Roman"/>
-              </a:rPr>
-              <a:t> </a:t>
-            </a:r>
-            <a:r>
-              <a:rPr lang="en-US" dirty="0" err="1">
+              <a:rPr lang="en-US">
+                <a:latin typeface="Times New Roman"/>
+                <a:cs typeface="Times New Roman"/>
+              </a:rPr>
+              <a:t> </a:t>
+            </a:r>
+            <a:r>
+              <a:rPr lang="en-US" err="1">
                 <a:latin typeface="Times New Roman"/>
                 <a:cs typeface="Times New Roman"/>
               </a:rPr>
               <a:t>dựng</a:t>
             </a:r>
             <a:r>
-              <a:rPr lang="en-US" dirty="0">
+              <a:rPr lang="en-US">
                 <a:latin typeface="Times New Roman"/>
                 <a:cs typeface="Times New Roman"/>
               </a:rPr>
               <a:t> client </a:t>
             </a:r>
             <a:r>
-              <a:rPr lang="en-US" dirty="0" err="1">
+              <a:rPr lang="en-US" err="1">
                 <a:latin typeface="Times New Roman"/>
                 <a:cs typeface="Times New Roman"/>
               </a:rPr>
               <a:t>và</a:t>
             </a:r>
             <a:r>
-              <a:rPr lang="en-US" dirty="0">
+              <a:rPr lang="en-US">
                 <a:latin typeface="Times New Roman"/>
                 <a:cs typeface="Times New Roman"/>
               </a:rPr>
               <a:t> server </a:t>
             </a:r>
             <a:r>
-              <a:rPr lang="en-US" dirty="0" err="1">
+              <a:rPr lang="en-US" err="1">
                 <a:latin typeface="Times New Roman"/>
                 <a:cs typeface="Times New Roman"/>
               </a:rPr>
               <a:t>từ</a:t>
             </a:r>
             <a:r>
-              <a:rPr lang="en-US" dirty="0">
+              <a:rPr lang="en-US">
                 <a:latin typeface="Times New Roman"/>
                 <a:cs typeface="Times New Roman"/>
               </a:rPr>
               <a:t> code </a:t>
             </a:r>
             <a:r>
-              <a:rPr lang="en-US" dirty="0" err="1">
+              <a:rPr lang="en-US" err="1">
                 <a:latin typeface="Times New Roman"/>
                 <a:cs typeface="Times New Roman"/>
               </a:rPr>
               <a:t>được</a:t>
             </a:r>
             <a:r>
-              <a:rPr lang="en-US" dirty="0">
+              <a:rPr lang="en-US">
                 <a:latin typeface="Times New Roman"/>
                 <a:cs typeface="Times New Roman"/>
               </a:rPr>
               <a:t> Thrift build </a:t>
             </a:r>
             <a:r>
-              <a:rPr lang="en-US" dirty="0" err="1">
+              <a:rPr lang="en-US" err="1">
                 <a:latin typeface="Times New Roman"/>
                 <a:cs typeface="Times New Roman"/>
               </a:rPr>
               <a:t>ra.</a:t>
             </a:r>
-            <a:endParaRPr lang="en-US" dirty="0" err="1">
+            <a:endParaRPr lang="en-US" err="1">
               <a:latin typeface="Corbel"/>
               <a:cs typeface="Times New Roman"/>
             </a:endParaRPr>
@@ -8829,217 +9081,217 @@
               <a:buNone/>
             </a:pPr>
             <a:r>
-              <a:rPr lang="en-US" dirty="0">
+              <a:rPr lang="en-US">
                 <a:latin typeface="Times New Roman"/>
                 <a:cs typeface="Times New Roman"/>
               </a:rPr>
               <a:t>Client </a:t>
             </a:r>
             <a:r>
-              <a:rPr lang="en-US" dirty="0" err="1">
+              <a:rPr lang="en-US" err="1">
                 <a:latin typeface="Times New Roman"/>
                 <a:cs typeface="Times New Roman"/>
               </a:rPr>
               <a:t>có</a:t>
             </a:r>
             <a:r>
-              <a:rPr lang="en-US" dirty="0">
-                <a:latin typeface="Times New Roman"/>
-                <a:cs typeface="Times New Roman"/>
-              </a:rPr>
-              <a:t> </a:t>
-            </a:r>
-            <a:r>
-              <a:rPr lang="en-US" dirty="0" err="1">
+              <a:rPr lang="en-US">
+                <a:latin typeface="Times New Roman"/>
+                <a:cs typeface="Times New Roman"/>
+              </a:rPr>
+              <a:t> </a:t>
+            </a:r>
+            <a:r>
+              <a:rPr lang="en-US" err="1">
                 <a:latin typeface="Times New Roman"/>
                 <a:cs typeface="Times New Roman"/>
               </a:rPr>
               <a:t>thể</a:t>
             </a:r>
             <a:r>
-              <a:rPr lang="en-US" dirty="0">
-                <a:latin typeface="Times New Roman"/>
-                <a:cs typeface="Times New Roman"/>
-              </a:rPr>
-              <a:t> </a:t>
-            </a:r>
-            <a:r>
-              <a:rPr lang="en-US" dirty="0" err="1">
+              <a:rPr lang="en-US">
+                <a:latin typeface="Times New Roman"/>
+                <a:cs typeface="Times New Roman"/>
+              </a:rPr>
+              <a:t> </a:t>
+            </a:r>
+            <a:r>
+              <a:rPr lang="en-US" err="1">
                 <a:latin typeface="Times New Roman"/>
                 <a:cs typeface="Times New Roman"/>
               </a:rPr>
               <a:t>gọi</a:t>
             </a:r>
             <a:r>
-              <a:rPr lang="en-US" dirty="0">
-                <a:latin typeface="Times New Roman"/>
-                <a:cs typeface="Times New Roman"/>
-              </a:rPr>
-              <a:t> </a:t>
-            </a:r>
-            <a:r>
-              <a:rPr lang="en-US" dirty="0" err="1">
+              <a:rPr lang="en-US">
+                <a:latin typeface="Times New Roman"/>
+                <a:cs typeface="Times New Roman"/>
+              </a:rPr>
+              <a:t> </a:t>
+            </a:r>
+            <a:r>
+              <a:rPr lang="en-US" err="1">
                 <a:latin typeface="Times New Roman"/>
                 <a:cs typeface="Times New Roman"/>
               </a:rPr>
               <a:t>hàm</a:t>
             </a:r>
             <a:r>
-              <a:rPr lang="en-US" dirty="0">
-                <a:latin typeface="Times New Roman"/>
-                <a:cs typeface="Times New Roman"/>
-              </a:rPr>
-              <a:t> </a:t>
-            </a:r>
-            <a:r>
-              <a:rPr lang="en-US" dirty="0" err="1">
+              <a:rPr lang="en-US">
+                <a:latin typeface="Times New Roman"/>
+                <a:cs typeface="Times New Roman"/>
+              </a:rPr>
+              <a:t> </a:t>
+            </a:r>
+            <a:r>
+              <a:rPr lang="en-US" err="1">
                 <a:latin typeface="Times New Roman"/>
                 <a:cs typeface="Times New Roman"/>
               </a:rPr>
               <a:t>được</a:t>
             </a:r>
             <a:r>
-              <a:rPr lang="en-US" dirty="0">
-                <a:latin typeface="Times New Roman"/>
-                <a:cs typeface="Times New Roman"/>
-              </a:rPr>
-              <a:t> </a:t>
-            </a:r>
-            <a:r>
-              <a:rPr lang="en-US" dirty="0" err="1">
+              <a:rPr lang="en-US">
+                <a:latin typeface="Times New Roman"/>
+                <a:cs typeface="Times New Roman"/>
+              </a:rPr>
+              <a:t> </a:t>
+            </a:r>
+            <a:r>
+              <a:rPr lang="en-US" err="1">
                 <a:latin typeface="Times New Roman"/>
                 <a:cs typeface="Times New Roman"/>
               </a:rPr>
               <a:t>triển</a:t>
             </a:r>
             <a:r>
-              <a:rPr lang="en-US" dirty="0">
-                <a:latin typeface="Times New Roman"/>
-                <a:cs typeface="Times New Roman"/>
-              </a:rPr>
-              <a:t> </a:t>
-            </a:r>
-            <a:r>
-              <a:rPr lang="en-US" dirty="0" err="1">
+              <a:rPr lang="en-US">
+                <a:latin typeface="Times New Roman"/>
+                <a:cs typeface="Times New Roman"/>
+              </a:rPr>
+              <a:t> </a:t>
+            </a:r>
+            <a:r>
+              <a:rPr lang="en-US" err="1">
                 <a:latin typeface="Times New Roman"/>
                 <a:cs typeface="Times New Roman"/>
               </a:rPr>
               <a:t>khai</a:t>
             </a:r>
             <a:r>
-              <a:rPr lang="en-US" dirty="0">
-                <a:latin typeface="Times New Roman"/>
-                <a:cs typeface="Times New Roman"/>
-              </a:rPr>
-              <a:t> </a:t>
-            </a:r>
-            <a:r>
-              <a:rPr lang="en-US" dirty="0" err="1">
+              <a:rPr lang="en-US">
+                <a:latin typeface="Times New Roman"/>
+                <a:cs typeface="Times New Roman"/>
+              </a:rPr>
+              <a:t> </a:t>
+            </a:r>
+            <a:r>
+              <a:rPr lang="en-US" err="1">
                 <a:latin typeface="Times New Roman"/>
                 <a:cs typeface="Times New Roman"/>
               </a:rPr>
               <a:t>trong</a:t>
             </a:r>
             <a:r>
-              <a:rPr lang="en-US" dirty="0">
+              <a:rPr lang="en-US">
                 <a:latin typeface="Times New Roman"/>
                 <a:cs typeface="Times New Roman"/>
               </a:rPr>
               <a:t> server (</a:t>
             </a:r>
             <a:r>
-              <a:rPr lang="en-US" dirty="0" err="1">
+              <a:rPr lang="en-US" err="1">
                 <a:latin typeface="Times New Roman"/>
                 <a:cs typeface="Times New Roman"/>
               </a:rPr>
               <a:t>hàm</a:t>
             </a:r>
             <a:r>
-              <a:rPr lang="en-US" dirty="0">
-                <a:latin typeface="Times New Roman"/>
-                <a:cs typeface="Times New Roman"/>
-              </a:rPr>
-              <a:t> </a:t>
-            </a:r>
-            <a:r>
-              <a:rPr lang="en-US" dirty="0" err="1">
+              <a:rPr lang="en-US">
+                <a:latin typeface="Times New Roman"/>
+                <a:cs typeface="Times New Roman"/>
+              </a:rPr>
+              <a:t> </a:t>
+            </a:r>
+            <a:r>
+              <a:rPr lang="en-US" err="1">
                 <a:latin typeface="Times New Roman"/>
                 <a:cs typeface="Times New Roman"/>
               </a:rPr>
               <a:t>đã</a:t>
             </a:r>
             <a:r>
-              <a:rPr lang="en-US" dirty="0">
-                <a:latin typeface="Times New Roman"/>
-                <a:cs typeface="Times New Roman"/>
-              </a:rPr>
-              <a:t> </a:t>
-            </a:r>
-            <a:r>
-              <a:rPr lang="en-US" dirty="0" err="1">
+              <a:rPr lang="en-US">
+                <a:latin typeface="Times New Roman"/>
+                <a:cs typeface="Times New Roman"/>
+              </a:rPr>
+              <a:t> </a:t>
+            </a:r>
+            <a:r>
+              <a:rPr lang="en-US" err="1">
                 <a:latin typeface="Times New Roman"/>
                 <a:cs typeface="Times New Roman"/>
               </a:rPr>
               <a:t>được</a:t>
             </a:r>
             <a:r>
-              <a:rPr lang="en-US" dirty="0">
-                <a:latin typeface="Times New Roman"/>
-                <a:cs typeface="Times New Roman"/>
-              </a:rPr>
-              <a:t> </a:t>
-            </a:r>
-            <a:r>
-              <a:rPr lang="en-US" dirty="0" err="1">
+              <a:rPr lang="en-US">
+                <a:latin typeface="Times New Roman"/>
+                <a:cs typeface="Times New Roman"/>
+              </a:rPr>
+              <a:t> </a:t>
+            </a:r>
+            <a:r>
+              <a:rPr lang="en-US" err="1">
                 <a:latin typeface="Times New Roman"/>
                 <a:cs typeface="Times New Roman"/>
               </a:rPr>
               <a:t>định</a:t>
             </a:r>
             <a:r>
-              <a:rPr lang="en-US" dirty="0">
-                <a:latin typeface="Times New Roman"/>
-                <a:cs typeface="Times New Roman"/>
-              </a:rPr>
-              <a:t> </a:t>
-            </a:r>
-            <a:r>
-              <a:rPr lang="en-US" dirty="0" err="1">
+              <a:rPr lang="en-US">
+                <a:latin typeface="Times New Roman"/>
+                <a:cs typeface="Times New Roman"/>
+              </a:rPr>
+              <a:t> </a:t>
+            </a:r>
+            <a:r>
+              <a:rPr lang="en-US" err="1">
                 <a:latin typeface="Times New Roman"/>
                 <a:cs typeface="Times New Roman"/>
               </a:rPr>
               <a:t>nghĩa</a:t>
             </a:r>
             <a:r>
-              <a:rPr lang="en-US" dirty="0">
-                <a:latin typeface="Times New Roman"/>
-                <a:cs typeface="Times New Roman"/>
-              </a:rPr>
-              <a:t> </a:t>
-            </a:r>
-            <a:r>
-              <a:rPr lang="en-US" dirty="0" err="1">
+              <a:rPr lang="en-US">
+                <a:latin typeface="Times New Roman"/>
+                <a:cs typeface="Times New Roman"/>
+              </a:rPr>
+              <a:t> </a:t>
+            </a:r>
+            <a:r>
+              <a:rPr lang="en-US" err="1">
                 <a:latin typeface="Times New Roman"/>
                 <a:cs typeface="Times New Roman"/>
               </a:rPr>
               <a:t>bằng</a:t>
             </a:r>
             <a:r>
-              <a:rPr lang="en-US" dirty="0">
+              <a:rPr lang="en-US">
                 <a:latin typeface="Times New Roman"/>
                 <a:cs typeface="Times New Roman"/>
               </a:rPr>
               <a:t> Thrift ở </a:t>
             </a:r>
             <a:r>
-              <a:rPr lang="en-US" dirty="0" err="1">
+              <a:rPr lang="en-US" err="1">
                 <a:latin typeface="Times New Roman"/>
                 <a:cs typeface="Times New Roman"/>
               </a:rPr>
               <a:t>trên</a:t>
             </a:r>
             <a:r>
-              <a:rPr lang="en-US" dirty="0">
+              <a:rPr lang="en-US">
                 <a:latin typeface="Times New Roman"/>
                 <a:cs typeface="Times New Roman"/>
               </a:rPr>
@@ -9059,6 +9311,18 @@
   <p:clrMapOvr>
     <a:masterClrMapping/>
   </p:clrMapOvr>
+  <mc:AlternateContent xmlns:mc="http://schemas.openxmlformats.org/markup-compatibility/2006" xmlns:p14="http://schemas.microsoft.com/office/powerpoint/2010/main">
+    <mc:Choice Requires="p14">
+      <p:transition spd="med" p14:dur="700">
+        <p:fade/>
+      </p:transition>
+    </mc:Choice>
+    <mc:Fallback xmlns="">
+      <p:transition spd="med">
+        <p:fade/>
+      </p:transition>
+    </mc:Fallback>
+  </mc:AlternateContent>
 </p:sld>
 </file>
 
@@ -10145,18 +10409,18 @@
           <a:lstStyle/>
           <a:p>
             <a:r>
-              <a:rPr lang="en-US" sz="6000" dirty="0" err="1"/>
+              <a:rPr lang="en-US" sz="6000" err="1"/>
               <a:t>Cấu</a:t>
             </a:r>
             <a:r>
-              <a:rPr lang="en-US" sz="6000" dirty="0"/>
-              <a:t> </a:t>
-            </a:r>
-            <a:r>
-              <a:rPr lang="en-US" sz="6000" dirty="0" err="1"/>
+              <a:rPr lang="en-US" sz="6000"/>
+              <a:t> </a:t>
+            </a:r>
+            <a:r>
+              <a:rPr lang="en-US" sz="6000" err="1"/>
               <a:t>trúc</a:t>
             </a:r>
-            <a:endParaRPr lang="en-US" dirty="0" err="1"/>
+            <a:endParaRPr lang="en-US" err="1"/>
           </a:p>
         </p:txBody>
       </p:sp>
@@ -10192,123 +10456,123 @@
               <a:buNone/>
             </a:pPr>
             <a:r>
-              <a:rPr lang="en-US" sz="2100" dirty="0" err="1"/>
+              <a:rPr lang="en-US" sz="2100" err="1"/>
               <a:t>Trên</a:t>
             </a:r>
             <a:r>
-              <a:rPr lang="en-US" sz="2100" dirty="0"/>
-              <a:t> </a:t>
-            </a:r>
-            <a:r>
-              <a:rPr lang="en-US" sz="2100" dirty="0" err="1"/>
+              <a:rPr lang="en-US" sz="2100"/>
+              <a:t> </a:t>
+            </a:r>
+            <a:r>
+              <a:rPr lang="en-US" sz="2100" err="1"/>
               <a:t>cùng</a:t>
             </a:r>
             <a:r>
-              <a:rPr lang="en-US" sz="2100" dirty="0"/>
-              <a:t> </a:t>
-            </a:r>
-            <a:r>
-              <a:rPr lang="en-US" sz="2100" dirty="0" err="1"/>
+              <a:rPr lang="en-US" sz="2100"/>
+              <a:t> </a:t>
+            </a:r>
+            <a:r>
+              <a:rPr lang="en-US" sz="2100" err="1"/>
               <a:t>là</a:t>
             </a:r>
             <a:r>
-              <a:rPr lang="en-US" sz="2100" dirty="0"/>
+              <a:rPr lang="en-US" sz="2100"/>
               <a:t> code </a:t>
             </a:r>
             <a:r>
-              <a:rPr lang="en-US" sz="2100" dirty="0" err="1"/>
+              <a:rPr lang="en-US" sz="2100" err="1"/>
               <a:t>chúng</a:t>
             </a:r>
             <a:r>
-              <a:rPr lang="en-US" sz="2100" dirty="0"/>
+              <a:rPr lang="en-US" sz="2100"/>
               <a:t> ta </a:t>
             </a:r>
             <a:r>
-              <a:rPr lang="en-US" sz="2100" dirty="0" err="1"/>
+              <a:rPr lang="en-US" sz="2100" err="1"/>
               <a:t>định</a:t>
             </a:r>
             <a:r>
-              <a:rPr lang="en-US" sz="2100" dirty="0"/>
-              <a:t> </a:t>
-            </a:r>
-            <a:r>
-              <a:rPr lang="en-US" sz="2100" dirty="0" err="1"/>
+              <a:rPr lang="en-US" sz="2100"/>
+              <a:t> </a:t>
+            </a:r>
+            <a:r>
+              <a:rPr lang="en-US" sz="2100" err="1"/>
               <a:t>nghĩa</a:t>
             </a:r>
             <a:r>
-              <a:rPr lang="en-US" sz="2100" dirty="0"/>
-              <a:t> </a:t>
-            </a:r>
-            <a:r>
-              <a:rPr lang="en-US" sz="2100" dirty="0" err="1"/>
+              <a:rPr lang="en-US" sz="2100"/>
+              <a:t> </a:t>
+            </a:r>
+            <a:r>
+              <a:rPr lang="en-US" sz="2100" err="1"/>
               <a:t>các</a:t>
             </a:r>
             <a:r>
-              <a:rPr lang="en-US" sz="2100" dirty="0"/>
-              <a:t> </a:t>
-            </a:r>
-            <a:r>
-              <a:rPr lang="en-US" sz="2100" dirty="0" err="1"/>
+              <a:rPr lang="en-US" sz="2100"/>
+              <a:t> </a:t>
+            </a:r>
+            <a:r>
+              <a:rPr lang="en-US" sz="2100" err="1"/>
               <a:t>cấu</a:t>
             </a:r>
             <a:r>
-              <a:rPr lang="en-US" sz="2100" dirty="0"/>
-              <a:t> </a:t>
-            </a:r>
-            <a:r>
-              <a:rPr lang="en-US" sz="2100" dirty="0" err="1"/>
+              <a:rPr lang="en-US" sz="2100"/>
+              <a:t> </a:t>
+            </a:r>
+            <a:r>
+              <a:rPr lang="en-US" sz="2100" err="1"/>
               <a:t>trúc</a:t>
             </a:r>
             <a:r>
-              <a:rPr lang="en-US" sz="2100" dirty="0"/>
-              <a:t> </a:t>
-            </a:r>
-            <a:r>
-              <a:rPr lang="en-US" sz="2100" dirty="0" err="1"/>
+              <a:rPr lang="en-US" sz="2100"/>
+              <a:t> </a:t>
+            </a:r>
+            <a:r>
+              <a:rPr lang="en-US" sz="2100" err="1"/>
               <a:t>dữ</a:t>
             </a:r>
             <a:r>
-              <a:rPr lang="en-US" sz="2100" dirty="0"/>
-              <a:t> </a:t>
-            </a:r>
-            <a:r>
-              <a:rPr lang="en-US" sz="2100" dirty="0" err="1"/>
+              <a:rPr lang="en-US" sz="2100"/>
+              <a:t> </a:t>
+            </a:r>
+            <a:r>
+              <a:rPr lang="en-US" sz="2100" err="1"/>
               <a:t>liệu</a:t>
             </a:r>
             <a:r>
-              <a:rPr lang="en-US" sz="2100" dirty="0"/>
-              <a:t> </a:t>
-            </a:r>
-            <a:r>
-              <a:rPr lang="en-US" sz="2100" dirty="0" err="1"/>
+              <a:rPr lang="en-US" sz="2100"/>
+              <a:t> </a:t>
+            </a:r>
+            <a:r>
+              <a:rPr lang="en-US" sz="2100" err="1"/>
               <a:t>và</a:t>
             </a:r>
             <a:r>
-              <a:rPr lang="en-US" sz="2100" dirty="0"/>
+              <a:rPr lang="en-US" sz="2100"/>
               <a:t> interface </a:t>
             </a:r>
             <a:r>
-              <a:rPr lang="en-US" sz="2100" dirty="0" err="1"/>
+              <a:rPr lang="en-US" sz="2100" err="1"/>
               <a:t>của</a:t>
             </a:r>
             <a:r>
-              <a:rPr lang="en-US" sz="2100" dirty="0"/>
-              <a:t> </a:t>
-            </a:r>
-            <a:r>
-              <a:rPr lang="en-US" sz="2100" dirty="0" err="1"/>
+              <a:rPr lang="en-US" sz="2100"/>
+              <a:t> </a:t>
+            </a:r>
+            <a:r>
+              <a:rPr lang="en-US" sz="2100" err="1"/>
               <a:t>phương</a:t>
             </a:r>
             <a:r>
-              <a:rPr lang="en-US" sz="2100" dirty="0"/>
-              <a:t> </a:t>
-            </a:r>
-            <a:r>
-              <a:rPr lang="en-US" sz="2100" dirty="0" err="1"/>
+              <a:rPr lang="en-US" sz="2100"/>
+              <a:t> </a:t>
+            </a:r>
+            <a:r>
+              <a:rPr lang="en-US" sz="2100" err="1"/>
               <a:t>thức</a:t>
             </a:r>
             <a:r>
-              <a:rPr lang="en-US" sz="2100" dirty="0"/>
+              <a:rPr lang="en-US" sz="2100"/>
               <a:t>.</a:t>
             </a:r>
           </a:p>
@@ -10317,51 +10581,51 @@
               <a:buNone/>
             </a:pPr>
             <a:r>
-              <a:rPr lang="en-US" sz="2100" dirty="0" err="1"/>
+              <a:rPr lang="en-US" sz="2100" err="1"/>
               <a:t>Tiếp</a:t>
             </a:r>
             <a:r>
-              <a:rPr lang="en-US" sz="2100" dirty="0"/>
-              <a:t> </a:t>
-            </a:r>
-            <a:r>
-              <a:rPr lang="en-US" sz="2100" dirty="0" err="1"/>
+              <a:rPr lang="en-US" sz="2100"/>
+              <a:t> </a:t>
+            </a:r>
+            <a:r>
+              <a:rPr lang="en-US" sz="2100" err="1"/>
               <a:t>theo</a:t>
             </a:r>
             <a:r>
-              <a:rPr lang="en-US" sz="2100" dirty="0"/>
-              <a:t> </a:t>
-            </a:r>
-            <a:r>
-              <a:rPr lang="en-US" sz="2100" dirty="0" err="1"/>
+              <a:rPr lang="en-US" sz="2100"/>
+              <a:t> </a:t>
+            </a:r>
+            <a:r>
+              <a:rPr lang="en-US" sz="2100" err="1"/>
               <a:t>là</a:t>
             </a:r>
             <a:r>
-              <a:rPr lang="en-US" sz="2100" dirty="0"/>
-              <a:t> </a:t>
-            </a:r>
-            <a:r>
-              <a:rPr lang="en-US" sz="2100" dirty="0" err="1"/>
+              <a:rPr lang="en-US" sz="2100"/>
+              <a:t> </a:t>
+            </a:r>
+            <a:r>
+              <a:rPr lang="en-US" sz="2100" err="1"/>
               <a:t>quá</a:t>
             </a:r>
             <a:r>
-              <a:rPr lang="en-US" sz="2100" dirty="0"/>
-              <a:t> </a:t>
-            </a:r>
-            <a:r>
-              <a:rPr lang="en-US" sz="2100" dirty="0" err="1"/>
+              <a:rPr lang="en-US" sz="2100"/>
+              <a:t> </a:t>
+            </a:r>
+            <a:r>
+              <a:rPr lang="en-US" sz="2100" err="1"/>
               <a:t>trình</a:t>
             </a:r>
             <a:r>
-              <a:rPr lang="en-US" sz="2100" dirty="0"/>
+              <a:rPr lang="en-US" sz="2100"/>
               <a:t> gen code </a:t>
             </a:r>
             <a:r>
-              <a:rPr lang="en-US" sz="2100" dirty="0" err="1"/>
+              <a:rPr lang="en-US" sz="2100" err="1"/>
               <a:t>của</a:t>
             </a:r>
             <a:r>
-              <a:rPr lang="en-US" sz="2100" dirty="0"/>
+              <a:rPr lang="en-US" sz="2100"/>
               <a:t> thrift</a:t>
             </a:r>
           </a:p>
@@ -10370,155 +10634,155 @@
               <a:buNone/>
             </a:pPr>
             <a:r>
-              <a:rPr lang="en-US" sz="2100" dirty="0" err="1"/>
+              <a:rPr lang="en-US" sz="2100" err="1"/>
               <a:t>Tiếp</a:t>
             </a:r>
             <a:r>
-              <a:rPr lang="en-US" sz="2100" dirty="0"/>
-              <a:t> </a:t>
-            </a:r>
-            <a:r>
-              <a:rPr lang="en-US" sz="2100" dirty="0" err="1"/>
+              <a:rPr lang="en-US" sz="2100"/>
+              <a:t> </a:t>
+            </a:r>
+            <a:r>
+              <a:rPr lang="en-US" sz="2100" err="1"/>
               <a:t>theo</a:t>
             </a:r>
             <a:r>
-              <a:rPr lang="en-US" sz="2100" dirty="0"/>
-              <a:t> </a:t>
-            </a:r>
-            <a:r>
-              <a:rPr lang="en-US" sz="2100" dirty="0" err="1"/>
+              <a:rPr lang="en-US" sz="2100"/>
+              <a:t> </a:t>
+            </a:r>
+            <a:r>
+              <a:rPr lang="en-US" sz="2100" err="1"/>
               <a:t>là</a:t>
             </a:r>
             <a:r>
-              <a:rPr lang="en-US" sz="2100" dirty="0"/>
-              <a:t> </a:t>
-            </a:r>
-            <a:r>
-              <a:rPr lang="en-US" sz="2100" dirty="0" err="1"/>
+              <a:rPr lang="en-US" sz="2100"/>
+              <a:t> </a:t>
+            </a:r>
+            <a:r>
+              <a:rPr lang="en-US" sz="2100" err="1"/>
               <a:t>các</a:t>
             </a:r>
             <a:r>
-              <a:rPr lang="en-US" sz="2100" dirty="0"/>
-              <a:t> </a:t>
-            </a:r>
-            <a:r>
-              <a:rPr lang="en-US" sz="2100" dirty="0" err="1"/>
+              <a:rPr lang="en-US" sz="2100"/>
+              <a:t> </a:t>
+            </a:r>
+            <a:r>
+              <a:rPr lang="en-US" sz="2100" err="1"/>
               <a:t>bước</a:t>
             </a:r>
             <a:r>
-              <a:rPr lang="en-US" sz="2100" dirty="0"/>
+              <a:rPr lang="en-US" sz="2100"/>
               <a:t> </a:t>
             </a:r>
             <a:r>
-              <a:rPr lang="en-US" sz="2100" dirty="0" err="1"/>
+              <a:rPr lang="en-US" sz="2100" err="1"/>
               <a:t>cài</a:t>
             </a:r>
             <a:r>
-              <a:rPr lang="en-US" sz="2100" dirty="0"/>
+              <a:rPr lang="en-US" sz="2100"/>
               <a:t> </a:t>
             </a:r>
             <a:r>
-              <a:rPr lang="en-US" sz="2100" dirty="0" err="1"/>
+              <a:rPr lang="en-US" sz="2100" err="1"/>
               <a:t>đặt</a:t>
             </a:r>
             <a:r>
-              <a:rPr lang="en-US" sz="2100" dirty="0"/>
+              <a:rPr lang="en-US" sz="2100"/>
               <a:t> protocol </a:t>
             </a:r>
             <a:r>
-              <a:rPr lang="en-US" sz="2100" dirty="0" err="1"/>
+              <a:rPr lang="en-US" sz="2100" err="1"/>
               <a:t>và</a:t>
             </a:r>
             <a:r>
-              <a:rPr lang="en-US" sz="2100" dirty="0"/>
+              <a:rPr lang="en-US" sz="2100"/>
               <a:t> transport </a:t>
             </a:r>
             <a:r>
-              <a:rPr lang="en-US" sz="2100" dirty="0" err="1"/>
+              <a:rPr lang="en-US" sz="2100" err="1"/>
               <a:t>được</a:t>
             </a:r>
             <a:r>
-              <a:rPr lang="en-US" sz="2100" dirty="0"/>
-              <a:t> </a:t>
-            </a:r>
-            <a:r>
-              <a:rPr lang="en-US" sz="2100" dirty="0" err="1"/>
+              <a:rPr lang="en-US" sz="2100"/>
+              <a:t> </a:t>
+            </a:r>
+            <a:r>
+              <a:rPr lang="en-US" sz="2100" err="1"/>
               <a:t>thực</a:t>
             </a:r>
             <a:r>
-              <a:rPr lang="en-US" sz="2100" dirty="0"/>
-              <a:t> </a:t>
-            </a:r>
-            <a:r>
-              <a:rPr lang="en-US" sz="2100" dirty="0" err="1"/>
+              <a:rPr lang="en-US" sz="2100"/>
+              <a:t> </a:t>
+            </a:r>
+            <a:r>
+              <a:rPr lang="en-US" sz="2100" err="1"/>
               <a:t>hiện</a:t>
             </a:r>
             <a:r>
-              <a:rPr lang="en-US" sz="2100" dirty="0"/>
+              <a:rPr lang="en-US" sz="2100"/>
               <a:t>. (</a:t>
             </a:r>
             <a:r>
-              <a:rPr lang="en-US" sz="2100" dirty="0" err="1"/>
+              <a:rPr lang="en-US" sz="2100" err="1"/>
               <a:t>Có</a:t>
             </a:r>
             <a:r>
-              <a:rPr lang="en-US" sz="2100" dirty="0"/>
-              <a:t> </a:t>
-            </a:r>
-            <a:r>
-              <a:rPr lang="en-US" sz="2100" dirty="0" err="1"/>
+              <a:rPr lang="en-US" sz="2100"/>
+              <a:t> </a:t>
+            </a:r>
+            <a:r>
+              <a:rPr lang="en-US" sz="2100" err="1"/>
               <a:t>thể</a:t>
             </a:r>
             <a:r>
-              <a:rPr lang="en-US" sz="2100" dirty="0"/>
-              <a:t> </a:t>
-            </a:r>
-            <a:r>
-              <a:rPr lang="en-US" sz="2100" dirty="0" err="1"/>
+              <a:rPr lang="en-US" sz="2100"/>
+              <a:t> </a:t>
+            </a:r>
+            <a:r>
+              <a:rPr lang="en-US" sz="2100" err="1"/>
               <a:t>hiệu</a:t>
             </a:r>
             <a:r>
-              <a:rPr lang="en-US" sz="2100" dirty="0"/>
-              <a:t> </a:t>
-            </a:r>
-            <a:r>
-              <a:rPr lang="en-US" sz="2100" dirty="0" err="1"/>
+              <a:rPr lang="en-US" sz="2100"/>
+              <a:t> </a:t>
+            </a:r>
+            <a:r>
+              <a:rPr lang="en-US" sz="2100" err="1"/>
               <a:t>chỉnh</a:t>
             </a:r>
             <a:r>
-              <a:rPr lang="en-US" sz="2100" dirty="0"/>
-              <a:t> </a:t>
-            </a:r>
-            <a:r>
-              <a:rPr lang="en-US" sz="2100" dirty="0" err="1"/>
+              <a:rPr lang="en-US" sz="2100"/>
+              <a:t> </a:t>
+            </a:r>
+            <a:r>
+              <a:rPr lang="en-US" sz="2100" err="1"/>
               <a:t>mà</a:t>
             </a:r>
             <a:r>
-              <a:rPr lang="en-US" sz="2100" dirty="0"/>
-              <a:t> </a:t>
-            </a:r>
-            <a:r>
-              <a:rPr lang="en-US" sz="2100" dirty="0" err="1"/>
+              <a:rPr lang="en-US" sz="2100"/>
+              <a:t> </a:t>
+            </a:r>
+            <a:r>
+              <a:rPr lang="en-US" sz="2100" err="1"/>
               <a:t>không</a:t>
             </a:r>
             <a:r>
-              <a:rPr lang="en-US" sz="2100" dirty="0"/>
-              <a:t> </a:t>
-            </a:r>
-            <a:r>
-              <a:rPr lang="en-US" sz="2100" dirty="0" err="1"/>
+              <a:rPr lang="en-US" sz="2100"/>
+              <a:t> </a:t>
+            </a:r>
+            <a:r>
+              <a:rPr lang="en-US" sz="2100" err="1"/>
               <a:t>cần</a:t>
             </a:r>
             <a:r>
-              <a:rPr lang="en-US" sz="2100" dirty="0"/>
+              <a:rPr lang="en-US" sz="2100"/>
               <a:t> gen </a:t>
             </a:r>
             <a:r>
-              <a:rPr lang="en-US" sz="2100" dirty="0" err="1"/>
+              <a:rPr lang="en-US" sz="2100" err="1"/>
               <a:t>lại</a:t>
             </a:r>
             <a:r>
-              <a:rPr lang="en-US" sz="2100" dirty="0"/>
+              <a:rPr lang="en-US" sz="2100"/>
               <a:t> code)</a:t>
             </a:r>
           </a:p>
@@ -10527,59 +10791,59 @@
               <a:buNone/>
             </a:pPr>
             <a:r>
-              <a:rPr lang="en-US" sz="2100" dirty="0" err="1"/>
+              <a:rPr lang="en-US" sz="2100" err="1"/>
               <a:t>Cuối</a:t>
             </a:r>
             <a:r>
-              <a:rPr lang="en-US" sz="2100" dirty="0"/>
-              <a:t> </a:t>
-            </a:r>
-            <a:r>
-              <a:rPr lang="en-US" sz="2100" dirty="0" err="1"/>
+              <a:rPr lang="en-US" sz="2100"/>
+              <a:t> </a:t>
+            </a:r>
+            <a:r>
+              <a:rPr lang="en-US" sz="2100" err="1"/>
               <a:t>cùng</a:t>
             </a:r>
             <a:r>
-              <a:rPr lang="en-US" sz="2100" dirty="0"/>
-              <a:t> </a:t>
-            </a:r>
-            <a:r>
-              <a:rPr lang="en-US" sz="2100" dirty="0" err="1"/>
+              <a:rPr lang="en-US" sz="2100"/>
+              <a:t> </a:t>
+            </a:r>
+            <a:r>
+              <a:rPr lang="en-US" sz="2100" err="1"/>
               <a:t>là</a:t>
             </a:r>
             <a:r>
-              <a:rPr lang="en-US" sz="2100" dirty="0"/>
-              <a:t> </a:t>
-            </a:r>
-            <a:r>
-              <a:rPr lang="en-US" sz="2100" dirty="0" err="1"/>
+              <a:rPr lang="en-US" sz="2100"/>
+              <a:t> </a:t>
+            </a:r>
+            <a:r>
+              <a:rPr lang="en-US" sz="2100" err="1"/>
               <a:t>triển</a:t>
             </a:r>
             <a:r>
-              <a:rPr lang="en-US" sz="2100" dirty="0"/>
-              <a:t> </a:t>
-            </a:r>
-            <a:r>
-              <a:rPr lang="en-US" sz="2100" dirty="0" err="1"/>
+              <a:rPr lang="en-US" sz="2100"/>
+              <a:t> </a:t>
+            </a:r>
+            <a:r>
+              <a:rPr lang="en-US" sz="2100" err="1"/>
               <a:t>khai</a:t>
             </a:r>
             <a:r>
-              <a:rPr lang="en-US" sz="2100" dirty="0"/>
-              <a:t> </a:t>
-            </a:r>
-            <a:r>
-              <a:rPr lang="en-US" sz="2100" dirty="0" err="1"/>
+              <a:rPr lang="en-US" sz="2100"/>
+              <a:t> </a:t>
+            </a:r>
+            <a:r>
+              <a:rPr lang="en-US" sz="2100" err="1"/>
               <a:t>loại</a:t>
             </a:r>
             <a:r>
-              <a:rPr lang="en-US" sz="2100" dirty="0"/>
-              <a:t> </a:t>
-            </a:r>
-            <a:r>
-              <a:rPr lang="en-US" sz="2100" dirty="0" err="1"/>
+              <a:rPr lang="en-US" sz="2100"/>
+              <a:t> </a:t>
+            </a:r>
+            <a:r>
+              <a:rPr lang="en-US" sz="2100" err="1"/>
               <a:t>hình</a:t>
             </a:r>
             <a:r>
-              <a:rPr lang="en-US" sz="2100" dirty="0"/>
+              <a:rPr lang="en-US" sz="2100"/>
               <a:t> server</a:t>
             </a:r>
           </a:p>
@@ -10595,6 +10859,18 @@
   <p:clrMapOvr>
     <a:masterClrMapping/>
   </p:clrMapOvr>
+  <mc:AlternateContent xmlns:mc="http://schemas.openxmlformats.org/markup-compatibility/2006" xmlns:p14="http://schemas.microsoft.com/office/powerpoint/2010/main">
+    <mc:Choice Requires="p14">
+      <p:transition spd="med" p14:dur="700">
+        <p:fade/>
+      </p:transition>
+    </mc:Choice>
+    <mc:Fallback xmlns="">
+      <p:transition spd="med">
+        <p:fade/>
+      </p:transition>
+    </mc:Fallback>
+  </mc:AlternateContent>
 </p:sld>
 </file>
 
@@ -10642,21 +10918,21 @@
           <a:lstStyle/>
           <a:p>
             <a:r>
-              <a:rPr lang="en-US" dirty="0" err="1">
+              <a:rPr lang="en-US" err="1">
                 <a:latin typeface="Times New Roman"/>
                 <a:cs typeface="Times New Roman"/>
               </a:rPr>
               <a:t>Hỗ</a:t>
             </a:r>
             <a:r>
-              <a:rPr lang="en-US" dirty="0">
-                <a:latin typeface="Times New Roman"/>
-                <a:cs typeface="Times New Roman"/>
-              </a:rPr>
-              <a:t> </a:t>
-            </a:r>
-            <a:r>
-              <a:rPr lang="en-US" dirty="0" err="1">
+              <a:rPr lang="en-US">
+                <a:latin typeface="Times New Roman"/>
+                <a:cs typeface="Times New Roman"/>
+              </a:rPr>
+              <a:t> </a:t>
+            </a:r>
+            <a:r>
+              <a:rPr lang="en-US" err="1">
                 <a:latin typeface="Times New Roman"/>
                 <a:cs typeface="Times New Roman"/>
               </a:rPr>
@@ -10697,142 +10973,138 @@
               <a:buNone/>
             </a:pPr>
             <a:r>
-              <a:rPr lang="en-US" dirty="0" err="1">
+              <a:rPr lang="en-US" err="1">
                 <a:latin typeface="Times New Roman"/>
                 <a:cs typeface="Times New Roman"/>
               </a:rPr>
               <a:t>Ngôn</a:t>
             </a:r>
             <a:r>
-              <a:rPr lang="en-US" dirty="0">
-                <a:latin typeface="Times New Roman"/>
-                <a:cs typeface="Times New Roman"/>
-              </a:rPr>
-              <a:t> </a:t>
-            </a:r>
-            <a:r>
-              <a:rPr lang="en-US" dirty="0" err="1">
+              <a:rPr lang="en-US">
+                <a:latin typeface="Times New Roman"/>
+                <a:cs typeface="Times New Roman"/>
+              </a:rPr>
+              <a:t> </a:t>
+            </a:r>
+            <a:r>
+              <a:rPr lang="en-US" err="1">
                 <a:latin typeface="Times New Roman"/>
                 <a:cs typeface="Times New Roman"/>
               </a:rPr>
               <a:t>ngữ</a:t>
             </a:r>
             <a:r>
-              <a:rPr lang="en-US" dirty="0">
+              <a:rPr lang="en-US">
                 <a:latin typeface="Times New Roman"/>
                 <a:cs typeface="Times New Roman"/>
               </a:rPr>
               <a:t>: Cocoa, C++, C#, Erlang, Haskell, Java, </a:t>
             </a:r>
             <a:r>
-              <a:rPr lang="en-US" dirty="0" err="1">
+              <a:rPr lang="en-US" err="1">
                 <a:latin typeface="Times New Roman"/>
                 <a:cs typeface="Times New Roman"/>
               </a:rPr>
               <a:t>Ocaml</a:t>
             </a:r>
             <a:r>
-              <a:rPr lang="en-US" dirty="0">
+              <a:rPr lang="en-US">
                 <a:latin typeface="Times New Roman"/>
                 <a:cs typeface="Times New Roman"/>
               </a:rPr>
               <a:t>, Perl, PHP, Python, Ruby, Smalltalk,… </a:t>
             </a:r>
-            <a:endParaRPr lang="en-US">
-              <a:latin typeface="Times New Roman"/>
-              <a:cs typeface="Times New Roman"/>
-            </a:endParaRPr>
           </a:p>
           <a:p>
             <a:pPr>
               <a:buNone/>
             </a:pPr>
             <a:r>
-              <a:rPr lang="en-US" dirty="0">
+              <a:rPr lang="en-US">
                 <a:latin typeface="Times New Roman"/>
                 <a:cs typeface="Times New Roman"/>
               </a:rPr>
               <a:t>Protocol: </a:t>
             </a:r>
             <a:r>
-              <a:rPr lang="en-US" dirty="0" err="1">
+              <a:rPr lang="en-US" err="1">
                 <a:latin typeface="Times New Roman"/>
                 <a:cs typeface="Times New Roman"/>
               </a:rPr>
               <a:t>TBinaryProtocol</a:t>
             </a:r>
             <a:r>
-              <a:rPr lang="en-US" dirty="0">
+              <a:rPr lang="en-US">
                 <a:latin typeface="Times New Roman"/>
                 <a:cs typeface="Times New Roman"/>
               </a:rPr>
               <a:t>, </a:t>
             </a:r>
             <a:r>
-              <a:rPr lang="en-US" dirty="0" err="1">
+              <a:rPr lang="en-US" err="1">
                 <a:latin typeface="Times New Roman"/>
                 <a:cs typeface="Times New Roman"/>
               </a:rPr>
               <a:t>TcompactProtocol</a:t>
             </a:r>
             <a:r>
-              <a:rPr lang="en-US" dirty="0">
+              <a:rPr lang="en-US">
                 <a:latin typeface="Times New Roman"/>
                 <a:cs typeface="Times New Roman"/>
               </a:rPr>
               <a:t>, </a:t>
             </a:r>
             <a:r>
-              <a:rPr lang="en-US" dirty="0" err="1">
+              <a:rPr lang="en-US" err="1">
                 <a:latin typeface="Times New Roman"/>
                 <a:cs typeface="Times New Roman"/>
               </a:rPr>
               <a:t>TDenseProtocol</a:t>
             </a:r>
             <a:r>
-              <a:rPr lang="en-US" dirty="0">
+              <a:rPr lang="en-US">
                 <a:latin typeface="Times New Roman"/>
                 <a:cs typeface="Times New Roman"/>
               </a:rPr>
               <a:t>, </a:t>
             </a:r>
             <a:r>
-              <a:rPr lang="en-US" dirty="0" err="1">
+              <a:rPr lang="en-US" err="1">
                 <a:latin typeface="Times New Roman"/>
                 <a:cs typeface="Times New Roman"/>
               </a:rPr>
               <a:t>TJSONProtocol</a:t>
             </a:r>
             <a:r>
-              <a:rPr lang="en-US" dirty="0">
+              <a:rPr lang="en-US">
                 <a:latin typeface="Times New Roman"/>
                 <a:cs typeface="Times New Roman"/>
               </a:rPr>
               <a:t>, </a:t>
             </a:r>
             <a:r>
-              <a:rPr lang="en-US" dirty="0" err="1">
+              <a:rPr lang="en-US" err="1">
                 <a:latin typeface="Times New Roman"/>
                 <a:cs typeface="Times New Roman"/>
               </a:rPr>
               <a:t>TSimpleJSONProtocol</a:t>
             </a:r>
             <a:r>
-              <a:rPr lang="en-US" dirty="0">
+              <a:rPr lang="en-US">
                 <a:latin typeface="Times New Roman"/>
                 <a:cs typeface="Times New Roman"/>
               </a:rPr>
               <a:t>, </a:t>
             </a:r>
             <a:r>
-              <a:rPr lang="en-US" dirty="0" err="1">
+              <a:rPr lang="en-US" err="1">
                 <a:latin typeface="Times New Roman"/>
                 <a:cs typeface="Times New Roman"/>
               </a:rPr>
               <a:t>TdebugProtocol</a:t>
             </a:r>
             <a:r>
-              <a:rPr lang="en-US" dirty="0">
+              <a:rPr lang="en-US">
                 <a:latin typeface="Times New Roman"/>
                 <a:cs typeface="Times New Roman"/>
               </a:rPr>
@@ -10844,77 +11116,77 @@
               <a:buNone/>
             </a:pPr>
             <a:r>
-              <a:rPr lang="en-US" dirty="0">
+              <a:rPr lang="en-US">
                 <a:latin typeface="Times New Roman"/>
                 <a:cs typeface="Times New Roman"/>
               </a:rPr>
               <a:t>Transport: </a:t>
             </a:r>
             <a:r>
-              <a:rPr lang="en-US" dirty="0" err="1">
+              <a:rPr lang="en-US" err="1">
                 <a:latin typeface="Times New Roman"/>
                 <a:cs typeface="Times New Roman"/>
               </a:rPr>
               <a:t>Tsocket</a:t>
             </a:r>
             <a:r>
-              <a:rPr lang="en-US" dirty="0">
+              <a:rPr lang="en-US">
                 <a:latin typeface="Times New Roman"/>
                 <a:cs typeface="Times New Roman"/>
               </a:rPr>
               <a:t>, </a:t>
             </a:r>
             <a:r>
-              <a:rPr lang="en-US" dirty="0" err="1">
+              <a:rPr lang="en-US" err="1">
                 <a:latin typeface="Times New Roman"/>
                 <a:cs typeface="Times New Roman"/>
               </a:rPr>
               <a:t>TFramedTransport</a:t>
             </a:r>
             <a:r>
-              <a:rPr lang="en-US" dirty="0">
+              <a:rPr lang="en-US">
                 <a:latin typeface="Times New Roman"/>
                 <a:cs typeface="Times New Roman"/>
               </a:rPr>
               <a:t>, </a:t>
             </a:r>
             <a:r>
-              <a:rPr lang="en-US" dirty="0" err="1">
+              <a:rPr lang="en-US" err="1">
                 <a:latin typeface="Times New Roman"/>
                 <a:cs typeface="Times New Roman"/>
               </a:rPr>
               <a:t>TFileTransport</a:t>
             </a:r>
             <a:r>
-              <a:rPr lang="en-US" dirty="0">
+              <a:rPr lang="en-US">
                 <a:latin typeface="Times New Roman"/>
                 <a:cs typeface="Times New Roman"/>
               </a:rPr>
               <a:t>, </a:t>
             </a:r>
             <a:r>
-              <a:rPr lang="en-US" dirty="0" err="1">
+              <a:rPr lang="en-US" err="1">
                 <a:latin typeface="Times New Roman"/>
                 <a:cs typeface="Times New Roman"/>
               </a:rPr>
               <a:t>TMemoryTransport</a:t>
             </a:r>
             <a:r>
-              <a:rPr lang="en-US" dirty="0">
+              <a:rPr lang="en-US">
                 <a:latin typeface="Times New Roman"/>
                 <a:cs typeface="Times New Roman"/>
               </a:rPr>
               <a:t>,        </a:t>
             </a:r>
             <a:r>
-              <a:rPr lang="en-US" dirty="0" err="1">
+              <a:rPr lang="en-US" err="1">
                 <a:latin typeface="Times New Roman"/>
                 <a:cs typeface="Times New Roman"/>
               </a:rPr>
               <a:t>TZlibTransport</a:t>
             </a:r>
             <a:r>
-              <a:rPr lang="en-US" dirty="0">
+              <a:rPr lang="en-US">
                 <a:latin typeface="Times New Roman"/>
                 <a:cs typeface="Times New Roman"/>
               </a:rPr>
@@ -10926,7 +11198,7 @@
               <a:buNone/>
             </a:pPr>
             <a:r>
-              <a:rPr lang="en-US" dirty="0">
+              <a:rPr lang="en-US">
                 <a:latin typeface="Times New Roman"/>
                 <a:cs typeface="Times New Roman"/>
               </a:rPr>
@@ -10940,7 +11212,7 @@
               <a:t>SimpleServer</a:t>
             </a:r>
             <a:r>
-              <a:rPr lang="en-US" dirty="0">
+              <a:rPr lang="en-US">
                 <a:latin typeface="Times New Roman"/>
                 <a:cs typeface="Times New Roman"/>
               </a:rPr>
@@ -10954,7 +11226,7 @@
               <a:t>TThreadPoolServer</a:t>
             </a:r>
             <a:r>
-              <a:rPr lang="en-US" dirty="0">
+              <a:rPr lang="en-US">
                 <a:latin typeface="Times New Roman"/>
                 <a:cs typeface="Times New Roman"/>
               </a:rPr>
@@ -10968,7 +11240,7 @@
               <a:t>TNonblockingServer</a:t>
             </a:r>
             <a:r>
-              <a:rPr lang="en-US" dirty="0">
+              <a:rPr lang="en-US">
                 <a:latin typeface="Times New Roman"/>
                 <a:cs typeface="Times New Roman"/>
               </a:rPr>
@@ -10987,6 +11259,18 @@
   <p:clrMapOvr>
     <a:masterClrMapping/>
   </p:clrMapOvr>
+  <mc:AlternateContent xmlns:mc="http://schemas.openxmlformats.org/markup-compatibility/2006" xmlns:p14="http://schemas.microsoft.com/office/powerpoint/2010/main">
+    <mc:Choice Requires="p14">
+      <p:transition spd="med" p14:dur="700">
+        <p:fade/>
+      </p:transition>
+    </mc:Choice>
+    <mc:Fallback xmlns="">
+      <p:transition spd="med">
+        <p:fade/>
+      </p:transition>
+    </mc:Fallback>
+  </mc:AlternateContent>
 </p:sld>
 </file>
 
@@ -11034,27 +11318,27 @@
           <a:lstStyle/>
           <a:p>
             <a:r>
-              <a:rPr lang="en-US" dirty="0">
+              <a:rPr lang="en-US">
                 <a:latin typeface="Times New Roman"/>
                 <a:cs typeface="Times New Roman"/>
               </a:rPr>
               <a:t>Test Server 100k </a:t>
             </a:r>
             <a:r>
-              <a:rPr lang="en-US" dirty="0" err="1">
+              <a:rPr lang="en-US" err="1">
                 <a:latin typeface="Times New Roman"/>
                 <a:cs typeface="Times New Roman"/>
               </a:rPr>
               <a:t>req</a:t>
             </a:r>
             <a:r>
-              <a:rPr lang="en-US" dirty="0">
+              <a:rPr lang="en-US">
                 <a:latin typeface="Times New Roman"/>
                 <a:cs typeface="Times New Roman"/>
               </a:rPr>
               <a:t>/s</a:t>
             </a:r>
-            <a:endParaRPr lang="en-US" dirty="0"/>
+            <a:endParaRPr lang="en-US"/>
           </a:p>
         </p:txBody>
       </p:sp>
@@ -11090,112 +11374,112 @@
               <a:buNone/>
             </a:pPr>
             <a:r>
-              <a:rPr lang="en-US" dirty="0" err="1">
+              <a:rPr lang="en-US" err="1">
                 <a:latin typeface="Times New Roman"/>
                 <a:cs typeface="Times New Roman"/>
               </a:rPr>
               <a:t>Việc</a:t>
             </a:r>
             <a:r>
-              <a:rPr lang="en-US" dirty="0">
+              <a:rPr lang="en-US">
                 <a:latin typeface="Times New Roman"/>
                 <a:cs typeface="Times New Roman"/>
               </a:rPr>
               <a:t> </a:t>
             </a:r>
             <a:r>
-              <a:rPr lang="en-US" dirty="0" err="1">
+              <a:rPr lang="en-US" err="1">
                 <a:latin typeface="Times New Roman"/>
                 <a:cs typeface="Times New Roman"/>
               </a:rPr>
               <a:t>xử</a:t>
             </a:r>
             <a:r>
-              <a:rPr lang="en-US" dirty="0">
-                <a:latin typeface="Times New Roman"/>
-                <a:cs typeface="Times New Roman"/>
-              </a:rPr>
-              <a:t> </a:t>
-            </a:r>
-            <a:r>
-              <a:rPr lang="en-US" dirty="0" err="1">
+              <a:rPr lang="en-US">
+                <a:latin typeface="Times New Roman"/>
+                <a:cs typeface="Times New Roman"/>
+              </a:rPr>
+              <a:t> </a:t>
+            </a:r>
+            <a:r>
+              <a:rPr lang="en-US" err="1">
                 <a:latin typeface="Times New Roman"/>
                 <a:cs typeface="Times New Roman"/>
               </a:rPr>
               <a:t>lý</a:t>
             </a:r>
             <a:r>
-              <a:rPr lang="en-US" dirty="0">
+              <a:rPr lang="en-US">
                 <a:latin typeface="Times New Roman"/>
                 <a:cs typeface="Times New Roman"/>
               </a:rPr>
               <a:t> </a:t>
             </a:r>
             <a:r>
-              <a:rPr lang="en-US" dirty="0" err="1">
+              <a:rPr lang="en-US" err="1">
                 <a:latin typeface="Times New Roman"/>
                 <a:cs typeface="Times New Roman"/>
               </a:rPr>
               <a:t>của</a:t>
             </a:r>
             <a:r>
-              <a:rPr lang="en-US" dirty="0">
+              <a:rPr lang="en-US">
                 <a:latin typeface="Times New Roman"/>
                 <a:cs typeface="Times New Roman"/>
               </a:rPr>
               <a:t> server phụ thuộc và rất nhiều yếu tố (Loại hình server , cấu hình máy, độ phức </a:t>
             </a:r>
             <a:r>
-              <a:rPr lang="en-US" dirty="0" err="1">
+              <a:rPr lang="en-US" err="1">
                 <a:latin typeface="Times New Roman"/>
                 <a:cs typeface="Times New Roman"/>
               </a:rPr>
               <a:t>tạp</a:t>
             </a:r>
             <a:r>
-              <a:rPr lang="en-US" dirty="0">
-                <a:latin typeface="Times New Roman"/>
-                <a:cs typeface="Times New Roman"/>
-              </a:rPr>
-              <a:t> </a:t>
-            </a:r>
-            <a:r>
-              <a:rPr lang="en-US" dirty="0" err="1">
+              <a:rPr lang="en-US">
+                <a:latin typeface="Times New Roman"/>
+                <a:cs typeface="Times New Roman"/>
+              </a:rPr>
+              <a:t> </a:t>
+            </a:r>
+            <a:r>
+              <a:rPr lang="en-US" err="1">
                 <a:latin typeface="Times New Roman"/>
                 <a:cs typeface="Times New Roman"/>
               </a:rPr>
               <a:t>của</a:t>
             </a:r>
             <a:r>
-              <a:rPr lang="en-US" dirty="0">
-                <a:latin typeface="Times New Roman"/>
-                <a:cs typeface="Times New Roman"/>
-              </a:rPr>
-              <a:t> </a:t>
-            </a:r>
-            <a:r>
-              <a:rPr lang="en-US" dirty="0" err="1">
+              <a:rPr lang="en-US">
+                <a:latin typeface="Times New Roman"/>
+                <a:cs typeface="Times New Roman"/>
+              </a:rPr>
+              <a:t> </a:t>
+            </a:r>
+            <a:r>
+              <a:rPr lang="en-US" err="1">
                 <a:latin typeface="Times New Roman"/>
                 <a:cs typeface="Times New Roman"/>
               </a:rPr>
               <a:t>xử</a:t>
             </a:r>
             <a:r>
-              <a:rPr lang="en-US" dirty="0">
-                <a:latin typeface="Times New Roman"/>
-                <a:cs typeface="Times New Roman"/>
-              </a:rPr>
-              <a:t> </a:t>
-            </a:r>
-            <a:r>
-              <a:rPr lang="en-US" dirty="0" err="1">
+              <a:rPr lang="en-US">
+                <a:latin typeface="Times New Roman"/>
+                <a:cs typeface="Times New Roman"/>
+              </a:rPr>
+              <a:t> </a:t>
+            </a:r>
+            <a:r>
+              <a:rPr lang="en-US" err="1">
                 <a:latin typeface="Times New Roman"/>
                 <a:cs typeface="Times New Roman"/>
               </a:rPr>
               <a:t>lý</a:t>
             </a:r>
             <a:r>
-              <a:rPr lang="en-US" dirty="0">
+              <a:rPr lang="en-US">
                 <a:latin typeface="Times New Roman"/>
                 <a:cs typeface="Times New Roman"/>
               </a:rPr>
@@ -11207,147 +11491,147 @@
               <a:buNone/>
             </a:pPr>
             <a:r>
-              <a:rPr lang="en-US" dirty="0">
+              <a:rPr lang="en-US">
                 <a:latin typeface="Times New Roman"/>
                 <a:cs typeface="Times New Roman"/>
               </a:rPr>
               <a:t>Project test server </a:t>
             </a:r>
             <a:r>
-              <a:rPr lang="en-US" dirty="0" err="1">
+              <a:rPr lang="en-US" err="1">
                 <a:latin typeface="Times New Roman"/>
                 <a:cs typeface="Times New Roman"/>
               </a:rPr>
               <a:t>triển</a:t>
             </a:r>
             <a:r>
-              <a:rPr lang="en-US" dirty="0">
-                <a:latin typeface="Times New Roman"/>
-                <a:cs typeface="Times New Roman"/>
-              </a:rPr>
-              <a:t> </a:t>
-            </a:r>
-            <a:r>
-              <a:rPr lang="en-US" dirty="0" err="1">
+              <a:rPr lang="en-US">
+                <a:latin typeface="Times New Roman"/>
+                <a:cs typeface="Times New Roman"/>
+              </a:rPr>
+              <a:t> </a:t>
+            </a:r>
+            <a:r>
+              <a:rPr lang="en-US" err="1">
                 <a:latin typeface="Times New Roman"/>
                 <a:cs typeface="Times New Roman"/>
               </a:rPr>
               <a:t>khai</a:t>
             </a:r>
             <a:r>
-              <a:rPr lang="en-US" dirty="0">
+              <a:rPr lang="en-US">
                 <a:latin typeface="Times New Roman"/>
                 <a:cs typeface="Times New Roman"/>
               </a:rPr>
               <a:t> </a:t>
             </a:r>
             <a:r>
-              <a:rPr lang="en-US" dirty="0" err="1">
+              <a:rPr lang="en-US" err="1">
                 <a:latin typeface="Times New Roman"/>
                 <a:cs typeface="Times New Roman"/>
               </a:rPr>
               <a:t>TThreadPoolServer</a:t>
             </a:r>
             <a:r>
-              <a:rPr lang="en-US" dirty="0">
+              <a:rPr lang="en-US">
                 <a:latin typeface="Times New Roman"/>
                 <a:cs typeface="Times New Roman"/>
               </a:rPr>
               <a:t> </a:t>
             </a:r>
             <a:r>
-              <a:rPr lang="en-US" dirty="0" err="1">
+              <a:rPr lang="en-US" err="1">
                 <a:latin typeface="Times New Roman"/>
                 <a:cs typeface="Times New Roman"/>
               </a:rPr>
               <a:t>với</a:t>
             </a:r>
             <a:r>
-              <a:rPr lang="en-US" dirty="0">
-                <a:latin typeface="Times New Roman"/>
-                <a:cs typeface="Times New Roman"/>
-              </a:rPr>
-              <a:t> </a:t>
-            </a:r>
-            <a:r>
-              <a:rPr lang="en-US" dirty="0" err="1">
+              <a:rPr lang="en-US">
+                <a:latin typeface="Times New Roman"/>
+                <a:cs typeface="Times New Roman"/>
+              </a:rPr>
+              <a:t> </a:t>
+            </a:r>
+            <a:r>
+              <a:rPr lang="en-US" err="1">
                 <a:latin typeface="Times New Roman"/>
                 <a:cs typeface="Times New Roman"/>
               </a:rPr>
               <a:t>thông</a:t>
             </a:r>
             <a:r>
-              <a:rPr lang="en-US" dirty="0">
-                <a:latin typeface="Times New Roman"/>
-                <a:cs typeface="Times New Roman"/>
-              </a:rPr>
-              <a:t> </a:t>
-            </a:r>
-            <a:r>
-              <a:rPr lang="en-US" dirty="0" err="1">
+              <a:rPr lang="en-US">
+                <a:latin typeface="Times New Roman"/>
+                <a:cs typeface="Times New Roman"/>
+              </a:rPr>
+              <a:t> </a:t>
+            </a:r>
+            <a:r>
+              <a:rPr lang="en-US" err="1">
                 <a:latin typeface="Times New Roman"/>
                 <a:cs typeface="Times New Roman"/>
               </a:rPr>
               <a:t>số</a:t>
             </a:r>
             <a:r>
-              <a:rPr lang="en-US" dirty="0">
-                <a:latin typeface="Times New Roman"/>
-                <a:cs typeface="Times New Roman"/>
-              </a:rPr>
-              <a:t> </a:t>
-            </a:r>
-            <a:r>
-              <a:rPr lang="en-US" dirty="0" err="1">
+              <a:rPr lang="en-US">
+                <a:latin typeface="Times New Roman"/>
+                <a:cs typeface="Times New Roman"/>
+              </a:rPr>
+              <a:t> </a:t>
+            </a:r>
+            <a:r>
+              <a:rPr lang="en-US" err="1">
                 <a:latin typeface="Times New Roman"/>
                 <a:cs typeface="Times New Roman"/>
               </a:rPr>
               <a:t>minWorker</a:t>
             </a:r>
             <a:r>
-              <a:rPr lang="en-US" dirty="0">
+              <a:rPr lang="en-US">
                 <a:latin typeface="Times New Roman"/>
                 <a:cs typeface="Times New Roman"/>
               </a:rPr>
               <a:t> = 20, </a:t>
             </a:r>
             <a:r>
-              <a:rPr lang="en-US" dirty="0" err="1">
+              <a:rPr lang="en-US" err="1">
                 <a:latin typeface="Times New Roman"/>
                 <a:cs typeface="Times New Roman"/>
               </a:rPr>
               <a:t>TFastFramedTransport</a:t>
             </a:r>
             <a:r>
-              <a:rPr lang="en-US" dirty="0">
-                <a:latin typeface="Times New Roman"/>
-                <a:cs typeface="Times New Roman"/>
-              </a:rPr>
-              <a:t> </a:t>
-            </a:r>
-            <a:r>
-              <a:rPr lang="en-US" dirty="0" err="1">
+              <a:rPr lang="en-US">
+                <a:latin typeface="Times New Roman"/>
+                <a:cs typeface="Times New Roman"/>
+              </a:rPr>
+              <a:t> </a:t>
+            </a:r>
+            <a:r>
+              <a:rPr lang="en-US" err="1">
                 <a:latin typeface="Times New Roman"/>
                 <a:cs typeface="Times New Roman"/>
               </a:rPr>
               <a:t>và</a:t>
             </a:r>
             <a:r>
-              <a:rPr lang="en-US" dirty="0">
-                <a:latin typeface="Times New Roman"/>
-                <a:cs typeface="Times New Roman"/>
-              </a:rPr>
-              <a:t> </a:t>
-            </a:r>
-            <a:r>
-              <a:rPr lang="en-US" dirty="0" err="1">
+              <a:rPr lang="en-US">
+                <a:latin typeface="Times New Roman"/>
+                <a:cs typeface="Times New Roman"/>
+              </a:rPr>
+              <a:t> </a:t>
+            </a:r>
+            <a:r>
+              <a:rPr lang="en-US" err="1">
                 <a:latin typeface="Times New Roman"/>
                 <a:cs typeface="Times New Roman"/>
               </a:rPr>
               <a:t>TBinaryProtocol</a:t>
             </a:r>
             <a:r>
-              <a:rPr lang="en-US" dirty="0">
+              <a:rPr lang="en-US">
                 <a:latin typeface="Times New Roman"/>
                 <a:cs typeface="Times New Roman"/>
               </a:rPr>
@@ -11359,48 +11643,48 @@
               <a:buNone/>
             </a:pPr>
             <a:r>
-              <a:rPr lang="en-US" dirty="0" err="1">
+              <a:rPr lang="en-US" err="1">
                 <a:latin typeface="Times New Roman"/>
                 <a:cs typeface="Times New Roman"/>
               </a:rPr>
               <a:t>Cấu</a:t>
             </a:r>
             <a:r>
-              <a:rPr lang="en-US" dirty="0">
-                <a:latin typeface="Times New Roman"/>
-                <a:cs typeface="Times New Roman"/>
-              </a:rPr>
-              <a:t> </a:t>
-            </a:r>
-            <a:r>
-              <a:rPr lang="en-US" dirty="0" err="1">
+              <a:rPr lang="en-US">
+                <a:latin typeface="Times New Roman"/>
+                <a:cs typeface="Times New Roman"/>
+              </a:rPr>
+              <a:t> </a:t>
+            </a:r>
+            <a:r>
+              <a:rPr lang="en-US" err="1">
                 <a:latin typeface="Times New Roman"/>
                 <a:cs typeface="Times New Roman"/>
               </a:rPr>
               <a:t>hình</a:t>
             </a:r>
             <a:r>
-              <a:rPr lang="en-US" dirty="0">
-                <a:latin typeface="Times New Roman"/>
-                <a:cs typeface="Times New Roman"/>
-              </a:rPr>
-              <a:t> </a:t>
-            </a:r>
-            <a:r>
-              <a:rPr lang="en-US" dirty="0" err="1">
+              <a:rPr lang="en-US">
+                <a:latin typeface="Times New Roman"/>
+                <a:cs typeface="Times New Roman"/>
+              </a:rPr>
+              <a:t> </a:t>
+            </a:r>
+            <a:r>
+              <a:rPr lang="en-US" err="1">
                 <a:latin typeface="Times New Roman"/>
                 <a:cs typeface="Times New Roman"/>
               </a:rPr>
               <a:t>máy</a:t>
             </a:r>
             <a:r>
-              <a:rPr lang="en-US" dirty="0">
+              <a:rPr lang="en-US">
                 <a:latin typeface="Times New Roman"/>
                 <a:cs typeface="Times New Roman"/>
               </a:rPr>
               <a:t> CPU Intel® Core™ i5-3320M Processor, Ram 8Gb.</a:t>
             </a:r>
-            <a:endParaRPr lang="en-US" dirty="0">
+            <a:endParaRPr lang="en-US">
               <a:latin typeface="Corbel"/>
               <a:cs typeface="Times New Roman"/>
             </a:endParaRPr>
@@ -11417,6 +11701,18 @@
   <p:clrMapOvr>
     <a:masterClrMapping/>
   </p:clrMapOvr>
+  <mc:AlternateContent xmlns:mc="http://schemas.openxmlformats.org/markup-compatibility/2006" xmlns:p14="http://schemas.microsoft.com/office/powerpoint/2010/main">
+    <mc:Choice Requires="p14">
+      <p:transition spd="med" p14:dur="700">
+        <p:fade/>
+      </p:transition>
+    </mc:Choice>
+    <mc:Fallback xmlns="">
+      <p:transition spd="med">
+        <p:fade/>
+      </p:transition>
+    </mc:Fallback>
+  </mc:AlternateContent>
 </p:sld>
 </file>
 
@@ -11464,7 +11760,7 @@
           <a:lstStyle/>
           <a:p>
             <a:r>
-              <a:rPr lang="en-US" dirty="0">
+              <a:rPr lang="en-US">
                 <a:latin typeface="Times New Roman"/>
                 <a:cs typeface="Times New Roman"/>
               </a:rPr>
@@ -11505,650 +11801,650 @@
               <a:buNone/>
             </a:pPr>
             <a:r>
-              <a:rPr lang="en-US" dirty="0" err="1">
+              <a:rPr lang="en-US" err="1">
                 <a:latin typeface="Times New Roman"/>
                 <a:cs typeface="Times New Roman"/>
               </a:rPr>
               <a:t>Tối</a:t>
             </a:r>
             <a:r>
-              <a:rPr lang="en-US" dirty="0">
-                <a:latin typeface="Times New Roman"/>
-                <a:cs typeface="Times New Roman"/>
-              </a:rPr>
-              <a:t> </a:t>
-            </a:r>
-            <a:r>
-              <a:rPr lang="en-US" dirty="0" err="1">
+              <a:rPr lang="en-US">
+                <a:latin typeface="Times New Roman"/>
+                <a:cs typeface="Times New Roman"/>
+              </a:rPr>
+              <a:t> </a:t>
+            </a:r>
+            <a:r>
+              <a:rPr lang="en-US" err="1">
                 <a:latin typeface="Times New Roman"/>
                 <a:cs typeface="Times New Roman"/>
               </a:rPr>
               <a:t>ưu</a:t>
             </a:r>
             <a:r>
-              <a:rPr lang="en-US" dirty="0">
-                <a:latin typeface="Times New Roman"/>
-                <a:cs typeface="Times New Roman"/>
-              </a:rPr>
-              <a:t> </a:t>
-            </a:r>
-            <a:r>
-              <a:rPr lang="en-US" dirty="0" err="1">
+              <a:rPr lang="en-US">
+                <a:latin typeface="Times New Roman"/>
+                <a:cs typeface="Times New Roman"/>
+              </a:rPr>
+              <a:t> </a:t>
+            </a:r>
+            <a:r>
+              <a:rPr lang="en-US" err="1">
                 <a:latin typeface="Times New Roman"/>
                 <a:cs typeface="Times New Roman"/>
               </a:rPr>
               <a:t>việc</a:t>
             </a:r>
             <a:r>
-              <a:rPr lang="en-US" dirty="0">
-                <a:latin typeface="Times New Roman"/>
-                <a:cs typeface="Times New Roman"/>
-              </a:rPr>
-              <a:t> </a:t>
-            </a:r>
-            <a:r>
-              <a:rPr lang="en-US" dirty="0" err="1">
+              <a:rPr lang="en-US">
+                <a:latin typeface="Times New Roman"/>
+                <a:cs typeface="Times New Roman"/>
+              </a:rPr>
+              <a:t> </a:t>
+            </a:r>
+            <a:r>
+              <a:rPr lang="en-US" err="1">
                 <a:latin typeface="Times New Roman"/>
                 <a:cs typeface="Times New Roman"/>
               </a:rPr>
               <a:t>gọi</a:t>
             </a:r>
             <a:r>
-              <a:rPr lang="en-US" dirty="0">
-                <a:latin typeface="Times New Roman"/>
-                <a:cs typeface="Times New Roman"/>
-              </a:rPr>
-              <a:t> </a:t>
-            </a:r>
-            <a:r>
-              <a:rPr lang="en-US" dirty="0" err="1">
+              <a:rPr lang="en-US">
+                <a:latin typeface="Times New Roman"/>
+                <a:cs typeface="Times New Roman"/>
+              </a:rPr>
+              <a:t> </a:t>
+            </a:r>
+            <a:r>
+              <a:rPr lang="en-US" err="1">
                 <a:latin typeface="Times New Roman"/>
                 <a:cs typeface="Times New Roman"/>
               </a:rPr>
               <a:t>hàm</a:t>
             </a:r>
             <a:r>
-              <a:rPr lang="en-US" dirty="0">
-                <a:latin typeface="Times New Roman"/>
-                <a:cs typeface="Times New Roman"/>
-              </a:rPr>
-              <a:t> </a:t>
-            </a:r>
-            <a:r>
-              <a:rPr lang="en-US" dirty="0" err="1">
+              <a:rPr lang="en-US">
+                <a:latin typeface="Times New Roman"/>
+                <a:cs typeface="Times New Roman"/>
+              </a:rPr>
+              <a:t> </a:t>
+            </a:r>
+            <a:r>
+              <a:rPr lang="en-US" err="1">
                 <a:latin typeface="Times New Roman"/>
                 <a:cs typeface="Times New Roman"/>
               </a:rPr>
               <a:t>từ</a:t>
             </a:r>
             <a:r>
-              <a:rPr lang="en-US" dirty="0">
+              <a:rPr lang="en-US">
                 <a:latin typeface="Times New Roman"/>
                 <a:cs typeface="Times New Roman"/>
               </a:rPr>
               <a:t> client. (</a:t>
             </a:r>
             <a:r>
-              <a:rPr lang="en-US" dirty="0" err="1">
+              <a:rPr lang="en-US" err="1">
                 <a:latin typeface="Times New Roman"/>
                 <a:cs typeface="Times New Roman"/>
               </a:rPr>
               <a:t>Mỗi</a:t>
             </a:r>
             <a:r>
-              <a:rPr lang="en-US" dirty="0">
-                <a:latin typeface="Times New Roman"/>
-                <a:cs typeface="Times New Roman"/>
-              </a:rPr>
-              <a:t> </a:t>
-            </a:r>
-            <a:r>
-              <a:rPr lang="en-US" dirty="0" err="1">
+              <a:rPr lang="en-US">
+                <a:latin typeface="Times New Roman"/>
+                <a:cs typeface="Times New Roman"/>
+              </a:rPr>
+              <a:t> </a:t>
+            </a:r>
+            <a:r>
+              <a:rPr lang="en-US" err="1">
                 <a:latin typeface="Times New Roman"/>
                 <a:cs typeface="Times New Roman"/>
               </a:rPr>
               <a:t>khi</a:t>
             </a:r>
             <a:r>
-              <a:rPr lang="en-US" dirty="0">
+              <a:rPr lang="en-US">
                 <a:latin typeface="Times New Roman"/>
                 <a:cs typeface="Times New Roman"/>
               </a:rPr>
               <a:t> request </a:t>
             </a:r>
             <a:r>
-              <a:rPr lang="en-US" dirty="0" err="1">
+              <a:rPr lang="en-US" err="1">
                 <a:latin typeface="Times New Roman"/>
                 <a:cs typeface="Times New Roman"/>
               </a:rPr>
               <a:t>lên</a:t>
             </a:r>
             <a:r>
-              <a:rPr lang="en-US" dirty="0">
+              <a:rPr lang="en-US">
                 <a:latin typeface="Times New Roman"/>
                 <a:cs typeface="Times New Roman"/>
               </a:rPr>
               <a:t> server </a:t>
             </a:r>
             <a:r>
-              <a:rPr lang="en-US" dirty="0" err="1">
+              <a:rPr lang="en-US" err="1">
                 <a:latin typeface="Times New Roman"/>
                 <a:cs typeface="Times New Roman"/>
               </a:rPr>
               <a:t>cần</a:t>
             </a:r>
             <a:r>
-              <a:rPr lang="en-US" dirty="0">
-                <a:latin typeface="Times New Roman"/>
-                <a:cs typeface="Times New Roman"/>
-              </a:rPr>
-              <a:t> </a:t>
-            </a:r>
-            <a:r>
-              <a:rPr lang="en-US" dirty="0" err="1">
+              <a:rPr lang="en-US">
+                <a:latin typeface="Times New Roman"/>
+                <a:cs typeface="Times New Roman"/>
+              </a:rPr>
+              <a:t> </a:t>
+            </a:r>
+            <a:r>
+              <a:rPr lang="en-US" err="1">
                 <a:latin typeface="Times New Roman"/>
                 <a:cs typeface="Times New Roman"/>
               </a:rPr>
               <a:t>mở</a:t>
             </a:r>
             <a:r>
-              <a:rPr lang="en-US" dirty="0">
-                <a:latin typeface="Times New Roman"/>
-                <a:cs typeface="Times New Roman"/>
-              </a:rPr>
-              <a:t> </a:t>
-            </a:r>
-            <a:r>
-              <a:rPr lang="en-US" dirty="0" err="1">
+              <a:rPr lang="en-US">
+                <a:latin typeface="Times New Roman"/>
+                <a:cs typeface="Times New Roman"/>
+              </a:rPr>
+              <a:t> </a:t>
+            </a:r>
+            <a:r>
+              <a:rPr lang="en-US" err="1">
                 <a:latin typeface="Times New Roman"/>
                 <a:cs typeface="Times New Roman"/>
               </a:rPr>
               <a:t>một</a:t>
             </a:r>
             <a:r>
-              <a:rPr lang="en-US" dirty="0">
-                <a:latin typeface="Times New Roman"/>
-                <a:cs typeface="Times New Roman"/>
-              </a:rPr>
-              <a:t> </a:t>
-            </a:r>
-            <a:r>
-              <a:rPr lang="en-US" dirty="0" err="1">
+              <a:rPr lang="en-US">
+                <a:latin typeface="Times New Roman"/>
+                <a:cs typeface="Times New Roman"/>
+              </a:rPr>
+              <a:t> </a:t>
+            </a:r>
+            <a:r>
+              <a:rPr lang="en-US" err="1">
                 <a:latin typeface="Times New Roman"/>
                 <a:cs typeface="Times New Roman"/>
               </a:rPr>
               <a:t>kết</a:t>
             </a:r>
             <a:r>
-              <a:rPr lang="en-US" dirty="0">
-                <a:latin typeface="Times New Roman"/>
-                <a:cs typeface="Times New Roman"/>
-              </a:rPr>
-              <a:t> </a:t>
-            </a:r>
-            <a:r>
-              <a:rPr lang="en-US" dirty="0" err="1">
+              <a:rPr lang="en-US">
+                <a:latin typeface="Times New Roman"/>
+                <a:cs typeface="Times New Roman"/>
+              </a:rPr>
+              <a:t> </a:t>
+            </a:r>
+            <a:r>
+              <a:rPr lang="en-US" err="1">
                 <a:latin typeface="Times New Roman"/>
                 <a:cs typeface="Times New Roman"/>
               </a:rPr>
               <a:t>nối</a:t>
             </a:r>
             <a:r>
-              <a:rPr lang="en-US" dirty="0">
-                <a:latin typeface="Times New Roman"/>
-                <a:cs typeface="Times New Roman"/>
-              </a:rPr>
-              <a:t> </a:t>
-            </a:r>
-            <a:r>
-              <a:rPr lang="en-US" dirty="0" err="1">
+              <a:rPr lang="en-US">
+                <a:latin typeface="Times New Roman"/>
+                <a:cs typeface="Times New Roman"/>
+              </a:rPr>
+              <a:t> </a:t>
+            </a:r>
+            <a:r>
+              <a:rPr lang="en-US" err="1">
                 <a:latin typeface="Times New Roman"/>
                 <a:cs typeface="Times New Roman"/>
               </a:rPr>
               <a:t>lên</a:t>
             </a:r>
             <a:r>
-              <a:rPr lang="en-US" dirty="0">
+              <a:rPr lang="en-US">
                 <a:latin typeface="Times New Roman"/>
                 <a:cs typeface="Times New Roman"/>
               </a:rPr>
               <a:t> server)</a:t>
             </a:r>
-            <a:endParaRPr lang="en-US" dirty="0"/>
+            <a:endParaRPr lang="en-US"/>
           </a:p>
           <a:p>
             <a:pPr>
               <a:buNone/>
             </a:pPr>
             <a:r>
-              <a:rPr lang="en-US" dirty="0" err="1">
+              <a:rPr lang="en-US" err="1">
                 <a:latin typeface="Times New Roman"/>
                 <a:cs typeface="Times New Roman"/>
               </a:rPr>
               <a:t>Việc</a:t>
             </a:r>
             <a:r>
-              <a:rPr lang="en-US" dirty="0">
-                <a:latin typeface="Times New Roman"/>
-                <a:cs typeface="Times New Roman"/>
-              </a:rPr>
-              <a:t> </a:t>
-            </a:r>
-            <a:r>
-              <a:rPr lang="en-US" dirty="0" err="1">
+              <a:rPr lang="en-US">
+                <a:latin typeface="Times New Roman"/>
+                <a:cs typeface="Times New Roman"/>
+              </a:rPr>
+              <a:t> </a:t>
+            </a:r>
+            <a:r>
+              <a:rPr lang="en-US" err="1">
                 <a:latin typeface="Times New Roman"/>
                 <a:cs typeface="Times New Roman"/>
               </a:rPr>
               <a:t>tạo</a:t>
             </a:r>
             <a:r>
-              <a:rPr lang="en-US" dirty="0">
+              <a:rPr lang="en-US">
                 <a:latin typeface="Times New Roman"/>
                 <a:cs typeface="Times New Roman"/>
               </a:rPr>
               <a:t> </a:t>
             </a:r>
             <a:r>
-              <a:rPr lang="en-US" dirty="0" err="1">
+              <a:rPr lang="en-US" err="1">
                 <a:latin typeface="Times New Roman"/>
                 <a:cs typeface="Times New Roman"/>
               </a:rPr>
               <a:t>ra</a:t>
             </a:r>
             <a:r>
-              <a:rPr lang="en-US" dirty="0">
-                <a:latin typeface="Times New Roman"/>
-                <a:cs typeface="Times New Roman"/>
-              </a:rPr>
-              <a:t> </a:t>
-            </a:r>
-            <a:r>
-              <a:rPr lang="en-US" dirty="0" err="1">
+              <a:rPr lang="en-US">
+                <a:latin typeface="Times New Roman"/>
+                <a:cs typeface="Times New Roman"/>
+              </a:rPr>
+              <a:t> </a:t>
+            </a:r>
+            <a:r>
+              <a:rPr lang="en-US" err="1">
                 <a:latin typeface="Times New Roman"/>
                 <a:cs typeface="Times New Roman"/>
               </a:rPr>
               <a:t>một</a:t>
             </a:r>
             <a:r>
-              <a:rPr lang="en-US" dirty="0">
+              <a:rPr lang="en-US">
                 <a:latin typeface="Times New Roman"/>
                 <a:cs typeface="Times New Roman"/>
               </a:rPr>
               <a:t> pool connect </a:t>
             </a:r>
             <a:r>
-              <a:rPr lang="en-US" dirty="0" err="1">
+              <a:rPr lang="en-US" err="1">
                 <a:latin typeface="Times New Roman"/>
                 <a:cs typeface="Times New Roman"/>
               </a:rPr>
               <a:t>sẽ</a:t>
             </a:r>
             <a:r>
-              <a:rPr lang="en-US" dirty="0">
-                <a:latin typeface="Times New Roman"/>
-                <a:cs typeface="Times New Roman"/>
-              </a:rPr>
-              <a:t> </a:t>
-            </a:r>
-            <a:r>
-              <a:rPr lang="en-US" dirty="0" err="1">
+              <a:rPr lang="en-US">
+                <a:latin typeface="Times New Roman"/>
+                <a:cs typeface="Times New Roman"/>
+              </a:rPr>
+              <a:t> </a:t>
+            </a:r>
+            <a:r>
+              <a:rPr lang="en-US" err="1">
                 <a:latin typeface="Times New Roman"/>
                 <a:cs typeface="Times New Roman"/>
               </a:rPr>
               <a:t>duy</a:t>
             </a:r>
             <a:r>
-              <a:rPr lang="en-US" dirty="0">
-                <a:latin typeface="Times New Roman"/>
-                <a:cs typeface="Times New Roman"/>
-              </a:rPr>
-              <a:t> </a:t>
-            </a:r>
-            <a:r>
-              <a:rPr lang="en-US" dirty="0" err="1">
+              <a:rPr lang="en-US">
+                <a:latin typeface="Times New Roman"/>
+                <a:cs typeface="Times New Roman"/>
+              </a:rPr>
+              <a:t> </a:t>
+            </a:r>
+            <a:r>
+              <a:rPr lang="en-US" err="1">
                 <a:latin typeface="Times New Roman"/>
                 <a:cs typeface="Times New Roman"/>
               </a:rPr>
               <a:t>trì</a:t>
             </a:r>
             <a:r>
-              <a:rPr lang="en-US" dirty="0">
+              <a:rPr lang="en-US">
                 <a:latin typeface="Times New Roman"/>
                 <a:cs typeface="Times New Roman"/>
               </a:rPr>
               <a:t> </a:t>
             </a:r>
             <a:r>
-              <a:rPr lang="en-US" dirty="0" err="1">
+              <a:rPr lang="en-US" err="1">
                 <a:latin typeface="Times New Roman"/>
                 <a:cs typeface="Times New Roman"/>
               </a:rPr>
               <a:t>một</a:t>
             </a:r>
             <a:r>
-              <a:rPr lang="en-US" dirty="0">
-                <a:latin typeface="Times New Roman"/>
-                <a:cs typeface="Times New Roman"/>
-              </a:rPr>
-              <a:t> </a:t>
-            </a:r>
-            <a:r>
-              <a:rPr lang="en-US" dirty="0" err="1">
+              <a:rPr lang="en-US">
+                <a:latin typeface="Times New Roman"/>
+                <a:cs typeface="Times New Roman"/>
+              </a:rPr>
+              <a:t> </a:t>
+            </a:r>
+            <a:r>
+              <a:rPr lang="en-US" err="1">
                 <a:latin typeface="Times New Roman"/>
                 <a:cs typeface="Times New Roman"/>
               </a:rPr>
               <a:t>số</a:t>
             </a:r>
             <a:r>
-              <a:rPr lang="en-US" dirty="0">
-                <a:latin typeface="Times New Roman"/>
-                <a:cs typeface="Times New Roman"/>
-              </a:rPr>
-              <a:t> </a:t>
-            </a:r>
-            <a:r>
-              <a:rPr lang="en-US" dirty="0" err="1">
+              <a:rPr lang="en-US">
+                <a:latin typeface="Times New Roman"/>
+                <a:cs typeface="Times New Roman"/>
+              </a:rPr>
+              <a:t> </a:t>
+            </a:r>
+            <a:r>
+              <a:rPr lang="en-US" err="1">
                 <a:latin typeface="Times New Roman"/>
                 <a:cs typeface="Times New Roman"/>
               </a:rPr>
               <a:t>lượng</a:t>
             </a:r>
             <a:r>
-              <a:rPr lang="en-US" dirty="0">
+              <a:rPr lang="en-US">
                 <a:latin typeface="Times New Roman"/>
                 <a:cs typeface="Times New Roman"/>
               </a:rPr>
               <a:t> connect </a:t>
             </a:r>
             <a:r>
-              <a:rPr lang="en-US" dirty="0" err="1">
+              <a:rPr lang="en-US" err="1">
                 <a:latin typeface="Times New Roman"/>
                 <a:cs typeface="Times New Roman"/>
               </a:rPr>
               <a:t>tối</a:t>
             </a:r>
             <a:r>
-              <a:rPr lang="en-US" dirty="0">
-                <a:latin typeface="Times New Roman"/>
-                <a:cs typeface="Times New Roman"/>
-              </a:rPr>
-              <a:t> </a:t>
-            </a:r>
-            <a:r>
-              <a:rPr lang="en-US" dirty="0" err="1">
+              <a:rPr lang="en-US">
+                <a:latin typeface="Times New Roman"/>
+                <a:cs typeface="Times New Roman"/>
+              </a:rPr>
+              <a:t> </a:t>
+            </a:r>
+            <a:r>
+              <a:rPr lang="en-US" err="1">
                 <a:latin typeface="Times New Roman"/>
                 <a:cs typeface="Times New Roman"/>
               </a:rPr>
               <a:t>thiểu</a:t>
             </a:r>
             <a:r>
-              <a:rPr lang="en-US" dirty="0">
+              <a:rPr lang="en-US">
                 <a:latin typeface="Times New Roman"/>
                 <a:cs typeface="Times New Roman"/>
               </a:rPr>
               <a:t> (</a:t>
             </a:r>
             <a:r>
-              <a:rPr lang="en-US" dirty="0" err="1">
+              <a:rPr lang="en-US" err="1">
                 <a:latin typeface="Times New Roman"/>
                 <a:cs typeface="Times New Roman"/>
               </a:rPr>
               <a:t>minIdle</a:t>
             </a:r>
             <a:r>
-              <a:rPr lang="en-US" dirty="0">
+              <a:rPr lang="en-US">
                 <a:latin typeface="Times New Roman"/>
                 <a:cs typeface="Times New Roman"/>
               </a:rPr>
               <a:t>) </a:t>
             </a:r>
             <a:r>
-              <a:rPr lang="en-US" dirty="0" err="1">
+              <a:rPr lang="en-US" err="1">
                 <a:latin typeface="Times New Roman"/>
                 <a:cs typeface="Times New Roman"/>
               </a:rPr>
               <a:t>quản</a:t>
             </a:r>
             <a:r>
-              <a:rPr lang="en-US" dirty="0">
-                <a:latin typeface="Times New Roman"/>
-                <a:cs typeface="Times New Roman"/>
-              </a:rPr>
-              <a:t> </a:t>
-            </a:r>
-            <a:r>
-              <a:rPr lang="en-US" dirty="0" err="1">
+              <a:rPr lang="en-US">
+                <a:latin typeface="Times New Roman"/>
+                <a:cs typeface="Times New Roman"/>
+              </a:rPr>
+              <a:t> </a:t>
+            </a:r>
+            <a:r>
+              <a:rPr lang="en-US" err="1">
                 <a:latin typeface="Times New Roman"/>
                 <a:cs typeface="Times New Roman"/>
               </a:rPr>
               <a:t>lý</a:t>
             </a:r>
             <a:r>
-              <a:rPr lang="en-US" dirty="0">
-                <a:latin typeface="Times New Roman"/>
-                <a:cs typeface="Times New Roman"/>
-              </a:rPr>
-              <a:t> </a:t>
-            </a:r>
-            <a:r>
-              <a:rPr lang="en-US" dirty="0" err="1">
+              <a:rPr lang="en-US">
+                <a:latin typeface="Times New Roman"/>
+                <a:cs typeface="Times New Roman"/>
+              </a:rPr>
+              <a:t> </a:t>
+            </a:r>
+            <a:r>
+              <a:rPr lang="en-US" err="1">
                 <a:latin typeface="Times New Roman"/>
                 <a:cs typeface="Times New Roman"/>
               </a:rPr>
               <a:t>các</a:t>
             </a:r>
             <a:r>
-              <a:rPr lang="en-US" dirty="0">
+              <a:rPr lang="en-US">
                 <a:latin typeface="Times New Roman"/>
                 <a:cs typeface="Times New Roman"/>
               </a:rPr>
               <a:t> connect (</a:t>
             </a:r>
             <a:r>
-              <a:rPr lang="en-US" dirty="0" err="1">
+              <a:rPr lang="en-US" err="1">
                 <a:latin typeface="Times New Roman"/>
                 <a:cs typeface="Times New Roman"/>
               </a:rPr>
               <a:t>mở</a:t>
             </a:r>
             <a:r>
-              <a:rPr lang="en-US" dirty="0">
-                <a:latin typeface="Times New Roman"/>
-                <a:cs typeface="Times New Roman"/>
-              </a:rPr>
-              <a:t> </a:t>
-            </a:r>
-            <a:r>
-              <a:rPr lang="en-US" dirty="0" err="1">
+              <a:rPr lang="en-US">
+                <a:latin typeface="Times New Roman"/>
+                <a:cs typeface="Times New Roman"/>
+              </a:rPr>
+              <a:t> </a:t>
+            </a:r>
+            <a:r>
+              <a:rPr lang="en-US" err="1">
                 <a:latin typeface="Times New Roman"/>
                 <a:cs typeface="Times New Roman"/>
               </a:rPr>
               <a:t>thêm</a:t>
             </a:r>
             <a:r>
-              <a:rPr lang="en-US" dirty="0">
-                <a:latin typeface="Times New Roman"/>
-                <a:cs typeface="Times New Roman"/>
-              </a:rPr>
-              <a:t> </a:t>
-            </a:r>
-            <a:r>
-              <a:rPr lang="en-US" dirty="0" err="1">
+              <a:rPr lang="en-US">
+                <a:latin typeface="Times New Roman"/>
+                <a:cs typeface="Times New Roman"/>
+              </a:rPr>
+              <a:t> </a:t>
+            </a:r>
+            <a:r>
+              <a:rPr lang="en-US" err="1">
                 <a:latin typeface="Times New Roman"/>
                 <a:cs typeface="Times New Roman"/>
               </a:rPr>
               <a:t>hoặc</a:t>
             </a:r>
             <a:r>
-              <a:rPr lang="en-US" dirty="0">
-                <a:latin typeface="Times New Roman"/>
-                <a:cs typeface="Times New Roman"/>
-              </a:rPr>
-              <a:t> </a:t>
-            </a:r>
-            <a:r>
-              <a:rPr lang="en-US" dirty="0" err="1">
+              <a:rPr lang="en-US">
+                <a:latin typeface="Times New Roman"/>
+                <a:cs typeface="Times New Roman"/>
+              </a:rPr>
+              <a:t> </a:t>
+            </a:r>
+            <a:r>
+              <a:rPr lang="en-US" err="1">
                 <a:latin typeface="Times New Roman"/>
                 <a:cs typeface="Times New Roman"/>
               </a:rPr>
               <a:t>giải</a:t>
             </a:r>
             <a:r>
-              <a:rPr lang="en-US" dirty="0">
-                <a:latin typeface="Times New Roman"/>
-                <a:cs typeface="Times New Roman"/>
-              </a:rPr>
-              <a:t> </a:t>
-            </a:r>
-            <a:r>
-              <a:rPr lang="en-US" dirty="0" err="1">
+              <a:rPr lang="en-US">
+                <a:latin typeface="Times New Roman"/>
+                <a:cs typeface="Times New Roman"/>
+              </a:rPr>
+              <a:t> </a:t>
+            </a:r>
+            <a:r>
+              <a:rPr lang="en-US" err="1">
                 <a:latin typeface="Times New Roman"/>
                 <a:cs typeface="Times New Roman"/>
               </a:rPr>
               <a:t>phóng</a:t>
             </a:r>
             <a:r>
-              <a:rPr lang="en-US" dirty="0">
-                <a:latin typeface="Times New Roman"/>
-                <a:cs typeface="Times New Roman"/>
-              </a:rPr>
-              <a:t> </a:t>
-            </a:r>
-            <a:r>
-              <a:rPr lang="en-US" dirty="0" err="1">
+              <a:rPr lang="en-US">
+                <a:latin typeface="Times New Roman"/>
+                <a:cs typeface="Times New Roman"/>
+              </a:rPr>
+              <a:t> </a:t>
+            </a:r>
+            <a:r>
+              <a:rPr lang="en-US" err="1">
                 <a:latin typeface="Times New Roman"/>
                 <a:cs typeface="Times New Roman"/>
               </a:rPr>
               <a:t>bớt</a:t>
             </a:r>
             <a:r>
-              <a:rPr lang="en-US" dirty="0">
-                <a:latin typeface="Times New Roman"/>
-                <a:cs typeface="Times New Roman"/>
-              </a:rPr>
-              <a:t> </a:t>
-            </a:r>
-            <a:r>
-              <a:rPr lang="en-US" dirty="0" err="1">
+              <a:rPr lang="en-US">
+                <a:latin typeface="Times New Roman"/>
+                <a:cs typeface="Times New Roman"/>
+              </a:rPr>
+              <a:t> </a:t>
+            </a:r>
+            <a:r>
+              <a:rPr lang="en-US" err="1">
                 <a:latin typeface="Times New Roman"/>
                 <a:cs typeface="Times New Roman"/>
               </a:rPr>
               <a:t>khi</a:t>
             </a:r>
             <a:r>
-              <a:rPr lang="en-US" dirty="0">
-                <a:latin typeface="Times New Roman"/>
-                <a:cs typeface="Times New Roman"/>
-              </a:rPr>
-              <a:t> </a:t>
-            </a:r>
-            <a:r>
-              <a:rPr lang="en-US" dirty="0" err="1">
+              <a:rPr lang="en-US">
+                <a:latin typeface="Times New Roman"/>
+                <a:cs typeface="Times New Roman"/>
+              </a:rPr>
+              <a:t> </a:t>
+            </a:r>
+            <a:r>
+              <a:rPr lang="en-US" err="1">
                 <a:latin typeface="Times New Roman"/>
                 <a:cs typeface="Times New Roman"/>
               </a:rPr>
               <a:t>cần</a:t>
             </a:r>
             <a:r>
-              <a:rPr lang="en-US" dirty="0">
-                <a:latin typeface="Times New Roman"/>
-                <a:cs typeface="Times New Roman"/>
-              </a:rPr>
-              <a:t> </a:t>
-            </a:r>
-            <a:r>
-              <a:rPr lang="en-US" dirty="0" err="1">
+              <a:rPr lang="en-US">
+                <a:latin typeface="Times New Roman"/>
+                <a:cs typeface="Times New Roman"/>
+              </a:rPr>
+              <a:t> </a:t>
+            </a:r>
+            <a:r>
+              <a:rPr lang="en-US" err="1">
                 <a:latin typeface="Times New Roman"/>
                 <a:cs typeface="Times New Roman"/>
               </a:rPr>
               <a:t>thiết</a:t>
             </a:r>
             <a:r>
-              <a:rPr lang="en-US" dirty="0">
+              <a:rPr lang="en-US">
                 <a:latin typeface="Times New Roman"/>
                 <a:cs typeface="Times New Roman"/>
               </a:rPr>
               <a:t>) </a:t>
             </a:r>
             <a:r>
-              <a:rPr lang="en-US" dirty="0" err="1">
+              <a:rPr lang="en-US" err="1">
                 <a:latin typeface="Times New Roman"/>
                 <a:cs typeface="Times New Roman"/>
               </a:rPr>
               <a:t>để</a:t>
             </a:r>
             <a:r>
-              <a:rPr lang="en-US" dirty="0">
-                <a:latin typeface="Times New Roman"/>
-                <a:cs typeface="Times New Roman"/>
-              </a:rPr>
-              <a:t> </a:t>
-            </a:r>
-            <a:r>
-              <a:rPr lang="en-US" dirty="0" err="1">
+              <a:rPr lang="en-US">
+                <a:latin typeface="Times New Roman"/>
+                <a:cs typeface="Times New Roman"/>
+              </a:rPr>
+              <a:t> </a:t>
+            </a:r>
+            <a:r>
+              <a:rPr lang="en-US" err="1">
                 <a:latin typeface="Times New Roman"/>
                 <a:cs typeface="Times New Roman"/>
               </a:rPr>
               <a:t>tối</a:t>
             </a:r>
             <a:r>
-              <a:rPr lang="en-US" dirty="0">
-                <a:latin typeface="Times New Roman"/>
-                <a:cs typeface="Times New Roman"/>
-              </a:rPr>
-              <a:t> </a:t>
-            </a:r>
-            <a:r>
-              <a:rPr lang="en-US" dirty="0" err="1">
+              <a:rPr lang="en-US">
+                <a:latin typeface="Times New Roman"/>
+                <a:cs typeface="Times New Roman"/>
+              </a:rPr>
+              <a:t> </a:t>
+            </a:r>
+            <a:r>
+              <a:rPr lang="en-US" err="1">
                 <a:latin typeface="Times New Roman"/>
                 <a:cs typeface="Times New Roman"/>
               </a:rPr>
               <a:t>ưu</a:t>
             </a:r>
             <a:r>
-              <a:rPr lang="en-US" dirty="0">
-                <a:latin typeface="Times New Roman"/>
-                <a:cs typeface="Times New Roman"/>
-              </a:rPr>
-              <a:t> </a:t>
-            </a:r>
-            <a:r>
-              <a:rPr lang="en-US" dirty="0" err="1">
+              <a:rPr lang="en-US">
+                <a:latin typeface="Times New Roman"/>
+                <a:cs typeface="Times New Roman"/>
+              </a:rPr>
+              <a:t> </a:t>
+            </a:r>
+            <a:r>
+              <a:rPr lang="en-US" err="1">
                 <a:latin typeface="Times New Roman"/>
                 <a:cs typeface="Times New Roman"/>
               </a:rPr>
               <a:t>hóa</a:t>
             </a:r>
             <a:r>
-              <a:rPr lang="en-US" dirty="0">
-                <a:latin typeface="Times New Roman"/>
-                <a:cs typeface="Times New Roman"/>
-              </a:rPr>
-              <a:t> </a:t>
-            </a:r>
-            <a:r>
-              <a:rPr lang="en-US" dirty="0" err="1">
+              <a:rPr lang="en-US">
+                <a:latin typeface="Times New Roman"/>
+                <a:cs typeface="Times New Roman"/>
+              </a:rPr>
+              <a:t> </a:t>
+            </a:r>
+            <a:r>
+              <a:rPr lang="en-US" err="1">
                 <a:latin typeface="Times New Roman"/>
                 <a:cs typeface="Times New Roman"/>
               </a:rPr>
               <a:t>hiệu</a:t>
             </a:r>
             <a:r>
-              <a:rPr lang="en-US" dirty="0">
-                <a:latin typeface="Times New Roman"/>
-                <a:cs typeface="Times New Roman"/>
-              </a:rPr>
-              <a:t> </a:t>
-            </a:r>
-            <a:r>
-              <a:rPr lang="en-US" dirty="0" err="1">
+              <a:rPr lang="en-US">
+                <a:latin typeface="Times New Roman"/>
+                <a:cs typeface="Times New Roman"/>
+              </a:rPr>
+              <a:t> </a:t>
+            </a:r>
+            <a:r>
+              <a:rPr lang="en-US" err="1">
                 <a:latin typeface="Times New Roman"/>
                 <a:cs typeface="Times New Roman"/>
               </a:rPr>
               <a:t>suất</a:t>
             </a:r>
             <a:r>
-              <a:rPr lang="en-US" dirty="0">
+              <a:rPr lang="en-US">
                 <a:latin typeface="Times New Roman"/>
                 <a:cs typeface="Times New Roman"/>
               </a:rPr>
@@ -12167,6 +12463,18 @@
   <p:clrMapOvr>
     <a:masterClrMapping/>
   </p:clrMapOvr>
+  <mc:AlternateContent xmlns:mc="http://schemas.openxmlformats.org/markup-compatibility/2006" xmlns:p14="http://schemas.microsoft.com/office/powerpoint/2010/main">
+    <mc:Choice Requires="p14">
+      <p:transition spd="med" p14:dur="700">
+        <p:fade/>
+      </p:transition>
+    </mc:Choice>
+    <mc:Fallback xmlns="">
+      <p:transition spd="med">
+        <p:fade/>
+      </p:transition>
+    </mc:Fallback>
+  </mc:AlternateContent>
 </p:sld>
 </file>
 
@@ -12214,7 +12522,7 @@
           <a:lstStyle/>
           <a:p>
             <a:r>
-              <a:rPr lang="en-US" dirty="0">
+              <a:rPr lang="en-US">
                 <a:latin typeface="Times New Roman"/>
                 <a:cs typeface="Times New Roman"/>
               </a:rPr>
@@ -12255,84 +12563,84 @@
               <a:buNone/>
             </a:pPr>
             <a:r>
-              <a:rPr lang="en-US" dirty="0" err="1">
+              <a:rPr lang="en-US" err="1">
                 <a:latin typeface="Times New Roman"/>
                 <a:cs typeface="Times New Roman"/>
               </a:rPr>
               <a:t>Một</a:t>
             </a:r>
             <a:r>
-              <a:rPr lang="en-US" dirty="0">
-                <a:latin typeface="Times New Roman"/>
-                <a:cs typeface="Times New Roman"/>
-              </a:rPr>
-              <a:t> </a:t>
-            </a:r>
-            <a:r>
-              <a:rPr lang="en-US" dirty="0" err="1">
+              <a:rPr lang="en-US">
+                <a:latin typeface="Times New Roman"/>
+                <a:cs typeface="Times New Roman"/>
+              </a:rPr>
+              <a:t> </a:t>
+            </a:r>
+            <a:r>
+              <a:rPr lang="en-US" err="1">
                 <a:latin typeface="Times New Roman"/>
                 <a:cs typeface="Times New Roman"/>
               </a:rPr>
               <a:t>số</a:t>
             </a:r>
             <a:r>
-              <a:rPr lang="en-US" dirty="0">
-                <a:latin typeface="Times New Roman"/>
-                <a:cs typeface="Times New Roman"/>
-              </a:rPr>
-              <a:t> </a:t>
-            </a:r>
-            <a:r>
-              <a:rPr lang="en-US" dirty="0" err="1">
+              <a:rPr lang="en-US">
+                <a:latin typeface="Times New Roman"/>
+                <a:cs typeface="Times New Roman"/>
+              </a:rPr>
+              <a:t> </a:t>
+            </a:r>
+            <a:r>
+              <a:rPr lang="en-US" err="1">
                 <a:latin typeface="Times New Roman"/>
                 <a:cs typeface="Times New Roman"/>
               </a:rPr>
               <a:t>tham</a:t>
             </a:r>
             <a:r>
-              <a:rPr lang="en-US" dirty="0">
-                <a:latin typeface="Times New Roman"/>
-                <a:cs typeface="Times New Roman"/>
-              </a:rPr>
-              <a:t> </a:t>
-            </a:r>
-            <a:r>
-              <a:rPr lang="en-US" dirty="0" err="1">
+              <a:rPr lang="en-US">
+                <a:latin typeface="Times New Roman"/>
+                <a:cs typeface="Times New Roman"/>
+              </a:rPr>
+              <a:t> </a:t>
+            </a:r>
+            <a:r>
+              <a:rPr lang="en-US" err="1">
                 <a:latin typeface="Times New Roman"/>
                 <a:cs typeface="Times New Roman"/>
               </a:rPr>
               <a:t>số</a:t>
             </a:r>
             <a:r>
-              <a:rPr lang="en-US" dirty="0">
-                <a:latin typeface="Times New Roman"/>
-                <a:cs typeface="Times New Roman"/>
-              </a:rPr>
-              <a:t> </a:t>
-            </a:r>
-            <a:r>
-              <a:rPr lang="en-US" dirty="0" err="1">
+              <a:rPr lang="en-US">
+                <a:latin typeface="Times New Roman"/>
+                <a:cs typeface="Times New Roman"/>
+              </a:rPr>
+              <a:t> </a:t>
+            </a:r>
+            <a:r>
+              <a:rPr lang="en-US" err="1">
                 <a:latin typeface="Times New Roman"/>
                 <a:cs typeface="Times New Roman"/>
               </a:rPr>
               <a:t>quan</a:t>
             </a:r>
             <a:r>
-              <a:rPr lang="en-US" dirty="0">
-                <a:latin typeface="Times New Roman"/>
-                <a:cs typeface="Times New Roman"/>
-              </a:rPr>
-              <a:t> </a:t>
-            </a:r>
-            <a:r>
-              <a:rPr lang="en-US" dirty="0" err="1">
+              <a:rPr lang="en-US">
+                <a:latin typeface="Times New Roman"/>
+                <a:cs typeface="Times New Roman"/>
+              </a:rPr>
+              <a:t> </a:t>
+            </a:r>
+            <a:r>
+              <a:rPr lang="en-US" err="1">
                 <a:latin typeface="Times New Roman"/>
                 <a:cs typeface="Times New Roman"/>
               </a:rPr>
               <a:t>trọng</a:t>
             </a:r>
             <a:r>
-              <a:rPr lang="en-US" dirty="0">
+              <a:rPr lang="en-US">
                 <a:latin typeface="Times New Roman"/>
                 <a:cs typeface="Times New Roman"/>
               </a:rPr>
@@ -12344,98 +12652,98 @@
               <a:buNone/>
             </a:pPr>
             <a:r>
-              <a:rPr lang="en-US" dirty="0" err="1">
+              <a:rPr lang="en-US" err="1">
                 <a:latin typeface="Times New Roman"/>
                 <a:cs typeface="Times New Roman"/>
               </a:rPr>
               <a:t>maxActive</a:t>
             </a:r>
             <a:r>
-              <a:rPr lang="en-US" dirty="0">
+              <a:rPr lang="en-US">
                 <a:latin typeface="Times New Roman"/>
                 <a:cs typeface="Times New Roman"/>
               </a:rPr>
               <a:t>: </a:t>
             </a:r>
             <a:r>
-              <a:rPr lang="en-US" dirty="0" err="1">
+              <a:rPr lang="en-US" err="1">
                 <a:latin typeface="Times New Roman"/>
                 <a:cs typeface="Times New Roman"/>
               </a:rPr>
               <a:t>Số</a:t>
             </a:r>
             <a:r>
-              <a:rPr lang="en-US" dirty="0">
-                <a:latin typeface="Times New Roman"/>
-                <a:cs typeface="Times New Roman"/>
-              </a:rPr>
-              <a:t> </a:t>
-            </a:r>
-            <a:r>
-              <a:rPr lang="en-US" dirty="0" err="1">
+              <a:rPr lang="en-US">
+                <a:latin typeface="Times New Roman"/>
+                <a:cs typeface="Times New Roman"/>
+              </a:rPr>
+              <a:t> </a:t>
+            </a:r>
+            <a:r>
+              <a:rPr lang="en-US" err="1">
                 <a:latin typeface="Times New Roman"/>
                 <a:cs typeface="Times New Roman"/>
               </a:rPr>
               <a:t>lượng</a:t>
             </a:r>
             <a:r>
-              <a:rPr lang="en-US" dirty="0">
+              <a:rPr lang="en-US">
                 <a:latin typeface="Times New Roman"/>
                 <a:cs typeface="Times New Roman"/>
               </a:rPr>
               <a:t> connect </a:t>
             </a:r>
             <a:r>
-              <a:rPr lang="en-US" dirty="0" err="1">
+              <a:rPr lang="en-US" err="1">
                 <a:latin typeface="Times New Roman"/>
                 <a:cs typeface="Times New Roman"/>
               </a:rPr>
               <a:t>mở</a:t>
             </a:r>
             <a:r>
-              <a:rPr lang="en-US" dirty="0">
-                <a:latin typeface="Times New Roman"/>
-                <a:cs typeface="Times New Roman"/>
-              </a:rPr>
-              <a:t> </a:t>
-            </a:r>
-            <a:r>
-              <a:rPr lang="en-US" dirty="0" err="1">
+              <a:rPr lang="en-US">
+                <a:latin typeface="Times New Roman"/>
+                <a:cs typeface="Times New Roman"/>
+              </a:rPr>
+              <a:t> </a:t>
+            </a:r>
+            <a:r>
+              <a:rPr lang="en-US" err="1">
                 <a:latin typeface="Times New Roman"/>
                 <a:cs typeface="Times New Roman"/>
               </a:rPr>
               <a:t>ra</a:t>
             </a:r>
             <a:r>
-              <a:rPr lang="en-US" dirty="0">
-                <a:latin typeface="Times New Roman"/>
-                <a:cs typeface="Times New Roman"/>
-              </a:rPr>
-              <a:t> </a:t>
-            </a:r>
-            <a:r>
-              <a:rPr lang="en-US" dirty="0" err="1">
+              <a:rPr lang="en-US">
+                <a:latin typeface="Times New Roman"/>
+                <a:cs typeface="Times New Roman"/>
+              </a:rPr>
+              <a:t> </a:t>
+            </a:r>
+            <a:r>
+              <a:rPr lang="en-US" err="1">
                 <a:latin typeface="Times New Roman"/>
                 <a:cs typeface="Times New Roman"/>
               </a:rPr>
               <a:t>tối</a:t>
             </a:r>
             <a:r>
-              <a:rPr lang="en-US" dirty="0">
+              <a:rPr lang="en-US">
                 <a:latin typeface="Times New Roman"/>
                 <a:cs typeface="Times New Roman"/>
               </a:rPr>
               <a:t> </a:t>
             </a:r>
             <a:r>
-              <a:rPr lang="en-US" dirty="0" err="1">
+              <a:rPr lang="en-US" err="1">
                 <a:latin typeface="Times New Roman"/>
                 <a:cs typeface="Times New Roman"/>
               </a:rPr>
               <a:t>đa</a:t>
             </a:r>
             <a:r>
-              <a:rPr lang="en-US" dirty="0">
+              <a:rPr lang="en-US">
                 <a:latin typeface="Times New Roman"/>
                 <a:cs typeface="Times New Roman"/>
               </a:rPr>
@@ -12447,98 +12755,98 @@
               <a:buNone/>
             </a:pPr>
             <a:r>
-              <a:rPr lang="en-US" dirty="0" err="1">
+              <a:rPr lang="en-US" err="1">
                 <a:latin typeface="Times New Roman"/>
                 <a:cs typeface="Times New Roman"/>
               </a:rPr>
               <a:t>manIdle</a:t>
             </a:r>
             <a:r>
-              <a:rPr lang="en-US" dirty="0">
+              <a:rPr lang="en-US">
                 <a:latin typeface="Times New Roman"/>
                 <a:cs typeface="Times New Roman"/>
               </a:rPr>
               <a:t>: </a:t>
             </a:r>
             <a:r>
-              <a:rPr lang="en-US" dirty="0" err="1">
+              <a:rPr lang="en-US" err="1">
                 <a:latin typeface="Times New Roman"/>
                 <a:cs typeface="Times New Roman"/>
               </a:rPr>
               <a:t>Số</a:t>
             </a:r>
             <a:r>
-              <a:rPr lang="en-US" dirty="0">
-                <a:latin typeface="Times New Roman"/>
-                <a:cs typeface="Times New Roman"/>
-              </a:rPr>
-              <a:t> </a:t>
-            </a:r>
-            <a:r>
-              <a:rPr lang="en-US" dirty="0" err="1">
+              <a:rPr lang="en-US">
+                <a:latin typeface="Times New Roman"/>
+                <a:cs typeface="Times New Roman"/>
+              </a:rPr>
+              <a:t> </a:t>
+            </a:r>
+            <a:r>
+              <a:rPr lang="en-US" err="1">
                 <a:latin typeface="Times New Roman"/>
                 <a:cs typeface="Times New Roman"/>
               </a:rPr>
               <a:t>lượng</a:t>
             </a:r>
             <a:r>
-              <a:rPr lang="en-US" dirty="0">
+              <a:rPr lang="en-US">
                 <a:latin typeface="Times New Roman"/>
                 <a:cs typeface="Times New Roman"/>
               </a:rPr>
               <a:t> connect </a:t>
             </a:r>
             <a:r>
-              <a:rPr lang="en-US" dirty="0" err="1">
+              <a:rPr lang="en-US" err="1">
                 <a:latin typeface="Times New Roman"/>
                 <a:cs typeface="Times New Roman"/>
               </a:rPr>
               <a:t>nhàn</a:t>
             </a:r>
             <a:r>
-              <a:rPr lang="en-US" dirty="0">
-                <a:latin typeface="Times New Roman"/>
-                <a:cs typeface="Times New Roman"/>
-              </a:rPr>
-              <a:t> </a:t>
-            </a:r>
-            <a:r>
-              <a:rPr lang="en-US" dirty="0" err="1">
+              <a:rPr lang="en-US">
+                <a:latin typeface="Times New Roman"/>
+                <a:cs typeface="Times New Roman"/>
+              </a:rPr>
+              <a:t> </a:t>
+            </a:r>
+            <a:r>
+              <a:rPr lang="en-US" err="1">
                 <a:latin typeface="Times New Roman"/>
                 <a:cs typeface="Times New Roman"/>
               </a:rPr>
               <a:t>rỗi</a:t>
             </a:r>
             <a:r>
-              <a:rPr lang="en-US" dirty="0">
-                <a:latin typeface="Times New Roman"/>
-                <a:cs typeface="Times New Roman"/>
-              </a:rPr>
-              <a:t> </a:t>
-            </a:r>
-            <a:r>
-              <a:rPr lang="en-US" dirty="0" err="1">
+              <a:rPr lang="en-US">
+                <a:latin typeface="Times New Roman"/>
+                <a:cs typeface="Times New Roman"/>
+              </a:rPr>
+              <a:t> </a:t>
+            </a:r>
+            <a:r>
+              <a:rPr lang="en-US" err="1">
                 <a:latin typeface="Times New Roman"/>
                 <a:cs typeface="Times New Roman"/>
               </a:rPr>
               <a:t>tối</a:t>
             </a:r>
             <a:r>
-              <a:rPr lang="en-US" dirty="0">
-                <a:latin typeface="Times New Roman"/>
-                <a:cs typeface="Times New Roman"/>
-              </a:rPr>
-              <a:t> </a:t>
-            </a:r>
-            <a:r>
-              <a:rPr lang="en-US" dirty="0" err="1">
+              <a:rPr lang="en-US">
+                <a:latin typeface="Times New Roman"/>
+                <a:cs typeface="Times New Roman"/>
+              </a:rPr>
+              <a:t> </a:t>
+            </a:r>
+            <a:r>
+              <a:rPr lang="en-US" err="1">
                 <a:latin typeface="Times New Roman"/>
                 <a:cs typeface="Times New Roman"/>
               </a:rPr>
               <a:t>đa</a:t>
             </a:r>
             <a:r>
-              <a:rPr lang="en-US" dirty="0">
+              <a:rPr lang="en-US">
                 <a:latin typeface="Times New Roman"/>
                 <a:cs typeface="Times New Roman"/>
               </a:rPr>
@@ -12550,98 +12858,98 @@
               <a:buNone/>
             </a:pPr>
             <a:r>
-              <a:rPr lang="en-US" dirty="0" err="1">
+              <a:rPr lang="en-US" err="1">
                 <a:latin typeface="Times New Roman"/>
                 <a:cs typeface="Times New Roman"/>
               </a:rPr>
               <a:t>minIdle</a:t>
             </a:r>
             <a:r>
-              <a:rPr lang="en-US" dirty="0">
+              <a:rPr lang="en-US">
                 <a:latin typeface="Times New Roman"/>
                 <a:cs typeface="Times New Roman"/>
               </a:rPr>
               <a:t>: </a:t>
             </a:r>
             <a:r>
-              <a:rPr lang="en-US" dirty="0" err="1">
+              <a:rPr lang="en-US" err="1">
                 <a:latin typeface="Times New Roman"/>
                 <a:cs typeface="Times New Roman"/>
               </a:rPr>
               <a:t>Số</a:t>
             </a:r>
             <a:r>
-              <a:rPr lang="en-US" dirty="0">
-                <a:latin typeface="Times New Roman"/>
-                <a:cs typeface="Times New Roman"/>
-              </a:rPr>
-              <a:t> </a:t>
-            </a:r>
-            <a:r>
-              <a:rPr lang="en-US" dirty="0" err="1">
+              <a:rPr lang="en-US">
+                <a:latin typeface="Times New Roman"/>
+                <a:cs typeface="Times New Roman"/>
+              </a:rPr>
+              <a:t> </a:t>
+            </a:r>
+            <a:r>
+              <a:rPr lang="en-US" err="1">
                 <a:latin typeface="Times New Roman"/>
                 <a:cs typeface="Times New Roman"/>
               </a:rPr>
               <a:t>lượng</a:t>
             </a:r>
             <a:r>
-              <a:rPr lang="en-US" dirty="0">
+              <a:rPr lang="en-US">
                 <a:latin typeface="Times New Roman"/>
                 <a:cs typeface="Times New Roman"/>
               </a:rPr>
               <a:t> connect </a:t>
             </a:r>
             <a:r>
-              <a:rPr lang="en-US" dirty="0" err="1">
+              <a:rPr lang="en-US" err="1">
                 <a:latin typeface="Times New Roman"/>
                 <a:cs typeface="Times New Roman"/>
               </a:rPr>
               <a:t>nhãn</a:t>
             </a:r>
             <a:r>
-              <a:rPr lang="en-US" dirty="0">
-                <a:latin typeface="Times New Roman"/>
-                <a:cs typeface="Times New Roman"/>
-              </a:rPr>
-              <a:t> </a:t>
-            </a:r>
-            <a:r>
-              <a:rPr lang="en-US" dirty="0" err="1">
+              <a:rPr lang="en-US">
+                <a:latin typeface="Times New Roman"/>
+                <a:cs typeface="Times New Roman"/>
+              </a:rPr>
+              <a:t> </a:t>
+            </a:r>
+            <a:r>
+              <a:rPr lang="en-US" err="1">
                 <a:latin typeface="Times New Roman"/>
                 <a:cs typeface="Times New Roman"/>
               </a:rPr>
               <a:t>rỗi</a:t>
             </a:r>
             <a:r>
-              <a:rPr lang="en-US" dirty="0">
-                <a:latin typeface="Times New Roman"/>
-                <a:cs typeface="Times New Roman"/>
-              </a:rPr>
-              <a:t> </a:t>
-            </a:r>
-            <a:r>
-              <a:rPr lang="en-US" dirty="0" err="1">
+              <a:rPr lang="en-US">
+                <a:latin typeface="Times New Roman"/>
+                <a:cs typeface="Times New Roman"/>
+              </a:rPr>
+              <a:t> </a:t>
+            </a:r>
+            <a:r>
+              <a:rPr lang="en-US" err="1">
                 <a:latin typeface="Times New Roman"/>
                 <a:cs typeface="Times New Roman"/>
               </a:rPr>
               <a:t>tối</a:t>
             </a:r>
             <a:r>
-              <a:rPr lang="en-US" dirty="0">
-                <a:latin typeface="Times New Roman"/>
-                <a:cs typeface="Times New Roman"/>
-              </a:rPr>
-              <a:t> </a:t>
-            </a:r>
-            <a:r>
-              <a:rPr lang="en-US" dirty="0" err="1">
+              <a:rPr lang="en-US">
+                <a:latin typeface="Times New Roman"/>
+                <a:cs typeface="Times New Roman"/>
+              </a:rPr>
+              <a:t> </a:t>
+            </a:r>
+            <a:r>
+              <a:rPr lang="en-US" err="1">
                 <a:latin typeface="Times New Roman"/>
                 <a:cs typeface="Times New Roman"/>
               </a:rPr>
               <a:t>thiểu</a:t>
             </a:r>
             <a:r>
-              <a:rPr lang="en-US" dirty="0">
+              <a:rPr lang="en-US">
                 <a:latin typeface="Times New Roman"/>
                 <a:cs typeface="Times New Roman"/>
               </a:rPr>
@@ -12653,238 +12961,238 @@
               <a:buNone/>
             </a:pPr>
             <a:r>
-              <a:rPr lang="en-US" dirty="0" err="1">
+              <a:rPr lang="en-US" err="1">
                 <a:latin typeface="Times New Roman"/>
                 <a:cs typeface="Times New Roman"/>
               </a:rPr>
               <a:t>whenExhausteAction</a:t>
             </a:r>
             <a:r>
-              <a:rPr lang="en-US" dirty="0">
+              <a:rPr lang="en-US">
                 <a:latin typeface="Times New Roman"/>
                 <a:cs typeface="Times New Roman"/>
               </a:rPr>
               <a:t> : </a:t>
             </a:r>
             <a:r>
-              <a:rPr lang="en-US" dirty="0" err="1">
+              <a:rPr lang="en-US" err="1">
                 <a:latin typeface="Times New Roman"/>
                 <a:cs typeface="Times New Roman"/>
               </a:rPr>
               <a:t>Các</a:t>
             </a:r>
             <a:r>
-              <a:rPr lang="en-US" dirty="0">
-                <a:latin typeface="Times New Roman"/>
-                <a:cs typeface="Times New Roman"/>
-              </a:rPr>
-              <a:t> </a:t>
-            </a:r>
-            <a:r>
-              <a:rPr lang="en-US" dirty="0" err="1">
+              <a:rPr lang="en-US">
+                <a:latin typeface="Times New Roman"/>
+                <a:cs typeface="Times New Roman"/>
+              </a:rPr>
+              <a:t> </a:t>
+            </a:r>
+            <a:r>
+              <a:rPr lang="en-US" err="1">
                 <a:latin typeface="Times New Roman"/>
                 <a:cs typeface="Times New Roman"/>
               </a:rPr>
               <a:t>thức</a:t>
             </a:r>
             <a:r>
-              <a:rPr lang="en-US" dirty="0">
-                <a:latin typeface="Times New Roman"/>
-                <a:cs typeface="Times New Roman"/>
-              </a:rPr>
-              <a:t> </a:t>
-            </a:r>
-            <a:r>
-              <a:rPr lang="en-US" dirty="0" err="1">
+              <a:rPr lang="en-US">
+                <a:latin typeface="Times New Roman"/>
+                <a:cs typeface="Times New Roman"/>
+              </a:rPr>
+              <a:t> </a:t>
+            </a:r>
+            <a:r>
+              <a:rPr lang="en-US" err="1">
                 <a:latin typeface="Times New Roman"/>
                 <a:cs typeface="Times New Roman"/>
               </a:rPr>
               <a:t>xử</a:t>
             </a:r>
             <a:r>
-              <a:rPr lang="en-US" dirty="0">
-                <a:latin typeface="Times New Roman"/>
-                <a:cs typeface="Times New Roman"/>
-              </a:rPr>
-              <a:t> </a:t>
-            </a:r>
-            <a:r>
-              <a:rPr lang="en-US" dirty="0" err="1">
+              <a:rPr lang="en-US">
+                <a:latin typeface="Times New Roman"/>
+                <a:cs typeface="Times New Roman"/>
+              </a:rPr>
+              <a:t> </a:t>
+            </a:r>
+            <a:r>
+              <a:rPr lang="en-US" err="1">
                 <a:latin typeface="Times New Roman"/>
                 <a:cs typeface="Times New Roman"/>
               </a:rPr>
               <a:t>lý</a:t>
             </a:r>
             <a:r>
-              <a:rPr lang="en-US" dirty="0">
-                <a:latin typeface="Times New Roman"/>
-                <a:cs typeface="Times New Roman"/>
-              </a:rPr>
-              <a:t> </a:t>
-            </a:r>
-            <a:r>
-              <a:rPr lang="en-US" dirty="0" err="1">
+              <a:rPr lang="en-US">
+                <a:latin typeface="Times New Roman"/>
+                <a:cs typeface="Times New Roman"/>
+              </a:rPr>
+              <a:t> </a:t>
+            </a:r>
+            <a:r>
+              <a:rPr lang="en-US" err="1">
                 <a:latin typeface="Times New Roman"/>
                 <a:cs typeface="Times New Roman"/>
               </a:rPr>
               <a:t>khi</a:t>
             </a:r>
             <a:r>
-              <a:rPr lang="en-US" dirty="0">
-                <a:latin typeface="Times New Roman"/>
-                <a:cs typeface="Times New Roman"/>
-              </a:rPr>
-              <a:t> </a:t>
-            </a:r>
-            <a:r>
-              <a:rPr lang="en-US" dirty="0" err="1">
+              <a:rPr lang="en-US">
+                <a:latin typeface="Times New Roman"/>
+                <a:cs typeface="Times New Roman"/>
+              </a:rPr>
+              <a:t> </a:t>
+            </a:r>
+            <a:r>
+              <a:rPr lang="en-US" err="1">
                 <a:latin typeface="Times New Roman"/>
                 <a:cs typeface="Times New Roman"/>
               </a:rPr>
               <a:t>nhận</a:t>
             </a:r>
             <a:r>
-              <a:rPr lang="en-US" dirty="0">
-                <a:latin typeface="Times New Roman"/>
-                <a:cs typeface="Times New Roman"/>
-              </a:rPr>
-              <a:t> </a:t>
-            </a:r>
-            <a:r>
-              <a:rPr lang="en-US" dirty="0" err="1">
+              <a:rPr lang="en-US">
+                <a:latin typeface="Times New Roman"/>
+                <a:cs typeface="Times New Roman"/>
+              </a:rPr>
+              <a:t> </a:t>
+            </a:r>
+            <a:r>
+              <a:rPr lang="en-US" err="1">
                 <a:latin typeface="Times New Roman"/>
                 <a:cs typeface="Times New Roman"/>
               </a:rPr>
               <a:t>được</a:t>
             </a:r>
             <a:r>
-              <a:rPr lang="en-US" dirty="0">
-                <a:latin typeface="Times New Roman"/>
-                <a:cs typeface="Times New Roman"/>
-              </a:rPr>
-              <a:t> </a:t>
-            </a:r>
-            <a:r>
-              <a:rPr lang="en-US" dirty="0" err="1">
+              <a:rPr lang="en-US">
+                <a:latin typeface="Times New Roman"/>
+                <a:cs typeface="Times New Roman"/>
+              </a:rPr>
+              <a:t> </a:t>
+            </a:r>
+            <a:r>
+              <a:rPr lang="en-US" err="1">
                 <a:latin typeface="Times New Roman"/>
                 <a:cs typeface="Times New Roman"/>
               </a:rPr>
               <a:t>yêu</a:t>
             </a:r>
             <a:r>
-              <a:rPr lang="en-US" dirty="0">
-                <a:latin typeface="Times New Roman"/>
-                <a:cs typeface="Times New Roman"/>
-              </a:rPr>
-              <a:t> </a:t>
-            </a:r>
-            <a:r>
-              <a:rPr lang="en-US" dirty="0" err="1">
+              <a:rPr lang="en-US">
+                <a:latin typeface="Times New Roman"/>
+                <a:cs typeface="Times New Roman"/>
+              </a:rPr>
+              <a:t> </a:t>
+            </a:r>
+            <a:r>
+              <a:rPr lang="en-US" err="1">
                 <a:latin typeface="Times New Roman"/>
                 <a:cs typeface="Times New Roman"/>
               </a:rPr>
               <a:t>cầu</a:t>
             </a:r>
             <a:r>
-              <a:rPr lang="en-US" dirty="0">
-                <a:latin typeface="Times New Roman"/>
-                <a:cs typeface="Times New Roman"/>
-              </a:rPr>
-              <a:t> </a:t>
-            </a:r>
-            <a:r>
-              <a:rPr lang="en-US" dirty="0" err="1">
+              <a:rPr lang="en-US">
+                <a:latin typeface="Times New Roman"/>
+                <a:cs typeface="Times New Roman"/>
+              </a:rPr>
+              <a:t> </a:t>
+            </a:r>
+            <a:r>
+              <a:rPr lang="en-US" err="1">
                 <a:latin typeface="Times New Roman"/>
                 <a:cs typeface="Times New Roman"/>
               </a:rPr>
               <a:t>cấp</a:t>
             </a:r>
             <a:r>
-              <a:rPr lang="en-US" dirty="0">
-                <a:latin typeface="Times New Roman"/>
-                <a:cs typeface="Times New Roman"/>
-              </a:rPr>
-              <a:t> </a:t>
-            </a:r>
-            <a:r>
-              <a:rPr lang="en-US" dirty="0" err="1">
+              <a:rPr lang="en-US">
+                <a:latin typeface="Times New Roman"/>
+                <a:cs typeface="Times New Roman"/>
+              </a:rPr>
+              <a:t> </a:t>
+            </a:r>
+            <a:r>
+              <a:rPr lang="en-US" err="1">
                 <a:latin typeface="Times New Roman"/>
                 <a:cs typeface="Times New Roman"/>
               </a:rPr>
               <a:t>luồng</a:t>
             </a:r>
             <a:r>
-              <a:rPr lang="en-US" dirty="0">
-                <a:latin typeface="Times New Roman"/>
-                <a:cs typeface="Times New Roman"/>
-              </a:rPr>
-              <a:t> </a:t>
-            </a:r>
-            <a:r>
-              <a:rPr lang="en-US" dirty="0" err="1">
+              <a:rPr lang="en-US">
+                <a:latin typeface="Times New Roman"/>
+                <a:cs typeface="Times New Roman"/>
+              </a:rPr>
+              <a:t> </a:t>
+            </a:r>
+            <a:r>
+              <a:rPr lang="en-US" err="1">
                 <a:latin typeface="Times New Roman"/>
                 <a:cs typeface="Times New Roman"/>
               </a:rPr>
               <a:t>khi</a:t>
             </a:r>
             <a:r>
-              <a:rPr lang="en-US" dirty="0">
-                <a:latin typeface="Times New Roman"/>
-                <a:cs typeface="Times New Roman"/>
-              </a:rPr>
-              <a:t> </a:t>
-            </a:r>
-            <a:r>
-              <a:rPr lang="en-US" dirty="0" err="1">
+              <a:rPr lang="en-US">
+                <a:latin typeface="Times New Roman"/>
+                <a:cs typeface="Times New Roman"/>
+              </a:rPr>
+              <a:t> </a:t>
+            </a:r>
+            <a:r>
+              <a:rPr lang="en-US" err="1">
                 <a:latin typeface="Times New Roman"/>
                 <a:cs typeface="Times New Roman"/>
               </a:rPr>
               <a:t>đã</a:t>
             </a:r>
             <a:r>
-              <a:rPr lang="en-US" dirty="0">
-                <a:latin typeface="Times New Roman"/>
-                <a:cs typeface="Times New Roman"/>
-              </a:rPr>
-              <a:t> </a:t>
-            </a:r>
-            <a:r>
-              <a:rPr lang="en-US" dirty="0" err="1">
+              <a:rPr lang="en-US">
+                <a:latin typeface="Times New Roman"/>
+                <a:cs typeface="Times New Roman"/>
+              </a:rPr>
+              <a:t> </a:t>
+            </a:r>
+            <a:r>
+              <a:rPr lang="en-US" err="1">
                 <a:latin typeface="Times New Roman"/>
                 <a:cs typeface="Times New Roman"/>
               </a:rPr>
               <a:t>đạt</a:t>
             </a:r>
             <a:r>
-              <a:rPr lang="en-US" dirty="0">
-                <a:latin typeface="Times New Roman"/>
-                <a:cs typeface="Times New Roman"/>
-              </a:rPr>
-              <a:t> </a:t>
-            </a:r>
-            <a:r>
-              <a:rPr lang="en-US" dirty="0" err="1">
+              <a:rPr lang="en-US">
+                <a:latin typeface="Times New Roman"/>
+                <a:cs typeface="Times New Roman"/>
+              </a:rPr>
+              <a:t> </a:t>
+            </a:r>
+            <a:r>
+              <a:rPr lang="en-US" err="1">
                 <a:latin typeface="Times New Roman"/>
                 <a:cs typeface="Times New Roman"/>
               </a:rPr>
               <a:t>tối</a:t>
             </a:r>
             <a:r>
-              <a:rPr lang="en-US" dirty="0">
-                <a:latin typeface="Times New Roman"/>
-                <a:cs typeface="Times New Roman"/>
-              </a:rPr>
-              <a:t> </a:t>
-            </a:r>
-            <a:r>
-              <a:rPr lang="en-US" dirty="0" err="1">
+              <a:rPr lang="en-US">
+                <a:latin typeface="Times New Roman"/>
+                <a:cs typeface="Times New Roman"/>
+              </a:rPr>
+              <a:t> </a:t>
+            </a:r>
+            <a:r>
+              <a:rPr lang="en-US" err="1">
                 <a:latin typeface="Times New Roman"/>
                 <a:cs typeface="Times New Roman"/>
               </a:rPr>
               <a:t>đa</a:t>
             </a:r>
             <a:r>
-              <a:rPr lang="en-US" dirty="0">
+              <a:rPr lang="en-US">
                 <a:latin typeface="Times New Roman"/>
                 <a:cs typeface="Times New Roman"/>
               </a:rPr>
@@ -12896,266 +13204,266 @@
               <a:buNone/>
             </a:pPr>
             <a:r>
-              <a:rPr lang="en-US" dirty="0" err="1">
+              <a:rPr lang="en-US" err="1">
                 <a:latin typeface="Times New Roman"/>
                 <a:cs typeface="Times New Roman"/>
               </a:rPr>
               <a:t>testOnBorrow</a:t>
             </a:r>
             <a:r>
-              <a:rPr lang="en-US" dirty="0">
+              <a:rPr lang="en-US">
                 <a:latin typeface="Times New Roman"/>
                 <a:cs typeface="Times New Roman"/>
               </a:rPr>
               <a:t>: </a:t>
             </a:r>
             <a:r>
-              <a:rPr lang="en-US" dirty="0" err="1">
+              <a:rPr lang="en-US" err="1">
                 <a:latin typeface="Times New Roman"/>
                 <a:cs typeface="Times New Roman"/>
               </a:rPr>
               <a:t>Kiểm</a:t>
             </a:r>
             <a:r>
-              <a:rPr lang="en-US" dirty="0">
-                <a:latin typeface="Times New Roman"/>
-                <a:cs typeface="Times New Roman"/>
-              </a:rPr>
-              <a:t> </a:t>
-            </a:r>
-            <a:r>
-              <a:rPr lang="en-US" dirty="0" err="1">
+              <a:rPr lang="en-US">
+                <a:latin typeface="Times New Roman"/>
+                <a:cs typeface="Times New Roman"/>
+              </a:rPr>
+              <a:t> </a:t>
+            </a:r>
+            <a:r>
+              <a:rPr lang="en-US" err="1">
                 <a:latin typeface="Times New Roman"/>
                 <a:cs typeface="Times New Roman"/>
               </a:rPr>
               <a:t>tra</a:t>
             </a:r>
             <a:r>
-              <a:rPr lang="en-US" dirty="0">
-                <a:latin typeface="Times New Roman"/>
-                <a:cs typeface="Times New Roman"/>
-              </a:rPr>
-              <a:t> </a:t>
-            </a:r>
-            <a:r>
-              <a:rPr lang="en-US" dirty="0" err="1">
+              <a:rPr lang="en-US">
+                <a:latin typeface="Times New Roman"/>
+                <a:cs typeface="Times New Roman"/>
+              </a:rPr>
+              <a:t> </a:t>
+            </a:r>
+            <a:r>
+              <a:rPr lang="en-US" err="1">
                 <a:latin typeface="Times New Roman"/>
                 <a:cs typeface="Times New Roman"/>
               </a:rPr>
               <a:t>hợp</a:t>
             </a:r>
             <a:r>
-              <a:rPr lang="en-US" dirty="0">
-                <a:latin typeface="Times New Roman"/>
-                <a:cs typeface="Times New Roman"/>
-              </a:rPr>
-              <a:t> </a:t>
-            </a:r>
-            <a:r>
-              <a:rPr lang="en-US" dirty="0" err="1">
+              <a:rPr lang="en-US">
+                <a:latin typeface="Times New Roman"/>
+                <a:cs typeface="Times New Roman"/>
+              </a:rPr>
+              <a:t> </a:t>
+            </a:r>
+            <a:r>
+              <a:rPr lang="en-US" err="1">
                 <a:latin typeface="Times New Roman"/>
                 <a:cs typeface="Times New Roman"/>
               </a:rPr>
               <a:t>lệ</a:t>
             </a:r>
             <a:r>
-              <a:rPr lang="en-US" dirty="0">
-                <a:latin typeface="Times New Roman"/>
-                <a:cs typeface="Times New Roman"/>
-              </a:rPr>
-              <a:t> </a:t>
-            </a:r>
-            <a:r>
-              <a:rPr lang="en-US" dirty="0" err="1">
+              <a:rPr lang="en-US">
+                <a:latin typeface="Times New Roman"/>
+                <a:cs typeface="Times New Roman"/>
+              </a:rPr>
+              <a:t> </a:t>
+            </a:r>
+            <a:r>
+              <a:rPr lang="en-US" err="1">
                 <a:latin typeface="Times New Roman"/>
                 <a:cs typeface="Times New Roman"/>
               </a:rPr>
               <a:t>từng</a:t>
             </a:r>
             <a:r>
-              <a:rPr lang="en-US" dirty="0">
+              <a:rPr lang="en-US">
                 <a:latin typeface="Times New Roman"/>
                 <a:cs typeface="Times New Roman"/>
               </a:rPr>
               <a:t> connect </a:t>
             </a:r>
             <a:r>
-              <a:rPr lang="en-US" dirty="0" err="1">
+              <a:rPr lang="en-US" err="1">
                 <a:latin typeface="Times New Roman"/>
                 <a:cs typeface="Times New Roman"/>
               </a:rPr>
               <a:t>khi</a:t>
             </a:r>
             <a:r>
-              <a:rPr lang="en-US" dirty="0">
-                <a:latin typeface="Times New Roman"/>
-                <a:cs typeface="Times New Roman"/>
-              </a:rPr>
-              <a:t> </a:t>
-            </a:r>
-            <a:r>
-              <a:rPr lang="en-US" dirty="0" err="1">
+              <a:rPr lang="en-US">
+                <a:latin typeface="Times New Roman"/>
+                <a:cs typeface="Times New Roman"/>
+              </a:rPr>
+              <a:t> </a:t>
+            </a:r>
+            <a:r>
+              <a:rPr lang="en-US" err="1">
                 <a:latin typeface="Times New Roman"/>
                 <a:cs typeface="Times New Roman"/>
               </a:rPr>
               <a:t>được</a:t>
             </a:r>
             <a:r>
-              <a:rPr lang="en-US" dirty="0">
-                <a:latin typeface="Times New Roman"/>
-                <a:cs typeface="Times New Roman"/>
-              </a:rPr>
-              <a:t> </a:t>
-            </a:r>
-            <a:r>
-              <a:rPr lang="en-US" dirty="0" err="1">
+              <a:rPr lang="en-US">
+                <a:latin typeface="Times New Roman"/>
+                <a:cs typeface="Times New Roman"/>
+              </a:rPr>
+              <a:t> </a:t>
+            </a:r>
+            <a:r>
+              <a:rPr lang="en-US" err="1">
                 <a:latin typeface="Times New Roman"/>
                 <a:cs typeface="Times New Roman"/>
               </a:rPr>
               <a:t>mượn</a:t>
             </a:r>
             <a:r>
-              <a:rPr lang="en-US" dirty="0">
+              <a:rPr lang="en-US">
                 <a:latin typeface="Times New Roman"/>
                 <a:cs typeface="Times New Roman"/>
               </a:rPr>
               <a:t>, </a:t>
             </a:r>
             <a:r>
-              <a:rPr lang="en-US" dirty="0" err="1">
+              <a:rPr lang="en-US" err="1">
                 <a:latin typeface="Times New Roman"/>
                 <a:cs typeface="Times New Roman"/>
               </a:rPr>
               <a:t>nếu</a:t>
             </a:r>
             <a:r>
-              <a:rPr lang="en-US" dirty="0">
+              <a:rPr lang="en-US">
                 <a:latin typeface="Times New Roman"/>
                 <a:cs typeface="Times New Roman"/>
               </a:rPr>
               <a:t> connect </a:t>
             </a:r>
             <a:r>
-              <a:rPr lang="en-US" dirty="0" err="1">
+              <a:rPr lang="en-US" err="1">
                 <a:latin typeface="Times New Roman"/>
                 <a:cs typeface="Times New Roman"/>
               </a:rPr>
               <a:t>không</a:t>
             </a:r>
             <a:r>
-              <a:rPr lang="en-US" dirty="0">
-                <a:latin typeface="Times New Roman"/>
-                <a:cs typeface="Times New Roman"/>
-              </a:rPr>
-              <a:t> </a:t>
-            </a:r>
-            <a:r>
-              <a:rPr lang="en-US" dirty="0" err="1">
+              <a:rPr lang="en-US">
+                <a:latin typeface="Times New Roman"/>
+                <a:cs typeface="Times New Roman"/>
+              </a:rPr>
+              <a:t> </a:t>
+            </a:r>
+            <a:r>
+              <a:rPr lang="en-US" err="1">
                 <a:latin typeface="Times New Roman"/>
                 <a:cs typeface="Times New Roman"/>
               </a:rPr>
               <a:t>hợp</a:t>
             </a:r>
             <a:r>
-              <a:rPr lang="en-US" dirty="0">
-                <a:latin typeface="Times New Roman"/>
-                <a:cs typeface="Times New Roman"/>
-              </a:rPr>
-              <a:t> </a:t>
-            </a:r>
-            <a:r>
-              <a:rPr lang="en-US" dirty="0" err="1">
+              <a:rPr lang="en-US">
+                <a:latin typeface="Times New Roman"/>
+                <a:cs typeface="Times New Roman"/>
+              </a:rPr>
+              <a:t> </a:t>
+            </a:r>
+            <a:r>
+              <a:rPr lang="en-US" err="1">
                 <a:latin typeface="Times New Roman"/>
                 <a:cs typeface="Times New Roman"/>
               </a:rPr>
               <a:t>lệ</a:t>
             </a:r>
             <a:r>
-              <a:rPr lang="en-US" dirty="0">
-                <a:latin typeface="Times New Roman"/>
-                <a:cs typeface="Times New Roman"/>
-              </a:rPr>
-              <a:t> </a:t>
-            </a:r>
-            <a:r>
-              <a:rPr lang="en-US" dirty="0" err="1">
+              <a:rPr lang="en-US">
+                <a:latin typeface="Times New Roman"/>
+                <a:cs typeface="Times New Roman"/>
+              </a:rPr>
+              <a:t> </a:t>
+            </a:r>
+            <a:r>
+              <a:rPr lang="en-US" err="1">
                 <a:latin typeface="Times New Roman"/>
                 <a:cs typeface="Times New Roman"/>
               </a:rPr>
               <a:t>thì</a:t>
             </a:r>
             <a:r>
-              <a:rPr lang="en-US" dirty="0">
-                <a:latin typeface="Times New Roman"/>
-                <a:cs typeface="Times New Roman"/>
-              </a:rPr>
-              <a:t> </a:t>
-            </a:r>
-            <a:r>
-              <a:rPr lang="en-US" dirty="0" err="1">
+              <a:rPr lang="en-US">
+                <a:latin typeface="Times New Roman"/>
+                <a:cs typeface="Times New Roman"/>
+              </a:rPr>
+              <a:t> </a:t>
+            </a:r>
+            <a:r>
+              <a:rPr lang="en-US" err="1">
                 <a:latin typeface="Times New Roman"/>
                 <a:cs typeface="Times New Roman"/>
               </a:rPr>
               <a:t>loại</a:t>
             </a:r>
             <a:r>
-              <a:rPr lang="en-US" dirty="0">
+              <a:rPr lang="en-US">
                 <a:latin typeface="Times New Roman"/>
                 <a:cs typeface="Times New Roman"/>
               </a:rPr>
               <a:t> connect </a:t>
             </a:r>
             <a:r>
-              <a:rPr lang="en-US" dirty="0" err="1">
+              <a:rPr lang="en-US" err="1">
                 <a:latin typeface="Times New Roman"/>
                 <a:cs typeface="Times New Roman"/>
               </a:rPr>
               <a:t>khỏi</a:t>
             </a:r>
             <a:r>
-              <a:rPr lang="en-US" dirty="0">
+              <a:rPr lang="en-US">
                 <a:latin typeface="Times New Roman"/>
                 <a:cs typeface="Times New Roman"/>
               </a:rPr>
               <a:t> pool </a:t>
             </a:r>
             <a:r>
-              <a:rPr lang="en-US" dirty="0" err="1">
+              <a:rPr lang="en-US" err="1">
                 <a:latin typeface="Times New Roman"/>
                 <a:cs typeface="Times New Roman"/>
               </a:rPr>
               <a:t>và</a:t>
             </a:r>
             <a:r>
-              <a:rPr lang="en-US" dirty="0">
-                <a:latin typeface="Times New Roman"/>
-                <a:cs typeface="Times New Roman"/>
-              </a:rPr>
-              <a:t> </a:t>
-            </a:r>
-            <a:r>
-              <a:rPr lang="en-US" dirty="0" err="1">
+              <a:rPr lang="en-US">
+                <a:latin typeface="Times New Roman"/>
+                <a:cs typeface="Times New Roman"/>
+              </a:rPr>
+              <a:t> </a:t>
+            </a:r>
+            <a:r>
+              <a:rPr lang="en-US" err="1">
                 <a:latin typeface="Times New Roman"/>
                 <a:cs typeface="Times New Roman"/>
               </a:rPr>
               <a:t>lấy</a:t>
             </a:r>
             <a:r>
-              <a:rPr lang="en-US" dirty="0">
+              <a:rPr lang="en-US">
                 <a:latin typeface="Times New Roman"/>
                 <a:cs typeface="Times New Roman"/>
               </a:rPr>
               <a:t> connect </a:t>
             </a:r>
             <a:r>
-              <a:rPr lang="en-US" dirty="0" err="1">
+              <a:rPr lang="en-US" err="1">
                 <a:latin typeface="Times New Roman"/>
                 <a:cs typeface="Times New Roman"/>
               </a:rPr>
               <a:t>khác</a:t>
             </a:r>
             <a:r>
-              <a:rPr lang="en-US" dirty="0">
+              <a:rPr lang="en-US">
                 <a:latin typeface="Times New Roman"/>
                 <a:cs typeface="Times New Roman"/>
               </a:rPr>
@@ -13167,105 +13475,105 @@
               <a:buNone/>
             </a:pPr>
             <a:r>
-              <a:rPr lang="en-US" dirty="0">
+              <a:rPr lang="en-US">
                 <a:latin typeface="Times New Roman"/>
                 <a:cs typeface="Times New Roman"/>
               </a:rPr>
               <a:t>testOnReturn: Kiểm tra hợp lệ từng connect khi tả lại pool, </a:t>
             </a:r>
             <a:r>
-              <a:rPr lang="en-US" dirty="0" err="1">
+              <a:rPr lang="en-US" err="1">
                 <a:latin typeface="Times New Roman"/>
                 <a:cs typeface="Times New Roman"/>
               </a:rPr>
               <a:t>nếu</a:t>
             </a:r>
             <a:r>
-              <a:rPr lang="en-US" dirty="0">
+              <a:rPr lang="en-US">
                 <a:latin typeface="Times New Roman"/>
                 <a:cs typeface="Times New Roman"/>
               </a:rPr>
               <a:t> connect </a:t>
             </a:r>
             <a:r>
-              <a:rPr lang="en-US" dirty="0" err="1">
+              <a:rPr lang="en-US" err="1">
                 <a:latin typeface="Times New Roman"/>
                 <a:cs typeface="Times New Roman"/>
               </a:rPr>
               <a:t>không</a:t>
             </a:r>
             <a:r>
-              <a:rPr lang="en-US" dirty="0">
-                <a:latin typeface="Times New Roman"/>
-                <a:cs typeface="Times New Roman"/>
-              </a:rPr>
-              <a:t> </a:t>
-            </a:r>
-            <a:r>
-              <a:rPr lang="en-US" dirty="0" err="1">
+              <a:rPr lang="en-US">
+                <a:latin typeface="Times New Roman"/>
+                <a:cs typeface="Times New Roman"/>
+              </a:rPr>
+              <a:t> </a:t>
+            </a:r>
+            <a:r>
+              <a:rPr lang="en-US" err="1">
                 <a:latin typeface="Times New Roman"/>
                 <a:cs typeface="Times New Roman"/>
               </a:rPr>
               <a:t>hợp</a:t>
             </a:r>
             <a:r>
-              <a:rPr lang="en-US" dirty="0">
-                <a:latin typeface="Times New Roman"/>
-                <a:cs typeface="Times New Roman"/>
-              </a:rPr>
-              <a:t> </a:t>
-            </a:r>
-            <a:r>
-              <a:rPr lang="en-US" dirty="0" err="1">
+              <a:rPr lang="en-US">
+                <a:latin typeface="Times New Roman"/>
+                <a:cs typeface="Times New Roman"/>
+              </a:rPr>
+              <a:t> </a:t>
+            </a:r>
+            <a:r>
+              <a:rPr lang="en-US" err="1">
                 <a:latin typeface="Times New Roman"/>
                 <a:cs typeface="Times New Roman"/>
               </a:rPr>
               <a:t>lệ</a:t>
             </a:r>
             <a:r>
-              <a:rPr lang="en-US" dirty="0">
-                <a:latin typeface="Times New Roman"/>
-                <a:cs typeface="Times New Roman"/>
-              </a:rPr>
-              <a:t> </a:t>
-            </a:r>
-            <a:r>
-              <a:rPr lang="en-US" dirty="0" err="1">
+              <a:rPr lang="en-US">
+                <a:latin typeface="Times New Roman"/>
+                <a:cs typeface="Times New Roman"/>
+              </a:rPr>
+              <a:t> </a:t>
+            </a:r>
+            <a:r>
+              <a:rPr lang="en-US" err="1">
                 <a:latin typeface="Times New Roman"/>
                 <a:cs typeface="Times New Roman"/>
               </a:rPr>
               <a:t>thì</a:t>
             </a:r>
             <a:r>
-              <a:rPr lang="en-US" dirty="0">
-                <a:latin typeface="Times New Roman"/>
-                <a:cs typeface="Times New Roman"/>
-              </a:rPr>
-              <a:t> </a:t>
-            </a:r>
-            <a:r>
-              <a:rPr lang="en-US" dirty="0" err="1">
+              <a:rPr lang="en-US">
+                <a:latin typeface="Times New Roman"/>
+                <a:cs typeface="Times New Roman"/>
+              </a:rPr>
+              <a:t> </a:t>
+            </a:r>
+            <a:r>
+              <a:rPr lang="en-US" err="1">
                 <a:latin typeface="Times New Roman"/>
                 <a:cs typeface="Times New Roman"/>
               </a:rPr>
               <a:t>loại</a:t>
             </a:r>
             <a:r>
-              <a:rPr lang="en-US" dirty="0">
-                <a:latin typeface="Times New Roman"/>
-                <a:cs typeface="Times New Roman"/>
-              </a:rPr>
-              <a:t> </a:t>
-            </a:r>
-            <a:r>
-              <a:rPr lang="en-US" dirty="0" err="1">
+              <a:rPr lang="en-US">
+                <a:latin typeface="Times New Roman"/>
+                <a:cs typeface="Times New Roman"/>
+              </a:rPr>
+              <a:t> </a:t>
+            </a:r>
+            <a:r>
+              <a:rPr lang="en-US" err="1">
                 <a:latin typeface="Times New Roman"/>
                 <a:cs typeface="Times New Roman"/>
               </a:rPr>
               <a:t>khỏi</a:t>
             </a:r>
             <a:r>
-              <a:rPr lang="en-US" dirty="0">
+              <a:rPr lang="en-US">
                 <a:latin typeface="Times New Roman"/>
                 <a:cs typeface="Times New Roman"/>
               </a:rPr>
@@ -13284,6 +13592,18 @@
   <p:clrMapOvr>
     <a:masterClrMapping/>
   </p:clrMapOvr>
+  <mc:AlternateContent xmlns:mc="http://schemas.openxmlformats.org/markup-compatibility/2006" xmlns:p14="http://schemas.microsoft.com/office/powerpoint/2010/main">
+    <mc:Choice Requires="p14">
+      <p:transition spd="med" p14:dur="700">
+        <p:fade/>
+      </p:transition>
+    </mc:Choice>
+    <mc:Fallback xmlns="">
+      <p:transition spd="med">
+        <p:fade/>
+      </p:transition>
+    </mc:Fallback>
+  </mc:AlternateContent>
 </p:sld>
 </file>
 
@@ -13331,13 +13651,13 @@
           <a:lstStyle/>
           <a:p>
             <a:r>
-              <a:rPr lang="en-US" dirty="0">
+              <a:rPr lang="en-US">
                 <a:latin typeface="Times New Roman"/>
                 <a:cs typeface="Times New Roman"/>
               </a:rPr>
               <a:t>Thrift - HTTP</a:t>
             </a:r>
-            <a:endParaRPr lang="en-US" dirty="0"/>
+            <a:endParaRPr lang="en-US"/>
           </a:p>
         </p:txBody>
       </p:sp>
@@ -13373,7 +13693,7 @@
               <a:buNone/>
             </a:pPr>
             <a:r>
-              <a:rPr lang="en-US" dirty="0" err="1">
+              <a:rPr lang="en-US" err="1">
                 <a:latin typeface="Times New Roman"/>
                 <a:cs typeface="Times New Roman"/>
               </a:rPr>
@@ -13387,7 +13707,7 @@
               <a:t> </a:t>
             </a:r>
             <a:r>
-              <a:rPr lang="en-US" dirty="0" err="1">
+              <a:rPr lang="en-US" err="1">
                 <a:latin typeface="Times New Roman"/>
                 <a:cs typeface="Times New Roman"/>
               </a:rPr>
@@ -13406,7 +13726,7 @@
               <a:buNone/>
             </a:pPr>
             <a:r>
-              <a:rPr lang="en-US" dirty="0" err="1">
+              <a:rPr lang="en-US" err="1">
                 <a:latin typeface="Times New Roman"/>
                 <a:cs typeface="Times New Roman"/>
               </a:rPr>
@@ -13420,7 +13740,7 @@
               <a:t> </a:t>
             </a:r>
             <a:r>
-              <a:rPr lang="en-US" dirty="0" err="1">
+              <a:rPr lang="en-US" err="1">
                 <a:latin typeface="Times New Roman"/>
                 <a:cs typeface="Times New Roman"/>
               </a:rPr>
@@ -13434,7 +13754,7 @@
               <a:t> </a:t>
             </a:r>
             <a:r>
-              <a:rPr lang="en-US" dirty="0" err="1">
+              <a:rPr lang="en-US" err="1">
                 <a:latin typeface="Times New Roman"/>
                 <a:cs typeface="Times New Roman"/>
               </a:rPr>
@@ -13448,7 +13768,7 @@
               <a:t> </a:t>
             </a:r>
             <a:r>
-              <a:rPr lang="en-US" dirty="0" err="1">
+              <a:rPr lang="en-US" err="1">
                 <a:latin typeface="Times New Roman"/>
                 <a:cs typeface="Times New Roman"/>
               </a:rPr>
@@ -13462,7 +13782,7 @@
               <a:t> </a:t>
             </a:r>
             <a:r>
-              <a:rPr lang="en-US" dirty="0" err="1">
+              <a:rPr lang="en-US" err="1">
                 <a:latin typeface="Times New Roman"/>
                 <a:cs typeface="Times New Roman"/>
               </a:rPr>
@@ -13476,7 +13796,7 @@
               <a:t> </a:t>
             </a:r>
             <a:r>
-              <a:rPr lang="en-US" dirty="0" err="1">
+              <a:rPr lang="en-US" err="1">
                 <a:latin typeface="Times New Roman"/>
                 <a:cs typeface="Times New Roman"/>
               </a:rPr>
@@ -13490,7 +13810,7 @@
               <a:t> </a:t>
             </a:r>
             <a:r>
-              <a:rPr lang="en-US" dirty="0" err="1">
+              <a:rPr lang="en-US" err="1">
                 <a:latin typeface="Times New Roman"/>
                 <a:cs typeface="Times New Roman"/>
               </a:rPr>
@@ -13504,7 +13824,7 @@
               <a:t> </a:t>
             </a:r>
             <a:r>
-              <a:rPr lang="en-US" dirty="0" err="1">
+              <a:rPr lang="en-US" err="1">
                 <a:latin typeface="Times New Roman"/>
                 <a:cs typeface="Times New Roman"/>
               </a:rPr>
@@ -13518,7 +13838,7 @@
               <a:t> client </a:t>
             </a:r>
             <a:r>
-              <a:rPr lang="en-US" dirty="0" err="1">
+              <a:rPr lang="en-US" err="1">
                 <a:latin typeface="Times New Roman"/>
                 <a:cs typeface="Times New Roman"/>
               </a:rPr>
@@ -13532,7 +13852,7 @@
               <a:t> server </a:t>
             </a:r>
             <a:r>
-              <a:rPr lang="en-US" dirty="0" err="1">
+              <a:rPr lang="en-US" err="1">
                 <a:latin typeface="Times New Roman"/>
                 <a:cs typeface="Times New Roman"/>
               </a:rPr>
@@ -13546,7 +13866,7 @@
               <a:t> internet </a:t>
             </a:r>
             <a:r>
-              <a:rPr lang="en-US" dirty="0" err="1">
+              <a:rPr lang="en-US" err="1">
                 <a:latin typeface="Times New Roman"/>
                 <a:cs typeface="Times New Roman"/>
               </a:rPr>
@@ -13560,7 +13880,7 @@
               <a:t> </a:t>
             </a:r>
             <a:r>
-              <a:rPr lang="en-US" dirty="0" err="1">
+              <a:rPr lang="en-US" err="1">
                 <a:latin typeface="Times New Roman"/>
                 <a:cs typeface="Times New Roman"/>
               </a:rPr>
@@ -13574,7 +13894,7 @@
               <a:t> </a:t>
             </a:r>
             <a:r>
-              <a:rPr lang="en-US" dirty="0" err="1">
+              <a:rPr lang="en-US" err="1">
                 <a:latin typeface="Times New Roman"/>
                 <a:cs typeface="Times New Roman"/>
               </a:rPr>
@@ -13588,7 +13908,7 @@
               <a:t> </a:t>
             </a:r>
             <a:r>
-              <a:rPr lang="en-US" dirty="0" err="1">
+              <a:rPr lang="en-US" err="1">
                 <a:latin typeface="Times New Roman"/>
                 <a:cs typeface="Times New Roman"/>
               </a:rPr>
@@ -13602,7 +13922,7 @@
               <a:t> </a:t>
             </a:r>
             <a:r>
-              <a:rPr lang="en-US" dirty="0" err="1">
+              <a:rPr lang="en-US" err="1">
                 <a:latin typeface="Times New Roman"/>
                 <a:cs typeface="Times New Roman"/>
               </a:rPr>
@@ -13616,7 +13936,7 @@
               <a:t> </a:t>
             </a:r>
             <a:r>
-              <a:rPr lang="en-US" dirty="0" err="1">
+              <a:rPr lang="en-US" err="1">
                 <a:latin typeface="Times New Roman"/>
                 <a:cs typeface="Times New Roman"/>
               </a:rPr>
@@ -13630,7 +13950,7 @@
               <a:t>, </a:t>
             </a:r>
             <a:r>
-              <a:rPr lang="en-US" dirty="0" err="1">
+              <a:rPr lang="en-US" err="1">
                 <a:latin typeface="Times New Roman"/>
                 <a:cs typeface="Times New Roman"/>
               </a:rPr>
@@ -13644,7 +13964,7 @@
               <a:t> </a:t>
             </a:r>
             <a:r>
-              <a:rPr lang="en-US" dirty="0" err="1">
+              <a:rPr lang="en-US" err="1">
                 <a:latin typeface="Times New Roman"/>
                 <a:cs typeface="Times New Roman"/>
               </a:rPr>
@@ -13658,7 +13978,7 @@
               <a:t> </a:t>
             </a:r>
             <a:r>
-              <a:rPr lang="en-US" dirty="0" err="1">
+              <a:rPr lang="en-US" err="1">
                 <a:latin typeface="Times New Roman"/>
                 <a:cs typeface="Times New Roman"/>
               </a:rPr>
@@ -13672,7 +13992,7 @@
               <a:t> </a:t>
             </a:r>
             <a:r>
-              <a:rPr lang="en-US" dirty="0" err="1">
+              <a:rPr lang="en-US" err="1">
                 <a:latin typeface="Times New Roman"/>
                 <a:cs typeface="Times New Roman"/>
               </a:rPr>
@@ -13686,7 +14006,7 @@
               <a:t> </a:t>
             </a:r>
             <a:r>
-              <a:rPr lang="en-US" dirty="0" err="1">
+              <a:rPr lang="en-US" err="1">
                 <a:latin typeface="Times New Roman"/>
                 <a:cs typeface="Times New Roman"/>
               </a:rPr>
@@ -13700,20 +14020,26 @@
               <a:t> </a:t>
             </a:r>
             <a:r>
-              <a:rPr lang="en-US" dirty="0" err="1">
+              <a:rPr lang="en-US" err="1">
                 <a:latin typeface="Times New Roman"/>
                 <a:cs typeface="Times New Roman"/>
               </a:rPr>
               <a:t>nhau</a:t>
             </a:r>
-            <a:endParaRPr lang="en-US" dirty="0" err="1"/>
+            <a:r>
+              <a:rPr lang="en-US" dirty="0">
+                <a:latin typeface="Times New Roman"/>
+                <a:cs typeface="Times New Roman"/>
+              </a:rPr>
+              <a:t>.</a:t>
+            </a:r>
           </a:p>
           <a:p>
             <a:pPr>
               <a:buNone/>
             </a:pPr>
             <a:r>
-              <a:rPr lang="en-US" dirty="0" err="1">
+              <a:rPr lang="en-US" err="1">
                 <a:latin typeface="Times New Roman"/>
                 <a:cs typeface="Times New Roman"/>
               </a:rPr>
@@ -13727,7 +14053,124 @@
               <a:t> </a:t>
             </a:r>
             <a:r>
-              <a:rPr lang="en-US" dirty="0" err="1">
+              <a:rPr lang="en-US" err="1">
+                <a:latin typeface="Times New Roman"/>
+                <a:cs typeface="Times New Roman"/>
+              </a:rPr>
+              <a:t>hoạt</a:t>
+            </a:r>
+            <a:r>
+              <a:rPr lang="en-US" dirty="0">
+                <a:latin typeface="Times New Roman"/>
+                <a:cs typeface="Times New Roman"/>
+              </a:rPr>
+              <a:t> </a:t>
+            </a:r>
+            <a:r>
+              <a:rPr lang="en-US" err="1">
+                <a:latin typeface="Times New Roman"/>
+                <a:cs typeface="Times New Roman"/>
+              </a:rPr>
+              <a:t>động</a:t>
+            </a:r>
+            <a:r>
+              <a:rPr lang="en-US" dirty="0">
+                <a:latin typeface="Times New Roman"/>
+                <a:cs typeface="Times New Roman"/>
+              </a:rPr>
+              <a:t> </a:t>
+            </a:r>
+            <a:r>
+              <a:rPr lang="en-US" err="1">
+                <a:latin typeface="Times New Roman"/>
+                <a:cs typeface="Times New Roman"/>
+              </a:rPr>
+              <a:t>trên</a:t>
+            </a:r>
+            <a:r>
+              <a:rPr lang="en-US" dirty="0">
+                <a:latin typeface="Times New Roman"/>
+                <a:cs typeface="Times New Roman"/>
+              </a:rPr>
+              <a:t> </a:t>
+            </a:r>
+            <a:r>
+              <a:rPr lang="en-US" err="1">
+                <a:latin typeface="Times New Roman"/>
+                <a:cs typeface="Times New Roman"/>
+              </a:rPr>
+              <a:t>tầng</a:t>
+            </a:r>
+            <a:r>
+              <a:rPr lang="en-US" dirty="0">
+                <a:latin typeface="Times New Roman"/>
+                <a:cs typeface="Times New Roman"/>
+              </a:rPr>
+              <a:t> application </a:t>
+            </a:r>
+            <a:r>
+              <a:rPr lang="en-US" err="1">
+                <a:latin typeface="Times New Roman"/>
+                <a:cs typeface="Times New Roman"/>
+              </a:rPr>
+              <a:t>của</a:t>
+            </a:r>
+            <a:r>
+              <a:rPr lang="en-US" dirty="0">
+                <a:latin typeface="Times New Roman"/>
+                <a:cs typeface="Times New Roman"/>
+              </a:rPr>
+              <a:t> </a:t>
+            </a:r>
+            <a:r>
+              <a:rPr lang="en-US" err="1">
+                <a:latin typeface="Times New Roman"/>
+                <a:cs typeface="Times New Roman"/>
+              </a:rPr>
+              <a:t>mô</a:t>
+            </a:r>
+            <a:r>
+              <a:rPr lang="en-US" dirty="0">
+                <a:latin typeface="Times New Roman"/>
+                <a:cs typeface="Times New Roman"/>
+              </a:rPr>
+              <a:t> </a:t>
+            </a:r>
+            <a:r>
+              <a:rPr lang="en-US" err="1">
+                <a:latin typeface="Times New Roman"/>
+                <a:cs typeface="Times New Roman"/>
+              </a:rPr>
+              <a:t>hình</a:t>
+            </a:r>
+            <a:r>
+              <a:rPr lang="en-US" dirty="0">
+                <a:latin typeface="Times New Roman"/>
+                <a:cs typeface="Times New Roman"/>
+              </a:rPr>
+              <a:t> OSI</a:t>
+            </a:r>
+          </a:p>
+          <a:p>
+            <a:pPr>
+              <a:buNone/>
+            </a:pPr>
+            <a:r>
+              <a:rPr lang="en-US" err="1">
+                <a:latin typeface="Times New Roman"/>
+                <a:cs typeface="Times New Roman"/>
+              </a:rPr>
+              <a:t>Đều</a:t>
+            </a:r>
+            <a:r>
+              <a:rPr lang="en-US" dirty="0">
+                <a:latin typeface="Times New Roman"/>
+                <a:cs typeface="Times New Roman"/>
+              </a:rPr>
+              <a:t> </a:t>
+            </a:r>
+            <a:r>
+              <a:rPr lang="en-US" err="1">
                 <a:latin typeface="Times New Roman"/>
                 <a:cs typeface="Times New Roman"/>
               </a:rPr>
@@ -13741,7 +14184,7 @@
               <a:t> </a:t>
             </a:r>
             <a:r>
-              <a:rPr lang="en-US" dirty="0" err="1">
+              <a:rPr lang="en-US" err="1">
                 <a:latin typeface="Times New Roman"/>
                 <a:cs typeface="Times New Roman"/>
               </a:rPr>
@@ -13755,7 +14198,7 @@
               <a:t> </a:t>
             </a:r>
             <a:r>
-              <a:rPr lang="en-US" dirty="0" err="1">
+              <a:rPr lang="en-US" err="1">
                 <a:latin typeface="Times New Roman"/>
                 <a:cs typeface="Times New Roman"/>
               </a:rPr>
@@ -13769,7 +14212,7 @@
               <a:t> </a:t>
             </a:r>
             <a:r>
-              <a:rPr lang="en-US" dirty="0" err="1">
+              <a:rPr lang="en-US" err="1">
                 <a:latin typeface="Times New Roman"/>
                 <a:cs typeface="Times New Roman"/>
               </a:rPr>
@@ -13783,7 +14226,7 @@
               <a:t> </a:t>
             </a:r>
             <a:r>
-              <a:rPr lang="en-US" dirty="0" err="1">
+              <a:rPr lang="en-US" err="1">
                 <a:latin typeface="Times New Roman"/>
                 <a:cs typeface="Times New Roman"/>
               </a:rPr>
@@ -13797,7 +14240,7 @@
               <a:t> </a:t>
             </a:r>
             <a:r>
-              <a:rPr lang="en-US" dirty="0" err="1">
+              <a:rPr lang="en-US" err="1">
                 <a:latin typeface="Times New Roman"/>
                 <a:cs typeface="Times New Roman"/>
               </a:rPr>
@@ -13811,7 +14254,7 @@
               <a:t>, </a:t>
             </a:r>
             <a:r>
-              <a:rPr lang="en-US" dirty="0" err="1">
+              <a:rPr lang="en-US" err="1">
                 <a:latin typeface="Times New Roman"/>
                 <a:cs typeface="Times New Roman"/>
               </a:rPr>
@@ -13825,7 +14268,7 @@
               <a:t> </a:t>
             </a:r>
             <a:r>
-              <a:rPr lang="en-US" dirty="0" err="1">
+              <a:rPr lang="en-US" err="1">
                 <a:latin typeface="Times New Roman"/>
                 <a:cs typeface="Times New Roman"/>
               </a:rPr>
@@ -13839,7 +14282,7 @@
               <a:t> </a:t>
             </a:r>
             <a:r>
-              <a:rPr lang="en-US" dirty="0" err="1">
+              <a:rPr lang="en-US" err="1">
                 <a:latin typeface="Times New Roman"/>
                 <a:cs typeface="Times New Roman"/>
               </a:rPr>
@@ -13853,7 +14296,7 @@
               <a:t> </a:t>
             </a:r>
             <a:r>
-              <a:rPr lang="en-US" dirty="0" err="1">
+              <a:rPr lang="en-US" err="1">
                 <a:latin typeface="Times New Roman"/>
                 <a:cs typeface="Times New Roman"/>
               </a:rPr>
@@ -13867,7 +14310,7 @@
               <a:t> </a:t>
             </a:r>
             <a:r>
-              <a:rPr lang="en-US" dirty="0" err="1">
+              <a:rPr lang="en-US" err="1">
                 <a:latin typeface="Times New Roman"/>
                 <a:cs typeface="Times New Roman"/>
               </a:rPr>
@@ -13881,7 +14324,7 @@
               <a:t> Thrift </a:t>
             </a:r>
             <a:r>
-              <a:rPr lang="en-US" dirty="0" err="1">
+              <a:rPr lang="en-US" err="1">
                 <a:latin typeface="Times New Roman"/>
                 <a:cs typeface="Times New Roman"/>
               </a:rPr>
@@ -13895,7 +14338,7 @@
               <a:t> </a:t>
             </a:r>
             <a:r>
-              <a:rPr lang="en-US" dirty="0" err="1">
+              <a:rPr lang="en-US" err="1">
                 <a:latin typeface="Times New Roman"/>
                 <a:cs typeface="Times New Roman"/>
               </a:rPr>
@@ -13909,7 +14352,7 @@
               <a:t> </a:t>
             </a:r>
             <a:r>
-              <a:rPr lang="en-US" dirty="0" err="1">
+              <a:rPr lang="en-US" err="1">
                 <a:latin typeface="Times New Roman"/>
                 <a:cs typeface="Times New Roman"/>
               </a:rPr>
@@ -13923,7 +14366,7 @@
               <a:t> </a:t>
             </a:r>
             <a:r>
-              <a:rPr lang="en-US" dirty="0" err="1">
+              <a:rPr lang="en-US" err="1">
                 <a:latin typeface="Times New Roman"/>
                 <a:cs typeface="Times New Roman"/>
               </a:rPr>
@@ -13937,7 +14380,7 @@
               <a:t> </a:t>
             </a:r>
             <a:r>
-              <a:rPr lang="en-US" dirty="0" err="1">
+              <a:rPr lang="en-US" err="1">
                 <a:latin typeface="Times New Roman"/>
                 <a:cs typeface="Times New Roman"/>
               </a:rPr>
@@ -13951,7 +14394,7 @@
               <a:t> </a:t>
             </a:r>
             <a:r>
-              <a:rPr lang="en-US" dirty="0" err="1">
+              <a:rPr lang="en-US" err="1">
                 <a:latin typeface="Times New Roman"/>
                 <a:cs typeface="Times New Roman"/>
               </a:rPr>
@@ -13965,7 +14408,7 @@
               <a:t> </a:t>
             </a:r>
             <a:r>
-              <a:rPr lang="en-US" dirty="0" err="1">
+              <a:rPr lang="en-US" err="1">
                 <a:latin typeface="Times New Roman"/>
                 <a:cs typeface="Times New Roman"/>
               </a:rPr>
@@ -13979,7 +14422,7 @@
               <a:t> </a:t>
             </a:r>
             <a:r>
-              <a:rPr lang="en-US" dirty="0" err="1">
+              <a:rPr lang="en-US" err="1">
                 <a:latin typeface="Times New Roman"/>
                 <a:cs typeface="Times New Roman"/>
               </a:rPr>
@@ -13993,7 +14436,7 @@
               <a:t> </a:t>
             </a:r>
             <a:r>
-              <a:rPr lang="en-US" dirty="0" err="1">
+              <a:rPr lang="en-US" err="1">
                 <a:latin typeface="Times New Roman"/>
                 <a:cs typeface="Times New Roman"/>
               </a:rPr>
@@ -14006,7 +14449,10 @@
               </a:rPr>
               <a:t> HTTP</a:t>
             </a:r>
-            <a:endParaRPr lang="en-US" dirty="0"/>
+            <a:endParaRPr lang="en-US">
+              <a:latin typeface="Times New Roman"/>
+              <a:cs typeface="Times New Roman"/>
+            </a:endParaRPr>
           </a:p>
           <a:p>
             <a:pPr>
@@ -14029,6 +14475,18 @@
   <p:clrMapOvr>
     <a:masterClrMapping/>
   </p:clrMapOvr>
+  <mc:AlternateContent xmlns:mc="http://schemas.openxmlformats.org/markup-compatibility/2006" xmlns:p14="http://schemas.microsoft.com/office/powerpoint/2010/main">
+    <mc:Choice Requires="p14">
+      <p:transition spd="med" p14:dur="700">
+        <p:fade/>
+      </p:transition>
+    </mc:Choice>
+    <mc:Fallback xmlns="">
+      <p:transition spd="med">
+        <p:fade/>
+      </p:transition>
+    </mc:Fallback>
+  </mc:AlternateContent>
 </p:sld>
 </file>
 
